--- a/RxJS_MARBLE_ET_OPERATOR.pptx
+++ b/RxJS_MARBLE_ET_OPERATOR.pptx
@@ -20,15 +20,15 @@
     <p:sldId id="262" r:id="rId11"/>
     <p:sldId id="263" r:id="rId12"/>
     <p:sldId id="265" r:id="rId13"/>
-    <p:sldId id="278" r:id="rId14"/>
-    <p:sldId id="264" r:id="rId15"/>
-    <p:sldId id="266" r:id="rId16"/>
-    <p:sldId id="267" r:id="rId17"/>
-    <p:sldId id="268" r:id="rId18"/>
-    <p:sldId id="269" r:id="rId19"/>
-    <p:sldId id="270" r:id="rId20"/>
-    <p:sldId id="271" r:id="rId21"/>
-    <p:sldId id="273" r:id="rId22"/>
+    <p:sldId id="264" r:id="rId14"/>
+    <p:sldId id="266" r:id="rId15"/>
+    <p:sldId id="267" r:id="rId16"/>
+    <p:sldId id="268" r:id="rId17"/>
+    <p:sldId id="269" r:id="rId18"/>
+    <p:sldId id="270" r:id="rId19"/>
+    <p:sldId id="271" r:id="rId20"/>
+    <p:sldId id="273" r:id="rId21"/>
+    <p:sldId id="278" r:id="rId22"/>
   </p:sldIdLst>
   <p:sldSz cx="9144000" cy="6858000" type="screen4x3"/>
   <p:notesSz cx="6858000" cy="9144000"/>
@@ -213,7 +213,7 @@
             <a:fld id="{8A49C0DF-4603-4646-85BC-A174D07E3C77}" type="datetimeFigureOut">
               <a:rPr lang="fr-FR" smtClean="0"/>
               <a:pPr/>
-              <a:t>14/01/2022</a:t>
+              <a:t>26/02/2025</a:t>
             </a:fld>
             <a:endParaRPr lang="fr-FR"/>
           </a:p>
@@ -598,7 +598,7 @@
             <a:fld id="{AA309A6D-C09C-4548-B29A-6CF363A7E532}" type="datetimeFigureOut">
               <a:rPr lang="fr-FR" smtClean="0"/>
               <a:pPr/>
-              <a:t>14/01/2022</a:t>
+              <a:t>26/02/2025</a:t>
             </a:fld>
             <a:endParaRPr lang="fr-BE"/>
           </a:p>
@@ -1317,7 +1317,7 @@
             <a:fld id="{AA309A6D-C09C-4548-B29A-6CF363A7E532}" type="datetimeFigureOut">
               <a:rPr lang="fr-FR" smtClean="0"/>
               <a:pPr/>
-              <a:t>14/01/2022</a:t>
+              <a:t>26/02/2025</a:t>
             </a:fld>
             <a:endParaRPr lang="fr-BE"/>
           </a:p>
@@ -1504,7 +1504,7 @@
             <a:fld id="{AA309A6D-C09C-4548-B29A-6CF363A7E532}" type="datetimeFigureOut">
               <a:rPr lang="fr-FR" smtClean="0"/>
               <a:pPr/>
-              <a:t>14/01/2022</a:t>
+              <a:t>26/02/2025</a:t>
             </a:fld>
             <a:endParaRPr lang="fr-BE"/>
           </a:p>
@@ -1681,7 +1681,7 @@
             <a:fld id="{AA309A6D-C09C-4548-B29A-6CF363A7E532}" type="datetimeFigureOut">
               <a:rPr lang="fr-FR" smtClean="0"/>
               <a:pPr/>
-              <a:t>14/01/2022</a:t>
+              <a:t>26/02/2025</a:t>
             </a:fld>
             <a:endParaRPr lang="fr-BE"/>
           </a:p>
@@ -3166,7 +3166,7 @@
             <a:fld id="{AA309A6D-C09C-4548-B29A-6CF363A7E532}" type="datetimeFigureOut">
               <a:rPr lang="fr-FR" smtClean="0"/>
               <a:pPr/>
-              <a:t>14/01/2022</a:t>
+              <a:t>26/02/2025</a:t>
             </a:fld>
             <a:endParaRPr lang="fr-BE"/>
           </a:p>
@@ -3768,7 +3768,7 @@
             <a:fld id="{AA309A6D-C09C-4548-B29A-6CF363A7E532}" type="datetimeFigureOut">
               <a:rPr lang="fr-FR" smtClean="0"/>
               <a:pPr/>
-              <a:t>14/01/2022</a:t>
+              <a:t>26/02/2025</a:t>
             </a:fld>
             <a:endParaRPr lang="fr-BE"/>
           </a:p>
@@ -4207,7 +4207,7 @@
             <a:fld id="{AA309A6D-C09C-4548-B29A-6CF363A7E532}" type="datetimeFigureOut">
               <a:rPr lang="fr-FR" smtClean="0"/>
               <a:pPr/>
-              <a:t>14/01/2022</a:t>
+              <a:t>26/02/2025</a:t>
             </a:fld>
             <a:endParaRPr lang="fr-BE"/>
           </a:p>
@@ -4770,7 +4770,7 @@
             <a:fld id="{AA309A6D-C09C-4548-B29A-6CF363A7E532}" type="datetimeFigureOut">
               <a:rPr lang="fr-FR" smtClean="0"/>
               <a:pPr/>
-              <a:t>14/01/2022</a:t>
+              <a:t>26/02/2025</a:t>
             </a:fld>
             <a:endParaRPr lang="fr-BE"/>
           </a:p>
@@ -4868,7 +4868,7 @@
             <a:fld id="{AA309A6D-C09C-4548-B29A-6CF363A7E532}" type="datetimeFigureOut">
               <a:rPr lang="fr-FR" smtClean="0"/>
               <a:pPr/>
-              <a:t>14/01/2022</a:t>
+              <a:t>26/02/2025</a:t>
             </a:fld>
             <a:endParaRPr lang="fr-BE"/>
           </a:p>
@@ -5124,7 +5124,7 @@
             <a:fld id="{AA309A6D-C09C-4548-B29A-6CF363A7E532}" type="datetimeFigureOut">
               <a:rPr lang="fr-FR" smtClean="0"/>
               <a:pPr/>
-              <a:t>14/01/2022</a:t>
+              <a:t>26/02/2025</a:t>
             </a:fld>
             <a:endParaRPr lang="fr-BE"/>
           </a:p>
@@ -5847,7 +5847,7 @@
             <a:fld id="{AA309A6D-C09C-4548-B29A-6CF363A7E532}" type="datetimeFigureOut">
               <a:rPr lang="fr-FR" smtClean="0"/>
               <a:pPr/>
-              <a:t>14/01/2022</a:t>
+              <a:t>26/02/2025</a:t>
             </a:fld>
             <a:endParaRPr lang="fr-BE"/>
           </a:p>
@@ -6522,7 +6522,7 @@
             <a:fld id="{AA309A6D-C09C-4548-B29A-6CF363A7E532}" type="datetimeFigureOut">
               <a:rPr lang="fr-FR" smtClean="0"/>
               <a:pPr/>
-              <a:t>14/01/2022</a:t>
+              <a:t>26/02/2025</a:t>
             </a:fld>
             <a:endParaRPr lang="fr-BE"/>
           </a:p>
@@ -7085,73 +7085,89 @@
           <a:lstStyle/>
           <a:p>
             <a:r>
-              <a:rPr lang="fr-FR" dirty="0"/>
-              <a:t>Exemples: </a:t>
-            </a:r>
-            <a:r>
-              <a:rPr lang="fr-FR" dirty="0" err="1"/>
+              <a:rPr lang="fr-FR" sz="2800" dirty="0" smtClean="0"/>
               <a:t>map</a:t>
             </a:r>
             <a:r>
-              <a:rPr lang="fr-FR" dirty="0"/>
+              <a:rPr lang="fr-FR" sz="2800" dirty="0"/>
               <a:t>, </a:t>
             </a:r>
             <a:r>
-              <a:rPr lang="fr-FR" dirty="0" err="1"/>
+              <a:rPr lang="fr-FR" sz="2800" dirty="0" err="1"/>
               <a:t>take</a:t>
             </a:r>
             <a:r>
-              <a:rPr lang="fr-FR" dirty="0"/>
+              <a:rPr lang="fr-FR" sz="2800" dirty="0"/>
               <a:t>, </a:t>
             </a:r>
             <a:r>
-              <a:rPr lang="fr-FR" dirty="0" err="1"/>
+              <a:rPr lang="fr-FR" sz="2800" dirty="0" err="1"/>
               <a:t>filter</a:t>
             </a:r>
             <a:r>
-              <a:rPr lang="fr-FR" dirty="0"/>
+              <a:rPr lang="fr-FR" sz="2800" dirty="0"/>
               <a:t>, etc.</a:t>
             </a:r>
           </a:p>
           <a:p>
             <a:pPr lvl="1"/>
             <a:r>
-              <a:rPr lang="fr-FR" i="1" dirty="0"/>
-              <a:t>Ils ont besoin d’une source d’émission pour fonctionner  (ils « opèrent » sur les valeurs émises).</a:t>
-            </a:r>
+              <a:rPr lang="fr-FR" sz="2800" dirty="0" smtClean="0"/>
+              <a:t>Nécessitent une </a:t>
+            </a:r>
+            <a:r>
+              <a:rPr lang="fr-FR" sz="2800" b="1" dirty="0" smtClean="0">
+                <a:solidFill>
+                  <a:srgbClr val="0070C0"/>
+                </a:solidFill>
+              </a:rPr>
+              <a:t>source d’émission</a:t>
+            </a:r>
+            <a:endParaRPr lang="fr-FR" sz="2800" dirty="0"/>
           </a:p>
           <a:p>
             <a:pPr lvl="1"/>
             <a:r>
-              <a:rPr lang="fr-FR" i="1" dirty="0" smtClean="0"/>
+              <a:rPr lang="fr-FR" sz="2800" dirty="0" smtClean="0"/>
               <a:t>1-N </a:t>
             </a:r>
             <a:r>
-              <a:rPr lang="fr-FR" i="1" dirty="0" err="1" smtClean="0"/>
+              <a:rPr lang="fr-FR" sz="2800" dirty="0" err="1" smtClean="0"/>
               <a:t>timelines</a:t>
             </a:r>
-            <a:r>
-              <a:rPr lang="fr-FR" i="1" dirty="0" smtClean="0"/>
-              <a:t>.</a:t>
+            <a:endParaRPr lang="fr-FR" sz="2800" dirty="0"/>
+          </a:p>
+          <a:p>
+            <a:pPr lvl="1"/>
+            <a:r>
+              <a:rPr lang="fr-FR" sz="2800" dirty="0" smtClean="0"/>
+              <a:t>Les </a:t>
+            </a:r>
+            <a:r>
+              <a:rPr lang="fr-FR" sz="2800" dirty="0"/>
+              <a:t>plus </a:t>
+            </a:r>
+            <a:r>
+              <a:rPr lang="fr-FR" sz="2800" b="1" dirty="0">
+                <a:solidFill>
+                  <a:srgbClr val="0070C0"/>
+                </a:solidFill>
+              </a:rPr>
+              <a:t>couramment</a:t>
+            </a:r>
+            <a:r>
+              <a:rPr lang="fr-FR" sz="2800" dirty="0"/>
+              <a:t> </a:t>
+            </a:r>
+            <a:r>
+              <a:rPr lang="fr-FR" sz="2800" dirty="0" smtClean="0"/>
+              <a:t>utilisés en </a:t>
+            </a:r>
+            <a:r>
+              <a:rPr lang="fr-FR" sz="2800" dirty="0" err="1" smtClean="0"/>
+              <a:t>dév</a:t>
             </a:r>
             <a:endParaRPr lang="fr-FR" i="1" dirty="0"/>
-          </a:p>
-          <a:p>
-            <a:pPr lvl="1"/>
-            <a:r>
-              <a:rPr lang="fr-FR" i="1" dirty="0"/>
-              <a:t>Les plus couramment utilisés en développement.</a:t>
-            </a:r>
-          </a:p>
-          <a:p>
-            <a:pPr lvl="1"/>
-            <a:endParaRPr lang="fr-FR" i="1" dirty="0"/>
-          </a:p>
-          <a:p>
-            <a:pPr>
-              <a:buNone/>
-            </a:pPr>
-            <a:endParaRPr lang="fr-FR" dirty="0"/>
           </a:p>
         </p:txBody>
       </p:sp>
@@ -7172,7 +7188,7 @@
         </p:blipFill>
         <p:spPr bwMode="auto">
           <a:xfrm>
-            <a:off x="2267743" y="4293096"/>
+            <a:off x="2267743" y="4429132"/>
             <a:ext cx="4608514" cy="1944216"/>
           </a:xfrm>
           <a:prstGeom prst="rect">
@@ -7285,19 +7301,11 @@
             </a:pPr>
             <a:r>
               <a:rPr lang="fr-FR" sz="1800" b="1" i="1" dirty="0"/>
-              <a:t>Contexte</a:t>
-            </a:r>
-            <a:r>
-              <a:rPr lang="fr-FR" sz="1800" b="1" i="1"/>
-              <a:t>: </a:t>
-            </a:r>
-            <a:r>
-              <a:rPr lang="fr-FR" sz="1800" i="1"/>
-              <a:t>Regroupement </a:t>
+              <a:t>Contexte: </a:t>
             </a:r>
             <a:r>
               <a:rPr lang="fr-FR" sz="1800" i="1" dirty="0"/>
-              <a:t>de plusieurs sources (N </a:t>
+              <a:t>Regroupement de plusieurs sources (N </a:t>
             </a:r>
             <a:r>
               <a:rPr lang="fr-FR" sz="1800" i="1" dirty="0" err="1"/>
@@ -7329,7 +7337,11 @@
               <a:t> </a:t>
             </a:r>
             <a:r>
-              <a:rPr lang="fr-FR" sz="1800" b="1" i="1" dirty="0"/>
+              <a:rPr lang="fr-FR" sz="1800" b="1" dirty="0">
+                <a:solidFill>
+                  <a:srgbClr val="0070C0"/>
+                </a:solidFill>
+              </a:rPr>
               <a:t>Outer observable </a:t>
             </a:r>
             <a:r>
@@ -7466,11 +7478,19 @@
               <a:t> </a:t>
             </a:r>
             <a:r>
-              <a:rPr lang="fr-FR" sz="1800" b="1" i="1" dirty="0" err="1"/>
+              <a:rPr lang="fr-FR" sz="1800" b="1" dirty="0" err="1">
+                <a:solidFill>
+                  <a:srgbClr val="0070C0"/>
+                </a:solidFill>
+              </a:rPr>
               <a:t>Inner</a:t>
             </a:r>
             <a:r>
-              <a:rPr lang="fr-FR" sz="1800" b="1" i="1" dirty="0"/>
+              <a:rPr lang="fr-FR" sz="1800" b="1" dirty="0">
+                <a:solidFill>
+                  <a:srgbClr val="0070C0"/>
+                </a:solidFill>
+              </a:rPr>
               <a:t> observable </a:t>
             </a:r>
             <a:r>
@@ -7501,7 +7521,7 @@
               </a:spcBef>
               <a:buNone/>
             </a:pPr>
-            <a:endParaRPr lang="fr-FR" sz="1800" i="1" dirty="0"/>
+            <a:endParaRPr lang="fr-FR" sz="1800" i="1" dirty="0" smtClean="0"/>
           </a:p>
           <a:p>
             <a:pPr marL="0">
@@ -7511,7 +7531,7 @@
               <a:buNone/>
             </a:pPr>
             <a:r>
-              <a:rPr lang="fr-FR" sz="1800" i="1" dirty="0">
+              <a:rPr lang="fr-FR" sz="1800" i="1" dirty="0" smtClean="0">
                 <a:solidFill>
                   <a:srgbClr val="00B0F0"/>
                 </a:solidFill>
@@ -7519,7 +7539,7 @@
               <a:t>La ligne 1 représente un </a:t>
             </a:r>
             <a:r>
-              <a:rPr lang="fr-FR" sz="1800" i="1" dirty="0" err="1">
+              <a:rPr lang="fr-FR" sz="1800" i="1" dirty="0" err="1" smtClean="0">
                 <a:solidFill>
                   <a:srgbClr val="00B0F0"/>
                 </a:solidFill>
@@ -7527,7 +7547,7 @@
               <a:t>outer</a:t>
             </a:r>
             <a:r>
-              <a:rPr lang="fr-FR" sz="1800" i="1" dirty="0">
+              <a:rPr lang="fr-FR" sz="1800" i="1" dirty="0" smtClean="0">
                 <a:solidFill>
                   <a:srgbClr val="00B0F0"/>
                 </a:solidFill>
@@ -7535,7 +7555,7 @@
               <a:t> observable, la ligne 2 représente un </a:t>
             </a:r>
             <a:r>
-              <a:rPr lang="fr-FR" sz="1800" i="1" dirty="0" err="1">
+              <a:rPr lang="fr-FR" sz="1800" i="1" dirty="0" err="1" smtClean="0">
                 <a:solidFill>
                   <a:srgbClr val="00B0F0"/>
                 </a:solidFill>
@@ -7543,7 +7563,7 @@
               <a:t>inner</a:t>
             </a:r>
             <a:r>
-              <a:rPr lang="fr-FR" sz="1800" i="1" dirty="0">
+              <a:rPr lang="fr-FR" sz="1800" i="1" dirty="0" smtClean="0">
                 <a:solidFill>
                   <a:srgbClr val="00B0F0"/>
                 </a:solidFill>
@@ -7558,13 +7578,34 @@
               </a:spcBef>
               <a:buNone/>
             </a:pPr>
+            <a:endParaRPr lang="fr-FR" sz="1800" i="1" dirty="0" smtClean="0">
+              <a:solidFill>
+                <a:srgbClr val="00B0F0"/>
+              </a:solidFill>
+            </a:endParaRPr>
+          </a:p>
+          <a:p>
+            <a:pPr marL="0">
+              <a:spcBef>
+                <a:spcPts val="0"/>
+              </a:spcBef>
+              <a:buNone/>
+            </a:pPr>
+            <a:r>
+              <a:rPr lang="fr-FR" sz="1800" i="1" dirty="0" smtClean="0">
+                <a:solidFill>
+                  <a:srgbClr val="00B0F0"/>
+                </a:solidFill>
+              </a:rPr>
+              <a:t>Le </a:t>
+            </a:r>
             <a:r>
               <a:rPr lang="fr-FR" sz="1800" i="1" dirty="0">
                 <a:solidFill>
                   <a:srgbClr val="00B0F0"/>
                 </a:solidFill>
               </a:rPr>
-              <a:t>Le délai de traitement au sein de l’</a:t>
+              <a:t>délai de traitement au sein de l’</a:t>
             </a:r>
             <a:r>
               <a:rPr lang="fr-FR" sz="1800" i="1" dirty="0" err="1">
@@ -7715,14 +7756,14 @@
             <p:ph idx="1"/>
             <p:extLst>
               <p:ext uri="{D42A27DB-BD31-4B8C-83A1-F6EECF244321}">
-                <p14:modId xmlns="" xmlns:p14="http://schemas.microsoft.com/office/powerpoint/2010/main" val="241284352"/>
+                <p14:modId xmlns:p14="http://schemas.microsoft.com/office/powerpoint/2010/main" xmlns="" val="241284352"/>
               </p:ext>
             </p:extLst>
           </p:nvPr>
         </p:nvGraphicFramePr>
         <p:xfrm>
-          <a:off x="755576" y="1340768"/>
-          <a:ext cx="7642964" cy="3048000"/>
+          <a:off x="857224" y="1500174"/>
+          <a:ext cx="7642964" cy="2677160"/>
         </p:xfrm>
         <a:graphic>
           <a:graphicData uri="http://schemas.openxmlformats.org/drawingml/2006/table">
@@ -7734,14 +7775,14 @@
                 <a:gridCol w="1378268">
                   <a:extLst>
                     <a:ext uri="{9D8B030D-6E8A-4147-A177-3AD203B41FA5}">
-                      <a16:colId xmlns="" xmlns:a16="http://schemas.microsoft.com/office/drawing/2014/main" val="20000"/>
+                      <a16:colId xmlns:a16="http://schemas.microsoft.com/office/drawing/2014/main" xmlns="" val="20000"/>
                     </a:ext>
                   </a:extLst>
                 </a:gridCol>
                 <a:gridCol w="6264696">
                   <a:extLst>
                     <a:ext uri="{9D8B030D-6E8A-4147-A177-3AD203B41FA5}">
-                      <a16:colId xmlns="" xmlns:a16="http://schemas.microsoft.com/office/drawing/2014/main" val="20001"/>
+                      <a16:colId xmlns:a16="http://schemas.microsoft.com/office/drawing/2014/main" xmlns="" val="20001"/>
                     </a:ext>
                   </a:extLst>
                 </a:gridCol>
@@ -7810,7 +7851,7 @@
                 </a:tc>
                 <a:extLst>
                   <a:ext uri="{0D108BD9-81ED-4DB2-BD59-A6C34878D82A}">
-                    <a16:rowId xmlns="" xmlns:a16="http://schemas.microsoft.com/office/drawing/2014/main" val="10000"/>
+                    <a16:rowId xmlns:a16="http://schemas.microsoft.com/office/drawing/2014/main" xmlns="" val="10000"/>
                   </a:ext>
                 </a:extLst>
               </a:tr>
@@ -7824,7 +7865,7 @@
                         <a:rPr lang="fr-FR" sz="1600" dirty="0" err="1">
                           <a:latin typeface="+mn-lt"/>
                         </a:rPr>
-                        <a:t>pluck</a:t>
+                        <a:t>map</a:t>
                       </a:r>
                       <a:r>
                         <a:rPr lang="fr-FR" sz="1600" dirty="0">
@@ -7842,28 +7883,22 @@
                     <a:lstStyle/>
                     <a:p>
                       <a:r>
-                        <a:rPr lang="fr-FR" sz="1600" i="1" baseline="0" dirty="0">
-                          <a:latin typeface="+mn-lt"/>
-                        </a:rPr>
-                        <a:t>« Cueillir » en VO. </a:t>
-                      </a:r>
-                      <a:r>
                         <a:rPr lang="fr-FR" sz="1600" dirty="0">
                           <a:latin typeface="+mn-lt"/>
                         </a:rPr>
-                        <a:t>« </a:t>
-                      </a:r>
-                      <a:r>
-                        <a:rPr lang="fr-FR" sz="1600" dirty="0" err="1">
+                        <a:t>Récupérer </a:t>
+                      </a:r>
+                      <a:r>
+                        <a:rPr lang="fr-FR" sz="1600" dirty="0" smtClean="0">
                           <a:latin typeface="+mn-lt"/>
                         </a:rPr>
-                        <a:t>getAttribute</a:t>
+                        <a:t>l’objet présent  dans le pipe pour </a:t>
                       </a:r>
                       <a:r>
                         <a:rPr lang="fr-FR" sz="1600" dirty="0">
                           <a:latin typeface="+mn-lt"/>
                         </a:rPr>
-                        <a:t>() » sur l’objet présent dans le pipe.</a:t>
+                        <a:t>le modifier.</a:t>
                       </a:r>
                     </a:p>
                   </a:txBody>
@@ -7871,62 +7906,7 @@
                 </a:tc>
                 <a:extLst>
                   <a:ext uri="{0D108BD9-81ED-4DB2-BD59-A6C34878D82A}">
-                    <a16:rowId xmlns="" xmlns:a16="http://schemas.microsoft.com/office/drawing/2014/main" val="10002"/>
-                  </a:ext>
-                </a:extLst>
-              </a:tr>
-              <a:tr h="370840">
-                <a:tc>
-                  <a:txBody>
-                    <a:bodyPr/>
-                    <a:lstStyle/>
-                    <a:p>
-                      <a:r>
-                        <a:rPr lang="fr-FR" sz="1600" dirty="0" err="1">
-                          <a:latin typeface="+mn-lt"/>
-                        </a:rPr>
-                        <a:t>map</a:t>
-                      </a:r>
-                      <a:r>
-                        <a:rPr lang="fr-FR" sz="1600" dirty="0">
-                          <a:latin typeface="+mn-lt"/>
-                        </a:rPr>
-                        <a:t>()</a:t>
-                      </a:r>
-                    </a:p>
-                  </a:txBody>
-                  <a:tcPr anchor="ctr"/>
-                </a:tc>
-                <a:tc>
-                  <a:txBody>
-                    <a:bodyPr/>
-                    <a:lstStyle/>
-                    <a:p>
-                      <a:r>
-                        <a:rPr lang="fr-FR" sz="1600" dirty="0">
-                          <a:latin typeface="+mn-lt"/>
-                        </a:rPr>
-                        <a:t>Récupérer </a:t>
-                      </a:r>
-                      <a:r>
-                        <a:rPr lang="fr-FR" sz="1600" dirty="0" smtClean="0">
-                          <a:latin typeface="+mn-lt"/>
-                        </a:rPr>
-                        <a:t>l’objet présent  dans le pipe pour </a:t>
-                      </a:r>
-                      <a:r>
-                        <a:rPr lang="fr-FR" sz="1600" dirty="0">
-                          <a:latin typeface="+mn-lt"/>
-                        </a:rPr>
-                        <a:t>le modifier.</a:t>
-                      </a:r>
-                    </a:p>
-                  </a:txBody>
-                  <a:tcPr anchor="ctr"/>
-                </a:tc>
-                <a:extLst>
-                  <a:ext uri="{0D108BD9-81ED-4DB2-BD59-A6C34878D82A}">
-                    <a16:rowId xmlns="" xmlns:a16="http://schemas.microsoft.com/office/drawing/2014/main" val="10003"/>
+                    <a16:rowId xmlns:a16="http://schemas.microsoft.com/office/drawing/2014/main" xmlns="" val="10003"/>
                   </a:ext>
                 </a:extLst>
               </a:tr>
@@ -7983,7 +7963,7 @@
                 </a:tc>
                 <a:extLst>
                   <a:ext uri="{0D108BD9-81ED-4DB2-BD59-A6C34878D82A}">
-                    <a16:rowId xmlns="" xmlns:a16="http://schemas.microsoft.com/office/drawing/2014/main" val="10004"/>
+                    <a16:rowId xmlns:a16="http://schemas.microsoft.com/office/drawing/2014/main" xmlns="" val="10004"/>
                   </a:ext>
                 </a:extLst>
               </a:tr>
@@ -8228,13 +8208,13 @@
           <p:nvPr>
             <p:extLst>
               <p:ext uri="{D42A27DB-BD31-4B8C-83A1-F6EECF244321}">
-                <p14:modId xmlns="" xmlns:p14="http://schemas.microsoft.com/office/powerpoint/2010/main" val="241284352"/>
+                <p14:modId xmlns:p14="http://schemas.microsoft.com/office/powerpoint/2010/main" xmlns="" val="241284352"/>
               </p:ext>
             </p:extLst>
           </p:nvPr>
         </p:nvGraphicFramePr>
         <p:xfrm>
-          <a:off x="750518" y="4797152"/>
+          <a:off x="857224" y="4429132"/>
           <a:ext cx="7642964" cy="1808480"/>
         </p:xfrm>
         <a:graphic>
@@ -8247,14 +8227,14 @@
                 <a:gridCol w="1378268">
                   <a:extLst>
                     <a:ext uri="{9D8B030D-6E8A-4147-A177-3AD203B41FA5}">
-                      <a16:colId xmlns="" xmlns:a16="http://schemas.microsoft.com/office/drawing/2014/main" val="20000"/>
+                      <a16:colId xmlns:a16="http://schemas.microsoft.com/office/drawing/2014/main" xmlns="" val="20000"/>
                     </a:ext>
                   </a:extLst>
                 </a:gridCol>
                 <a:gridCol w="6264696">
                   <a:extLst>
                     <a:ext uri="{9D8B030D-6E8A-4147-A177-3AD203B41FA5}">
-                      <a16:colId xmlns="" xmlns:a16="http://schemas.microsoft.com/office/drawing/2014/main" val="20001"/>
+                      <a16:colId xmlns:a16="http://schemas.microsoft.com/office/drawing/2014/main" xmlns="" val="20001"/>
                     </a:ext>
                   </a:extLst>
                 </a:gridCol>
@@ -8323,7 +8303,7 @@
                 </a:tc>
                 <a:extLst>
                   <a:ext uri="{0D108BD9-81ED-4DB2-BD59-A6C34878D82A}">
-                    <a16:rowId xmlns="" xmlns:a16="http://schemas.microsoft.com/office/drawing/2014/main" val="10000"/>
+                    <a16:rowId xmlns:a16="http://schemas.microsoft.com/office/drawing/2014/main" xmlns="" val="10000"/>
                   </a:ext>
                 </a:extLst>
               </a:tr>
@@ -8358,19 +8338,28 @@
                     <a:lstStyle/>
                     <a:p>
                       <a:r>
-                        <a:rPr lang="fr-FR" sz="1600" i="1" dirty="0" err="1" smtClean="0">
+                        <a:rPr lang="fr-FR" sz="1600" b="1" i="0" dirty="0" err="1" smtClean="0">
+                          <a:solidFill>
+                            <a:srgbClr val="0070C0"/>
+                          </a:solidFill>
                           <a:latin typeface="+mn-lt"/>
                         </a:rPr>
                         <a:t>Combination</a:t>
                       </a:r>
                       <a:r>
-                        <a:rPr lang="fr-FR" sz="1600" i="1" dirty="0" smtClean="0">
+                        <a:rPr lang="fr-FR" sz="1600" b="1" i="0" dirty="0" smtClean="0">
+                          <a:solidFill>
+                            <a:srgbClr val="0070C0"/>
+                          </a:solidFill>
                           <a:latin typeface="+mn-lt"/>
                         </a:rPr>
                         <a:t> </a:t>
                       </a:r>
                       <a:r>
-                        <a:rPr lang="fr-FR" sz="1600" i="1" dirty="0" err="1" smtClean="0">
+                        <a:rPr lang="fr-FR" sz="1600" b="1" i="0" dirty="0" err="1" smtClean="0">
+                          <a:solidFill>
+                            <a:srgbClr val="0070C0"/>
+                          </a:solidFill>
                           <a:latin typeface="+mn-lt"/>
                         </a:rPr>
                         <a:t>operator</a:t>
@@ -8482,76 +8471,55 @@
                     <a:lstStyle/>
                     <a:p>
                       <a:r>
+                        <a:rPr lang="fr-FR" sz="1600" b="1" i="1" dirty="0" smtClean="0">
+                          <a:solidFill>
+                            <a:srgbClr val="0070C0"/>
+                          </a:solidFill>
+                          <a:latin typeface="+mn-lt"/>
+                        </a:rPr>
+                        <a:t>High-</a:t>
+                      </a:r>
+                      <a:r>
+                        <a:rPr lang="fr-FR" sz="1600" b="1" i="1" dirty="0" err="1" smtClean="0">
+                          <a:solidFill>
+                            <a:srgbClr val="0070C0"/>
+                          </a:solidFill>
+                          <a:latin typeface="+mn-lt"/>
+                        </a:rPr>
+                        <a:t>order</a:t>
+                      </a:r>
+                      <a:r>
+                        <a:rPr lang="fr-FR" sz="1600" b="1" dirty="0" smtClean="0">
+                          <a:solidFill>
+                            <a:srgbClr val="0070C0"/>
+                          </a:solidFill>
+                          <a:latin typeface="+mn-lt"/>
+                        </a:rPr>
+                        <a:t> </a:t>
+                      </a:r>
+                      <a:r>
+                        <a:rPr lang="fr-FR" sz="1600" b="1" i="1" dirty="0" err="1" smtClean="0">
+                          <a:solidFill>
+                            <a:srgbClr val="0070C0"/>
+                          </a:solidFill>
+                          <a:latin typeface="+mn-lt"/>
+                        </a:rPr>
+                        <a:t>operators</a:t>
+                      </a:r>
+                      <a:r>
+                        <a:rPr lang="fr-FR" sz="1600" b="1" dirty="0" smtClean="0">
+                          <a:solidFill>
+                            <a:srgbClr val="0070C0"/>
+                          </a:solidFill>
+                          <a:latin typeface="+mn-lt"/>
+                        </a:rPr>
+                        <a:t> </a:t>
+                      </a:r>
+                      <a:r>
                         <a:rPr lang="fr-FR" sz="1600" dirty="0" smtClean="0">
                           <a:latin typeface="+mn-lt"/>
                         </a:rPr>
-                        <a:t>Liste des </a:t>
-                      </a:r>
-                      <a:r>
-                        <a:rPr lang="fr-FR" sz="1600" i="1" dirty="0" err="1" smtClean="0">
-                          <a:latin typeface="+mn-lt"/>
-                        </a:rPr>
-                        <a:t>high</a:t>
-                      </a:r>
-                      <a:r>
-                        <a:rPr lang="fr-FR" sz="1600" i="1" dirty="0" smtClean="0">
-                          <a:latin typeface="+mn-lt"/>
-                        </a:rPr>
-                        <a:t>-</a:t>
-                      </a:r>
-                      <a:r>
-                        <a:rPr lang="fr-FR" sz="1600" i="1" dirty="0" err="1" smtClean="0">
-                          <a:latin typeface="+mn-lt"/>
-                        </a:rPr>
-                        <a:t>order</a:t>
-                      </a:r>
-                      <a:r>
-                        <a:rPr lang="fr-FR" sz="1600" dirty="0" smtClean="0">
-                          <a:latin typeface="+mn-lt"/>
-                        </a:rPr>
-                        <a:t> </a:t>
-                      </a:r>
-                      <a:r>
-                        <a:rPr lang="fr-FR" sz="1600" i="1" dirty="0" err="1" smtClean="0">
-                          <a:latin typeface="+mn-lt"/>
-                        </a:rPr>
-                        <a:t>operators</a:t>
-                      </a:r>
-                      <a:r>
-                        <a:rPr lang="fr-FR" sz="1600" dirty="0" smtClean="0">
-                          <a:latin typeface="+mn-lt"/>
-                        </a:rPr>
-                        <a:t> existants, pour gérer finement les </a:t>
-                      </a:r>
-                      <a:r>
-                        <a:rPr lang="fr-FR" sz="1600" i="1" dirty="0" err="1" smtClean="0">
-                          <a:latin typeface="+mn-lt"/>
-                        </a:rPr>
-                        <a:t>subscribes</a:t>
-                      </a:r>
-                      <a:r>
-                        <a:rPr lang="fr-FR" sz="1600" baseline="0" dirty="0" smtClean="0">
-                          <a:latin typeface="+mn-lt"/>
-                        </a:rPr>
-                        <a:t> imbriqués. </a:t>
-                      </a:r>
-                      <a:r>
-                        <a:rPr lang="fr-FR" sz="1600" i="1" baseline="0" dirty="0" smtClean="0">
-                          <a:latin typeface="+mn-lt"/>
-                        </a:rPr>
-                        <a:t>Dans le doute: </a:t>
-                      </a:r>
-                      <a:r>
-                        <a:rPr lang="fr-FR" sz="1600" i="1" baseline="0" dirty="0" err="1" smtClean="0">
-                          <a:latin typeface="+mn-lt"/>
-                        </a:rPr>
-                        <a:t>switchMap</a:t>
-                      </a:r>
-                      <a:r>
-                        <a:rPr lang="fr-FR" sz="1600" i="1" baseline="0" dirty="0" smtClean="0">
-                          <a:latin typeface="+mn-lt"/>
-                        </a:rPr>
-                        <a:t>()!</a:t>
+                        <a:t>existants.</a:t>
                       </a:r>
                       <a:endParaRPr lang="fr-FR" sz="1600" i="1" dirty="0">
                         <a:latin typeface="+mn-lt"/>
@@ -8597,795 +8565,6 @@
             <a:spLocks noGrp="1"/>
           </p:cNvSpPr>
           <p:nvPr>
-            <p:ph type="title"/>
-          </p:nvPr>
-        </p:nvSpPr>
-        <p:spPr/>
-        <p:txBody>
-          <a:bodyPr/>
-          <a:lstStyle/>
-          <a:p>
-            <a:endParaRPr lang="fr-FR" dirty="0"/>
-          </a:p>
-        </p:txBody>
-      </p:sp>
-      <p:graphicFrame>
-        <p:nvGraphicFramePr>
-          <p:cNvPr id="5" name="Espace réservé du contenu 3"/>
-          <p:cNvGraphicFramePr>
-            <a:graphicFrameLocks/>
-          </p:cNvGraphicFramePr>
-          <p:nvPr>
-            <p:extLst>
-              <p:ext uri="{D42A27DB-BD31-4B8C-83A1-F6EECF244321}">
-                <p14:modId xmlns="" xmlns:p14="http://schemas.microsoft.com/office/powerpoint/2010/main" val="2224270047"/>
-              </p:ext>
-            </p:extLst>
-          </p:nvPr>
-        </p:nvGraphicFramePr>
-        <p:xfrm>
-          <a:off x="611560" y="1268760"/>
-          <a:ext cx="8208912" cy="5040560"/>
-        </p:xfrm>
-        <a:graphic>
-          <a:graphicData uri="http://schemas.openxmlformats.org/drawingml/2006/table">
-            <a:tbl>
-              <a:tblPr firstRow="1" bandRow="1">
-                <a:tableStyleId>{00A15C55-8517-42AA-B614-E9B94910E393}</a:tableStyleId>
-              </a:tblPr>
-              <a:tblGrid>
-                <a:gridCol w="8208912">
-                  <a:extLst>
-                    <a:ext uri="{9D8B030D-6E8A-4147-A177-3AD203B41FA5}">
-                      <a16:colId xmlns="" xmlns:a16="http://schemas.microsoft.com/office/drawing/2014/main" val="20000"/>
-                    </a:ext>
-                  </a:extLst>
-                </a:gridCol>
-              </a:tblGrid>
-              <a:tr h="521437">
-                <a:tc>
-                  <a:txBody>
-                    <a:bodyPr/>
-                    <a:lstStyle/>
-                    <a:p>
-                      <a:pPr marL="0" marR="0" indent="0" algn="ctr" defTabSz="914400" rtl="0" eaLnBrk="1" fontAlgn="auto" latinLnBrk="0" hangingPunct="1">
-                        <a:lnSpc>
-                          <a:spcPct val="100000"/>
-                        </a:lnSpc>
-                        <a:spcBef>
-                          <a:spcPts val="0"/>
-                        </a:spcBef>
-                        <a:spcAft>
-                          <a:spcPts val="0"/>
-                        </a:spcAft>
-                        <a:buClrTx/>
-                        <a:buSzTx/>
-                        <a:buFontTx/>
-                        <a:buNone/>
-                        <a:tabLst/>
-                        <a:defRPr/>
-                      </a:pPr>
-                      <a:r>
-                        <a:rPr lang="fr-FR" dirty="0"/>
-                        <a:t>Exemple</a:t>
-                      </a:r>
-                    </a:p>
-                  </a:txBody>
-                  <a:tcPr>
-                    <a:solidFill>
-                      <a:srgbClr val="0070C0"/>
-                    </a:solidFill>
-                  </a:tcPr>
-                </a:tc>
-                <a:extLst>
-                  <a:ext uri="{0D108BD9-81ED-4DB2-BD59-A6C34878D82A}">
-                    <a16:rowId xmlns="" xmlns:a16="http://schemas.microsoft.com/office/drawing/2014/main" val="10000"/>
-                  </a:ext>
-                </a:extLst>
-              </a:tr>
-              <a:tr h="4519123">
-                <a:tc>
-                  <a:txBody>
-                    <a:bodyPr/>
-                    <a:lstStyle/>
-                    <a:p>
-                      <a:pPr algn="l"/>
-                      <a:r>
-                        <a:rPr lang="en-US" sz="1400" dirty="0">
-                          <a:latin typeface="+mj-lt"/>
-                        </a:rPr>
-                        <a:t>const </a:t>
-                      </a:r>
-                      <a:r>
-                        <a:rPr kumimoji="0" lang="fr-FR" sz="1400" kern="1200" dirty="0" smtClean="0">
-                          <a:solidFill>
-                            <a:schemeClr val="dk1"/>
-                          </a:solidFill>
-                          <a:latin typeface="+mj-lt"/>
-                          <a:ea typeface="+mn-ea"/>
-                          <a:cs typeface="+mn-cs"/>
-                        </a:rPr>
-                        <a:t>clients$ </a:t>
-                      </a:r>
-                      <a:r>
-                        <a:rPr lang="en-US" sz="1400" dirty="0">
-                          <a:latin typeface="+mj-lt"/>
-                        </a:rPr>
-                        <a:t>= from([</a:t>
-                      </a:r>
-                    </a:p>
-                    <a:p>
-                      <a:pPr algn="l"/>
-                      <a:r>
-                        <a:rPr lang="en-US" sz="1400" dirty="0">
-                          <a:latin typeface="+mj-lt"/>
-                        </a:rPr>
-                        <a:t>   { name: 'Joe', age: 1, </a:t>
-                      </a:r>
-                      <a:r>
-                        <a:rPr lang="en-US" sz="1400" dirty="0" err="1">
-                          <a:latin typeface="+mj-lt"/>
-                        </a:rPr>
-                        <a:t>coordonnees</a:t>
-                      </a:r>
-                      <a:r>
-                        <a:rPr lang="en-US" sz="1400" dirty="0">
-                          <a:latin typeface="+mj-lt"/>
-                        </a:rPr>
-                        <a:t>: {</a:t>
-                      </a:r>
-                      <a:r>
-                        <a:rPr lang="en-US" sz="1400" dirty="0" err="1">
-                          <a:latin typeface="+mj-lt"/>
-                        </a:rPr>
-                        <a:t>adresse</a:t>
-                      </a:r>
-                      <a:r>
-                        <a:rPr lang="en-US" sz="1400" dirty="0">
-                          <a:latin typeface="+mj-lt"/>
-                        </a:rPr>
-                        <a:t>: "</a:t>
-                      </a:r>
-                      <a:r>
-                        <a:rPr kumimoji="0" lang="en-US" sz="1400" kern="1200" dirty="0">
-                          <a:solidFill>
-                            <a:schemeClr val="dk1"/>
-                          </a:solidFill>
-                          <a:latin typeface="+mj-lt"/>
-                          <a:ea typeface="+mn-ea"/>
-                          <a:cs typeface="+mn-cs"/>
-                        </a:rPr>
-                        <a:t>rue de Joe"</a:t>
-                      </a:r>
-                      <a:r>
-                        <a:rPr lang="en-US" sz="1400" dirty="0">
-                          <a:latin typeface="+mj-lt"/>
-                        </a:rPr>
-                        <a:t>}</a:t>
-                      </a:r>
-                      <a:r>
-                        <a:rPr kumimoji="0" lang="en-US" sz="1400" kern="1200" dirty="0">
-                          <a:solidFill>
-                            <a:schemeClr val="dk1"/>
-                          </a:solidFill>
-                          <a:latin typeface="+mj-lt"/>
-                          <a:ea typeface="+mn-ea"/>
-                          <a:cs typeface="+mn-cs"/>
-                        </a:rPr>
-                        <a:t> }</a:t>
-                      </a:r>
-                      <a:r>
-                        <a:rPr lang="en-US" sz="1400" dirty="0">
-                          <a:latin typeface="+mj-lt"/>
-                        </a:rPr>
-                        <a:t>,</a:t>
-                      </a:r>
-                    </a:p>
-                    <a:p>
-                      <a:pPr algn="l"/>
-                      <a:r>
-                        <a:rPr lang="en-US" sz="1400" dirty="0">
-                          <a:latin typeface="+mj-lt"/>
-                        </a:rPr>
-                        <a:t>   </a:t>
-                      </a:r>
-                      <a:r>
-                        <a:rPr kumimoji="0" lang="en-US" sz="1400" kern="1200" dirty="0">
-                          <a:solidFill>
-                            <a:schemeClr val="dk1"/>
-                          </a:solidFill>
-                          <a:latin typeface="+mj-lt"/>
-                          <a:ea typeface="+mn-ea"/>
-                          <a:cs typeface="+mn-cs"/>
-                        </a:rPr>
-                        <a:t>{ name: 'Bob', age: 20, </a:t>
-                      </a:r>
-                      <a:r>
-                        <a:rPr kumimoji="0" lang="en-US" sz="1400" kern="1200" dirty="0" err="1">
-                          <a:solidFill>
-                            <a:schemeClr val="dk1"/>
-                          </a:solidFill>
-                          <a:latin typeface="+mj-lt"/>
-                          <a:ea typeface="+mn-ea"/>
-                          <a:cs typeface="+mn-cs"/>
-                        </a:rPr>
-                        <a:t>coordonnees</a:t>
-                      </a:r>
-                      <a:r>
-                        <a:rPr kumimoji="0" lang="en-US" sz="1400" kern="1200" dirty="0">
-                          <a:solidFill>
-                            <a:schemeClr val="dk1"/>
-                          </a:solidFill>
-                          <a:latin typeface="+mj-lt"/>
-                          <a:ea typeface="+mn-ea"/>
-                          <a:cs typeface="+mn-cs"/>
-                        </a:rPr>
-                        <a:t>: {</a:t>
-                      </a:r>
-                      <a:r>
-                        <a:rPr kumimoji="0" lang="en-US" sz="1400" kern="1200" dirty="0" err="1">
-                          <a:solidFill>
-                            <a:schemeClr val="dk1"/>
-                          </a:solidFill>
-                          <a:latin typeface="+mj-lt"/>
-                          <a:ea typeface="+mn-ea"/>
-                          <a:cs typeface="+mn-cs"/>
-                        </a:rPr>
-                        <a:t>adresse</a:t>
-                      </a:r>
-                      <a:r>
-                        <a:rPr kumimoji="0" lang="en-US" sz="1400" kern="1200" dirty="0">
-                          <a:solidFill>
-                            <a:schemeClr val="dk1"/>
-                          </a:solidFill>
-                          <a:latin typeface="+mj-lt"/>
-                          <a:ea typeface="+mn-ea"/>
-                          <a:cs typeface="+mn-cs"/>
-                        </a:rPr>
-                        <a:t>: "rue de Bob"} },</a:t>
-                      </a:r>
-                    </a:p>
-                    <a:p>
-                      <a:pPr algn="l"/>
-                      <a:r>
-                        <a:rPr lang="en-US" sz="1400" dirty="0">
-                          <a:latin typeface="+mj-lt"/>
-                        </a:rPr>
-                        <a:t>]);</a:t>
-                      </a:r>
-                      <a:endParaRPr lang="fr-FR" sz="1400" dirty="0">
-                        <a:latin typeface="+mj-lt"/>
-                      </a:endParaRPr>
-                    </a:p>
-                    <a:p>
-                      <a:pPr algn="l"/>
-                      <a:endParaRPr lang="fr-FR" sz="1400" dirty="0">
-                        <a:latin typeface="+mj-lt"/>
-                      </a:endParaRPr>
-                    </a:p>
-                    <a:p>
-                      <a:pPr algn="l"/>
-                      <a:r>
-                        <a:rPr lang="fr-FR" sz="1400" dirty="0" smtClean="0">
-                          <a:latin typeface="+mj-lt"/>
-                        </a:rPr>
-                        <a:t>clients$.</a:t>
-                      </a:r>
-                      <a:r>
-                        <a:rPr lang="fr-FR" sz="1400" dirty="0">
-                          <a:latin typeface="+mj-lt"/>
-                        </a:rPr>
-                        <a:t>pipe(</a:t>
-                      </a:r>
-                    </a:p>
-                    <a:p>
-                      <a:pPr algn="l"/>
-                      <a:r>
-                        <a:rPr kumimoji="0" lang="fr-FR" sz="1400" kern="1200" dirty="0">
-                          <a:solidFill>
-                            <a:schemeClr val="dk1"/>
-                          </a:solidFill>
-                          <a:latin typeface="+mj-lt"/>
-                          <a:ea typeface="+mn-ea"/>
-                          <a:cs typeface="+mn-cs"/>
-                        </a:rPr>
-                        <a:t>        </a:t>
-                      </a:r>
-                      <a:r>
-                        <a:rPr lang="fr-FR" sz="1400" dirty="0" err="1">
-                          <a:latin typeface="+mj-lt"/>
-                        </a:rPr>
-                        <a:t>filter</a:t>
-                      </a:r>
-                      <a:r>
-                        <a:rPr lang="fr-FR" sz="1400" dirty="0">
-                          <a:latin typeface="+mj-lt"/>
-                        </a:rPr>
-                        <a:t>(client =&gt; client.age &gt;= 18</a:t>
-                      </a:r>
-                      <a:r>
-                        <a:rPr lang="fr-FR" sz="1400" dirty="0" smtClean="0">
-                          <a:latin typeface="+mj-lt"/>
-                        </a:rPr>
-                        <a:t>),</a:t>
-                      </a:r>
-                    </a:p>
-                    <a:p>
-                      <a:pPr algn="l"/>
-                      <a:r>
-                        <a:rPr kumimoji="0" lang="fr-FR" sz="1400" b="1" i="1" kern="1200" dirty="0" smtClean="0">
-                          <a:solidFill>
-                            <a:srgbClr val="00B050"/>
-                          </a:solidFill>
-                          <a:latin typeface="+mn-lt"/>
-                          <a:ea typeface="+mn-ea"/>
-                          <a:cs typeface="+mn-cs"/>
-                        </a:rPr>
-                        <a:t>                       // </a:t>
-                      </a:r>
-                      <a:r>
-                        <a:rPr kumimoji="0" lang="fr-FR" sz="1400" b="1" i="1" kern="1200" dirty="0" err="1" smtClean="0">
-                          <a:solidFill>
-                            <a:srgbClr val="00B050"/>
-                          </a:solidFill>
-                          <a:latin typeface="+mj-lt"/>
-                          <a:ea typeface="+mn-ea"/>
-                          <a:cs typeface="+mn-cs"/>
-                        </a:rPr>
-                        <a:t>find</a:t>
-                      </a:r>
-                      <a:r>
-                        <a:rPr kumimoji="0" lang="fr-FR" sz="1400" b="1" i="1" kern="1200" dirty="0" smtClean="0">
-                          <a:solidFill>
-                            <a:srgbClr val="00B050"/>
-                          </a:solidFill>
-                          <a:latin typeface="+mj-lt"/>
-                          <a:ea typeface="+mn-ea"/>
-                          <a:cs typeface="+mn-cs"/>
-                        </a:rPr>
-                        <a:t>(client =&gt; client.age &gt;= 18),</a:t>
-                      </a:r>
-                      <a:endParaRPr lang="fr-FR" sz="1400" b="1" i="1" dirty="0">
-                        <a:solidFill>
-                          <a:srgbClr val="00B050"/>
-                        </a:solidFill>
-                        <a:latin typeface="+mj-lt"/>
-                      </a:endParaRPr>
-                    </a:p>
-                    <a:p>
-                      <a:pPr marL="0" marR="0" indent="0" algn="l" defTabSz="914400" rtl="0" eaLnBrk="1" fontAlgn="auto" latinLnBrk="0" hangingPunct="1">
-                        <a:lnSpc>
-                          <a:spcPct val="100000"/>
-                        </a:lnSpc>
-                        <a:spcBef>
-                          <a:spcPts val="0"/>
-                        </a:spcBef>
-                        <a:spcAft>
-                          <a:spcPts val="0"/>
-                        </a:spcAft>
-                        <a:buClrTx/>
-                        <a:buSzTx/>
-                        <a:buFontTx/>
-                        <a:buNone/>
-                        <a:tabLst/>
-                        <a:defRPr/>
-                      </a:pPr>
-                      <a:r>
-                        <a:rPr kumimoji="0" lang="fr-FR" sz="1400" kern="1200" dirty="0">
-                          <a:solidFill>
-                            <a:schemeClr val="dk1"/>
-                          </a:solidFill>
-                          <a:latin typeface="+mj-lt"/>
-                          <a:ea typeface="+mn-ea"/>
-                          <a:cs typeface="+mn-cs"/>
-                        </a:rPr>
-                        <a:t>        </a:t>
-                      </a:r>
-                      <a:r>
-                        <a:rPr kumimoji="0" lang="fr-FR" sz="1400" kern="1200" dirty="0" err="1">
-                          <a:solidFill>
-                            <a:schemeClr val="dk1"/>
-                          </a:solidFill>
-                          <a:latin typeface="+mj-lt"/>
-                          <a:ea typeface="+mn-ea"/>
-                          <a:cs typeface="+mn-cs"/>
-                        </a:rPr>
-                        <a:t>pluck</a:t>
-                      </a:r>
-                      <a:r>
-                        <a:rPr kumimoji="0" lang="fr-FR" sz="1400" kern="1200" dirty="0">
-                          <a:solidFill>
-                            <a:schemeClr val="dk1"/>
-                          </a:solidFill>
-                          <a:latin typeface="+mj-lt"/>
-                          <a:ea typeface="+mn-ea"/>
-                          <a:cs typeface="+mn-cs"/>
-                        </a:rPr>
-                        <a:t>('</a:t>
-                      </a:r>
-                      <a:r>
-                        <a:rPr kumimoji="0" lang="fr-FR" sz="1400" kern="1200" dirty="0" err="1">
-                          <a:solidFill>
-                            <a:schemeClr val="dk1"/>
-                          </a:solidFill>
-                          <a:latin typeface="+mj-lt"/>
-                          <a:ea typeface="+mn-ea"/>
-                          <a:cs typeface="+mn-cs"/>
-                        </a:rPr>
-                        <a:t>coordonnees</a:t>
-                      </a:r>
-                      <a:r>
-                        <a:rPr kumimoji="0" lang="fr-FR" sz="1400" kern="1200" dirty="0">
-                          <a:solidFill>
-                            <a:schemeClr val="dk1"/>
-                          </a:solidFill>
-                          <a:latin typeface="+mj-lt"/>
-                          <a:ea typeface="+mn-ea"/>
-                          <a:cs typeface="+mn-cs"/>
-                        </a:rPr>
-                        <a:t>', 'adresse'),</a:t>
-                      </a:r>
-                    </a:p>
-                    <a:p>
-                      <a:pPr marL="0" marR="0" indent="0" algn="l" defTabSz="914400" rtl="0" eaLnBrk="1" fontAlgn="auto" latinLnBrk="0" hangingPunct="1">
-                        <a:lnSpc>
-                          <a:spcPct val="100000"/>
-                        </a:lnSpc>
-                        <a:spcBef>
-                          <a:spcPts val="0"/>
-                        </a:spcBef>
-                        <a:spcAft>
-                          <a:spcPts val="0"/>
-                        </a:spcAft>
-                        <a:buClrTx/>
-                        <a:buSzTx/>
-                        <a:buFontTx/>
-                        <a:buNone/>
-                        <a:tabLst/>
-                        <a:defRPr/>
-                      </a:pPr>
-                      <a:r>
-                        <a:rPr kumimoji="0" lang="fr-FR" sz="1400" kern="1200" dirty="0">
-                          <a:solidFill>
-                            <a:schemeClr val="dk1"/>
-                          </a:solidFill>
-                          <a:latin typeface="+mj-lt"/>
-                          <a:ea typeface="+mn-ea"/>
-                          <a:cs typeface="+mn-cs"/>
-                        </a:rPr>
-                        <a:t>        </a:t>
-                      </a:r>
-                      <a:r>
-                        <a:rPr kumimoji="0" lang="fr-FR" sz="1400" kern="1200" dirty="0" err="1">
-                          <a:solidFill>
-                            <a:schemeClr val="dk1"/>
-                          </a:solidFill>
-                          <a:latin typeface="+mj-lt"/>
-                          <a:ea typeface="+mn-ea"/>
-                          <a:cs typeface="+mn-cs"/>
-                        </a:rPr>
-                        <a:t>map</a:t>
-                      </a:r>
-                      <a:r>
-                        <a:rPr kumimoji="0" lang="fr-FR" sz="1400" kern="1200" dirty="0">
-                          <a:solidFill>
-                            <a:schemeClr val="dk1"/>
-                          </a:solidFill>
-                          <a:latin typeface="+mj-lt"/>
-                          <a:ea typeface="+mn-ea"/>
-                          <a:cs typeface="+mn-cs"/>
-                        </a:rPr>
-                        <a:t>(</a:t>
-                      </a:r>
-                      <a:r>
-                        <a:rPr kumimoji="0" lang="fr-FR" sz="1400" kern="1200" dirty="0" err="1">
-                          <a:solidFill>
-                            <a:schemeClr val="dk1"/>
-                          </a:solidFill>
-                          <a:latin typeface="+mj-lt"/>
-                          <a:ea typeface="+mn-ea"/>
-                          <a:cs typeface="+mn-cs"/>
-                        </a:rPr>
-                        <a:t>maMethodeCustom</a:t>
-                      </a:r>
-                      <a:r>
-                        <a:rPr kumimoji="0" lang="fr-FR" sz="1400" kern="1200" dirty="0">
-                          <a:solidFill>
-                            <a:schemeClr val="dk1"/>
-                          </a:solidFill>
-                          <a:latin typeface="+mj-lt"/>
-                          <a:ea typeface="+mn-ea"/>
-                          <a:cs typeface="+mn-cs"/>
-                        </a:rPr>
-                        <a:t>),</a:t>
-                      </a:r>
-                    </a:p>
-                    <a:p>
-                      <a:pPr marL="0" marR="0" indent="0" algn="l" defTabSz="914400" rtl="0" eaLnBrk="1" fontAlgn="auto" latinLnBrk="0" hangingPunct="1">
-                        <a:lnSpc>
-                          <a:spcPct val="100000"/>
-                        </a:lnSpc>
-                        <a:spcBef>
-                          <a:spcPts val="0"/>
-                        </a:spcBef>
-                        <a:spcAft>
-                          <a:spcPts val="0"/>
-                        </a:spcAft>
-                        <a:buClrTx/>
-                        <a:buSzTx/>
-                        <a:buFontTx/>
-                        <a:buNone/>
-                        <a:tabLst/>
-                        <a:defRPr/>
-                      </a:pPr>
-                      <a:r>
-                        <a:rPr kumimoji="0" lang="fr-FR" sz="1400" kern="1200" dirty="0">
-                          <a:solidFill>
-                            <a:schemeClr val="dk1"/>
-                          </a:solidFill>
-                          <a:latin typeface="+mj-lt"/>
-                          <a:ea typeface="+mn-ea"/>
-                          <a:cs typeface="+mn-cs"/>
-                        </a:rPr>
-                        <a:t>        </a:t>
-                      </a:r>
-                      <a:r>
-                        <a:rPr lang="fr-FR" sz="1400" dirty="0" err="1">
-                          <a:latin typeface="+mj-lt"/>
-                        </a:rPr>
-                        <a:t>tap</a:t>
-                      </a:r>
-                      <a:r>
-                        <a:rPr lang="fr-FR" sz="1400" dirty="0">
-                          <a:latin typeface="+mj-lt"/>
-                        </a:rPr>
-                        <a:t>(console.log),</a:t>
-                      </a:r>
-                      <a:endParaRPr lang="fr-FR" sz="1400" b="1" i="1" dirty="0">
-                        <a:solidFill>
-                          <a:srgbClr val="00B050"/>
-                        </a:solidFill>
-                        <a:latin typeface="+mj-lt"/>
-                      </a:endParaRPr>
-                    </a:p>
-                    <a:p>
-                      <a:pPr marL="0" marR="0" indent="0" algn="l" defTabSz="914400" rtl="0" eaLnBrk="1" fontAlgn="auto" latinLnBrk="0" hangingPunct="1">
-                        <a:lnSpc>
-                          <a:spcPct val="100000"/>
-                        </a:lnSpc>
-                        <a:spcBef>
-                          <a:spcPts val="0"/>
-                        </a:spcBef>
-                        <a:spcAft>
-                          <a:spcPts val="0"/>
-                        </a:spcAft>
-                        <a:buClrTx/>
-                        <a:buSzTx/>
-                        <a:buFontTx/>
-                        <a:buNone/>
-                        <a:tabLst/>
-                        <a:defRPr/>
-                      </a:pPr>
-                      <a:r>
-                        <a:rPr lang="fr-FR" sz="1400" dirty="0">
-                          <a:latin typeface="+mj-lt"/>
-                        </a:rPr>
-                        <a:t>)</a:t>
-                      </a:r>
-                    </a:p>
-                    <a:p>
-                      <a:pPr marL="0" marR="0" indent="0" algn="l" defTabSz="914400" rtl="0" eaLnBrk="1" fontAlgn="auto" latinLnBrk="0" hangingPunct="1">
-                        <a:lnSpc>
-                          <a:spcPct val="100000"/>
-                        </a:lnSpc>
-                        <a:spcBef>
-                          <a:spcPts val="0"/>
-                        </a:spcBef>
-                        <a:spcAft>
-                          <a:spcPts val="0"/>
-                        </a:spcAft>
-                        <a:buClrTx/>
-                        <a:buSzTx/>
-                        <a:buFontTx/>
-                        <a:buNone/>
-                        <a:tabLst/>
-                        <a:defRPr/>
-                      </a:pPr>
-                      <a:endParaRPr lang="fr-FR" sz="1600" b="0" i="1" dirty="0">
-                        <a:solidFill>
-                          <a:srgbClr val="00B050"/>
-                        </a:solidFill>
-                        <a:latin typeface="+mn-lt"/>
-                      </a:endParaRPr>
-                    </a:p>
-                    <a:p>
-                      <a:pPr marL="0" marR="0" indent="0" algn="l" defTabSz="914400" rtl="0" eaLnBrk="1" fontAlgn="auto" latinLnBrk="0" hangingPunct="1">
-                        <a:lnSpc>
-                          <a:spcPct val="100000"/>
-                        </a:lnSpc>
-                        <a:spcBef>
-                          <a:spcPts val="0"/>
-                        </a:spcBef>
-                        <a:spcAft>
-                          <a:spcPts val="0"/>
-                        </a:spcAft>
-                        <a:buClrTx/>
-                        <a:buSzTx/>
-                        <a:buFontTx/>
-                        <a:buNone/>
-                        <a:tabLst/>
-                        <a:defRPr/>
-                      </a:pPr>
-                      <a:r>
-                        <a:rPr lang="fr-FR" sz="1600" b="0" i="1" dirty="0">
-                          <a:solidFill>
-                            <a:srgbClr val="00B050"/>
-                          </a:solidFill>
-                          <a:latin typeface="+mn-lt"/>
-                        </a:rPr>
-                        <a:t>"PLUCK" : équivalent à « </a:t>
-                      </a:r>
-                      <a:r>
-                        <a:rPr lang="fr-FR" sz="1600" b="0" i="1" dirty="0" err="1">
-                          <a:solidFill>
-                            <a:srgbClr val="00B050"/>
-                          </a:solidFill>
-                          <a:latin typeface="+mn-lt"/>
-                        </a:rPr>
-                        <a:t>map</a:t>
-                      </a:r>
-                      <a:r>
-                        <a:rPr lang="fr-FR" sz="1600" b="0" i="1" dirty="0">
-                          <a:solidFill>
-                            <a:srgbClr val="00B050"/>
-                          </a:solidFill>
-                          <a:latin typeface="+mn-lt"/>
-                        </a:rPr>
-                        <a:t>(client =&gt; </a:t>
-                      </a:r>
-                      <a:r>
-                        <a:rPr lang="fr-FR" sz="1600" b="0" i="1" dirty="0" err="1">
-                          <a:solidFill>
-                            <a:srgbClr val="00B050"/>
-                          </a:solidFill>
-                          <a:latin typeface="+mn-lt"/>
-                        </a:rPr>
-                        <a:t>client.coordonnees.adresse</a:t>
-                      </a:r>
-                      <a:r>
-                        <a:rPr lang="fr-FR" sz="1600" b="0" i="1" dirty="0">
-                          <a:solidFill>
-                            <a:srgbClr val="00B050"/>
-                          </a:solidFill>
-                          <a:latin typeface="+mn-lt"/>
-                        </a:rPr>
-                        <a:t>) »</a:t>
-                      </a:r>
-                    </a:p>
-                    <a:p>
-                      <a:pPr marL="0" marR="0" indent="0" algn="l" defTabSz="914400" rtl="0" eaLnBrk="1" fontAlgn="auto" latinLnBrk="0" hangingPunct="1">
-                        <a:lnSpc>
-                          <a:spcPct val="100000"/>
-                        </a:lnSpc>
-                        <a:spcBef>
-                          <a:spcPts val="0"/>
-                        </a:spcBef>
-                        <a:spcAft>
-                          <a:spcPts val="0"/>
-                        </a:spcAft>
-                        <a:buClrTx/>
-                        <a:buSzTx/>
-                        <a:buFontTx/>
-                        <a:buNone/>
-                        <a:tabLst/>
-                        <a:defRPr/>
-                      </a:pPr>
-                      <a:r>
-                        <a:rPr lang="fr-FR" sz="1600" i="1" dirty="0">
-                          <a:solidFill>
-                            <a:srgbClr val="00B050"/>
-                          </a:solidFill>
-                          <a:latin typeface="+mn-lt"/>
-                        </a:rPr>
-                        <a:t>"TAP"/"MAP": Si un </a:t>
-                      </a:r>
-                      <a:r>
-                        <a:rPr lang="fr-FR" sz="1600" i="1" dirty="0" err="1">
-                          <a:solidFill>
-                            <a:srgbClr val="00B050"/>
-                          </a:solidFill>
-                          <a:latin typeface="+mn-lt"/>
-                        </a:rPr>
-                        <a:t>operator</a:t>
-                      </a:r>
-                      <a:r>
-                        <a:rPr lang="fr-FR" sz="1600" i="1" dirty="0">
-                          <a:solidFill>
-                            <a:srgbClr val="00B050"/>
-                          </a:solidFill>
-                          <a:latin typeface="+mn-lt"/>
-                        </a:rPr>
-                        <a:t> </a:t>
-                      </a:r>
-                      <a:r>
-                        <a:rPr lang="fr-FR" sz="1600" i="1" baseline="0" dirty="0">
-                          <a:solidFill>
-                            <a:srgbClr val="00B050"/>
-                          </a:solidFill>
-                          <a:latin typeface="+mn-lt"/>
-                        </a:rPr>
-                        <a:t>contien</a:t>
-                      </a:r>
-                      <a:r>
-                        <a:rPr lang="fr-FR" sz="1600" i="1" dirty="0">
-                          <a:solidFill>
-                            <a:srgbClr val="00B050"/>
-                          </a:solidFill>
-                          <a:latin typeface="+mn-lt"/>
-                        </a:rPr>
-                        <a:t>t une </a:t>
-                      </a:r>
-                      <a:r>
-                        <a:rPr lang="fr-FR" sz="1600" i="1" baseline="0" dirty="0">
-                          <a:solidFill>
-                            <a:srgbClr val="00B050"/>
-                          </a:solidFill>
-                          <a:latin typeface="+mn-lt"/>
-                        </a:rPr>
-                        <a:t>fonction unique et que son paramètre entrant est passé en argument de cette fonction, alors la déclaration du paramètre entrant est implicite.</a:t>
-                      </a:r>
-                      <a:endParaRPr lang="fr-FR" sz="1600" i="1" dirty="0">
-                        <a:solidFill>
-                          <a:srgbClr val="00B050"/>
-                        </a:solidFill>
-                        <a:latin typeface="+mn-lt"/>
-                      </a:endParaRPr>
-                    </a:p>
-                  </a:txBody>
-                  <a:tcPr/>
-                </a:tc>
-                <a:extLst>
-                  <a:ext uri="{0D108BD9-81ED-4DB2-BD59-A6C34878D82A}">
-                    <a16:rowId xmlns="" xmlns:a16="http://schemas.microsoft.com/office/drawing/2014/main" val="10001"/>
-                  </a:ext>
-                </a:extLst>
-              </a:tr>
-            </a:tbl>
-          </a:graphicData>
-        </a:graphic>
-      </p:graphicFrame>
-    </p:spTree>
-  </p:cSld>
-  <p:clrMapOvr>
-    <a:masterClrMapping/>
-  </p:clrMapOvr>
-</p:sld>
-</file>
-
-<file path=ppt/slides/slide14.xml><?xml version="1.0" encoding="utf-8"?>
-<p:sld xmlns:a="http://schemas.openxmlformats.org/drawingml/2006/main" xmlns:r="http://schemas.openxmlformats.org/officeDocument/2006/relationships" xmlns:p="http://schemas.openxmlformats.org/presentationml/2006/main">
-  <p:cSld>
-    <p:spTree>
-      <p:nvGrpSpPr>
-        <p:cNvPr id="1" name=""/>
-        <p:cNvGrpSpPr/>
-        <p:nvPr/>
-      </p:nvGrpSpPr>
-      <p:grpSpPr>
-        <a:xfrm>
-          <a:off x="0" y="0"/>
-          <a:ext cx="0" cy="0"/>
-          <a:chOff x="0" y="0"/>
-          <a:chExt cx="0" cy="0"/>
-        </a:xfrm>
-      </p:grpSpPr>
-      <p:sp>
-        <p:nvSpPr>
-          <p:cNvPr id="2" name="Titre 1"/>
-          <p:cNvSpPr>
-            <a:spLocks noGrp="1"/>
-          </p:cNvSpPr>
-          <p:nvPr>
             <p:ph type="ctrTitle"/>
           </p:nvPr>
         </p:nvSpPr>
@@ -9464,7 +8643,7 @@
 </p:sld>
 </file>
 
-<file path=ppt/slides/slide15.xml><?xml version="1.0" encoding="utf-8"?>
+<file path=ppt/slides/slide14.xml><?xml version="1.0" encoding="utf-8"?>
 <p:sld xmlns:a="http://schemas.openxmlformats.org/drawingml/2006/main" xmlns:r="http://schemas.openxmlformats.org/officeDocument/2006/relationships" xmlns:p="http://schemas.openxmlformats.org/presentationml/2006/main">
   <p:cSld>
     <p:spTree>
@@ -9534,16 +8713,24 @@
               <a:buChar char="Ø"/>
             </a:pPr>
             <a:r>
-              <a:rPr lang="fr-FR" b="1" u="sng" dirty="0"/>
-              <a:t>Bouton:</a:t>
-            </a:r>
-            <a:r>
-              <a:rPr lang="fr-FR" b="1" dirty="0"/>
+              <a:rPr lang="fr-FR" sz="2800" b="1" u="sng" dirty="0" smtClean="0"/>
+              <a:t>Bouton :</a:t>
+            </a:r>
+            <a:r>
+              <a:rPr lang="fr-FR" sz="2800" b="1" dirty="0" smtClean="0"/>
               <a:t> </a:t>
             </a:r>
             <a:r>
-              <a:rPr lang="fr-FR" dirty="0"/>
-              <a:t>au clic, déclenchement d’un traitement d’une durée de 3 secondes.</a:t>
+              <a:rPr lang="fr-FR" sz="2800" dirty="0"/>
+              <a:t>au </a:t>
+            </a:r>
+            <a:r>
+              <a:rPr lang="fr-FR" sz="2800" dirty="0" smtClean="0"/>
+              <a:t>click, </a:t>
+            </a:r>
+            <a:r>
+              <a:rPr lang="fr-FR" sz="2800" dirty="0"/>
+              <a:t>déclenchement d’un traitement d’une durée de 3 secondes.</a:t>
             </a:r>
           </a:p>
           <a:p>
@@ -9555,12 +8742,16 @@
               <a:buChar char="Ø"/>
             </a:pPr>
             <a:r>
-              <a:rPr lang="fr-FR" b="1" u="sng" dirty="0"/>
-              <a:t>User:</a:t>
-            </a:r>
-            <a:r>
-              <a:rPr lang="fr-FR" dirty="0"/>
-              <a:t> clique 1fois par seconde sur le bouton.</a:t>
+              <a:rPr lang="fr-FR" sz="2800" b="1" u="sng" dirty="0" smtClean="0"/>
+              <a:t>User :</a:t>
+            </a:r>
+            <a:r>
+              <a:rPr lang="fr-FR" sz="2800" dirty="0" smtClean="0"/>
+              <a:t> </a:t>
+            </a:r>
+            <a:r>
+              <a:rPr lang="fr-FR" sz="2800" dirty="0"/>
+              <a:t>clique 1fois par seconde sur le bouton.</a:t>
             </a:r>
           </a:p>
           <a:p>
@@ -9572,18 +8763,18 @@
               <a:buChar char="Ø"/>
             </a:pPr>
             <a:r>
-              <a:rPr lang="fr-FR" b="1" u="sng" dirty="0"/>
-              <a:t>Exemple:</a:t>
-            </a:r>
-            <a:r>
-              <a:rPr lang="fr-FR" b="1" dirty="0"/>
+              <a:rPr lang="fr-FR" sz="2800" b="1" u="sng" dirty="0" smtClean="0"/>
+              <a:t>Exemple :</a:t>
+            </a:r>
+            <a:r>
+              <a:rPr lang="fr-FR" sz="2800" b="1" dirty="0" smtClean="0"/>
               <a:t> </a:t>
             </a:r>
             <a:r>
-              <a:rPr lang="fr-FR" dirty="0"/>
+              <a:rPr lang="fr-FR" sz="2800" dirty="0"/>
               <a:t>Génération d’un PDF.</a:t>
             </a:r>
-            <a:endParaRPr lang="fr-FR" sz="1000" b="1" i="1" dirty="0">
+            <a:endParaRPr lang="fr-FR" sz="2800" b="1" i="1" dirty="0">
               <a:solidFill>
                 <a:srgbClr val="FF0000"/>
               </a:solidFill>
@@ -9636,14 +8827,14 @@
                 <a:gridCol w="826440">
                   <a:extLst>
                     <a:ext uri="{9D8B030D-6E8A-4147-A177-3AD203B41FA5}">
-                      <a16:colId xmlns="" xmlns:a16="http://schemas.microsoft.com/office/drawing/2014/main" val="20000"/>
+                      <a16:colId xmlns:a16="http://schemas.microsoft.com/office/drawing/2014/main" xmlns="" val="20000"/>
                     </a:ext>
                   </a:extLst>
                 </a:gridCol>
                 <a:gridCol w="6014320">
                   <a:extLst>
                     <a:ext uri="{9D8B030D-6E8A-4147-A177-3AD203B41FA5}">
-                      <a16:colId xmlns="" xmlns:a16="http://schemas.microsoft.com/office/drawing/2014/main" val="20001"/>
+                      <a16:colId xmlns:a16="http://schemas.microsoft.com/office/drawing/2014/main" xmlns="" val="20001"/>
                     </a:ext>
                   </a:extLst>
                 </a:gridCol>
@@ -9679,7 +8870,7 @@
                 </a:tc>
                 <a:extLst>
                   <a:ext uri="{0D108BD9-81ED-4DB2-BD59-A6C34878D82A}">
-                    <a16:rowId xmlns="" xmlns:a16="http://schemas.microsoft.com/office/drawing/2014/main" val="10000"/>
+                    <a16:rowId xmlns:a16="http://schemas.microsoft.com/office/drawing/2014/main" xmlns="" val="10000"/>
                   </a:ext>
                 </a:extLst>
               </a:tr>
@@ -9726,7 +8917,7 @@
                 </a:tc>
                 <a:extLst>
                   <a:ext uri="{0D108BD9-81ED-4DB2-BD59-A6C34878D82A}">
-                    <a16:rowId xmlns="" xmlns:a16="http://schemas.microsoft.com/office/drawing/2014/main" val="10001"/>
+                    <a16:rowId xmlns:a16="http://schemas.microsoft.com/office/drawing/2014/main" xmlns="" val="10001"/>
                   </a:ext>
                 </a:extLst>
               </a:tr>
@@ -9773,7 +8964,7 @@
                 </a:tc>
                 <a:extLst>
                   <a:ext uri="{0D108BD9-81ED-4DB2-BD59-A6C34878D82A}">
-                    <a16:rowId xmlns="" xmlns:a16="http://schemas.microsoft.com/office/drawing/2014/main" val="10002"/>
+                    <a16:rowId xmlns:a16="http://schemas.microsoft.com/office/drawing/2014/main" xmlns="" val="10002"/>
                   </a:ext>
                 </a:extLst>
               </a:tr>
@@ -9820,7 +9011,7 @@
                 </a:tc>
                 <a:extLst>
                   <a:ext uri="{0D108BD9-81ED-4DB2-BD59-A6C34878D82A}">
-                    <a16:rowId xmlns="" xmlns:a16="http://schemas.microsoft.com/office/drawing/2014/main" val="10003"/>
+                    <a16:rowId xmlns:a16="http://schemas.microsoft.com/office/drawing/2014/main" xmlns="" val="10003"/>
                   </a:ext>
                 </a:extLst>
               </a:tr>
@@ -9854,7 +9045,7 @@
                 </a:tc>
                 <a:extLst>
                   <a:ext uri="{0D108BD9-81ED-4DB2-BD59-A6C34878D82A}">
-                    <a16:rowId xmlns="" xmlns:a16="http://schemas.microsoft.com/office/drawing/2014/main" val="10004"/>
+                    <a16:rowId xmlns:a16="http://schemas.microsoft.com/office/drawing/2014/main" xmlns="" val="10004"/>
                   </a:ext>
                 </a:extLst>
               </a:tr>
@@ -9870,7 +9061,7 @@
 </p:sld>
 </file>
 
-<file path=ppt/slides/slide16.xml><?xml version="1.0" encoding="utf-8"?>
+<file path=ppt/slides/slide15.xml><?xml version="1.0" encoding="utf-8"?>
 <p:sld xmlns:a="http://schemas.openxmlformats.org/drawingml/2006/main" xmlns:r="http://schemas.openxmlformats.org/officeDocument/2006/relationships" xmlns:p="http://schemas.openxmlformats.org/presentationml/2006/main">
   <p:cSld>
     <p:spTree>
@@ -10037,7 +9228,7 @@
 </p:sld>
 </file>
 
-<file path=ppt/slides/slide17.xml><?xml version="1.0" encoding="utf-8"?>
+<file path=ppt/slides/slide16.xml><?xml version="1.0" encoding="utf-8"?>
 <p:sld xmlns:a="http://schemas.openxmlformats.org/drawingml/2006/main" xmlns:r="http://schemas.openxmlformats.org/officeDocument/2006/relationships" xmlns:p="http://schemas.openxmlformats.org/presentationml/2006/main">
   <p:cSld>
     <p:spTree>
@@ -10154,14 +9345,14 @@
                 <a:gridCol w="826440">
                   <a:extLst>
                     <a:ext uri="{9D8B030D-6E8A-4147-A177-3AD203B41FA5}">
-                      <a16:colId xmlns="" xmlns:a16="http://schemas.microsoft.com/office/drawing/2014/main" val="20000"/>
+                      <a16:colId xmlns:a16="http://schemas.microsoft.com/office/drawing/2014/main" xmlns="" val="20000"/>
                     </a:ext>
                   </a:extLst>
                 </a:gridCol>
                 <a:gridCol w="6014320">
                   <a:extLst>
                     <a:ext uri="{9D8B030D-6E8A-4147-A177-3AD203B41FA5}">
-                      <a16:colId xmlns="" xmlns:a16="http://schemas.microsoft.com/office/drawing/2014/main" val="20001"/>
+                      <a16:colId xmlns:a16="http://schemas.microsoft.com/office/drawing/2014/main" xmlns="" val="20001"/>
                     </a:ext>
                   </a:extLst>
                 </a:gridCol>
@@ -10197,7 +9388,7 @@
                 </a:tc>
                 <a:extLst>
                   <a:ext uri="{0D108BD9-81ED-4DB2-BD59-A6C34878D82A}">
-                    <a16:rowId xmlns="" xmlns:a16="http://schemas.microsoft.com/office/drawing/2014/main" val="10000"/>
+                    <a16:rowId xmlns:a16="http://schemas.microsoft.com/office/drawing/2014/main" xmlns="" val="10000"/>
                   </a:ext>
                 </a:extLst>
               </a:tr>
@@ -10231,7 +9422,7 @@
                 </a:tc>
                 <a:extLst>
                   <a:ext uri="{0D108BD9-81ED-4DB2-BD59-A6C34878D82A}">
-                    <a16:rowId xmlns="" xmlns:a16="http://schemas.microsoft.com/office/drawing/2014/main" val="10001"/>
+                    <a16:rowId xmlns:a16="http://schemas.microsoft.com/office/drawing/2014/main" xmlns="" val="10001"/>
                   </a:ext>
                 </a:extLst>
               </a:tr>
@@ -10290,7 +9481,7 @@
                 </a:tc>
                 <a:extLst>
                   <a:ext uri="{0D108BD9-81ED-4DB2-BD59-A6C34878D82A}">
-                    <a16:rowId xmlns="" xmlns:a16="http://schemas.microsoft.com/office/drawing/2014/main" val="10002"/>
+                    <a16:rowId xmlns:a16="http://schemas.microsoft.com/office/drawing/2014/main" xmlns="" val="10002"/>
                   </a:ext>
                 </a:extLst>
               </a:tr>
@@ -10349,7 +9540,7 @@
                 </a:tc>
                 <a:extLst>
                   <a:ext uri="{0D108BD9-81ED-4DB2-BD59-A6C34878D82A}">
-                    <a16:rowId xmlns="" xmlns:a16="http://schemas.microsoft.com/office/drawing/2014/main" val="10003"/>
+                    <a16:rowId xmlns:a16="http://schemas.microsoft.com/office/drawing/2014/main" xmlns="" val="10003"/>
                   </a:ext>
                 </a:extLst>
               </a:tr>
@@ -10420,7 +9611,394 @@
                 </a:tc>
                 <a:extLst>
                   <a:ext uri="{0D108BD9-81ED-4DB2-BD59-A6C34878D82A}">
-                    <a16:rowId xmlns="" xmlns:a16="http://schemas.microsoft.com/office/drawing/2014/main" val="10004"/>
+                    <a16:rowId xmlns:a16="http://schemas.microsoft.com/office/drawing/2014/main" xmlns="" val="10004"/>
+                  </a:ext>
+                </a:extLst>
+              </a:tr>
+            </a:tbl>
+          </a:graphicData>
+        </a:graphic>
+      </p:graphicFrame>
+    </p:spTree>
+  </p:cSld>
+  <p:clrMapOvr>
+    <a:masterClrMapping/>
+  </p:clrMapOvr>
+</p:sld>
+</file>
+
+<file path=ppt/slides/slide17.xml><?xml version="1.0" encoding="utf-8"?>
+<p:sld xmlns:a="http://schemas.openxmlformats.org/drawingml/2006/main" xmlns:r="http://schemas.openxmlformats.org/officeDocument/2006/relationships" xmlns:p="http://schemas.openxmlformats.org/presentationml/2006/main">
+  <p:cSld>
+    <p:spTree>
+      <p:nvGrpSpPr>
+        <p:cNvPr id="1" name=""/>
+        <p:cNvGrpSpPr/>
+        <p:nvPr/>
+      </p:nvGrpSpPr>
+      <p:grpSpPr>
+        <a:xfrm>
+          <a:off x="0" y="0"/>
+          <a:ext cx="0" cy="0"/>
+          <a:chOff x="0" y="0"/>
+          <a:chExt cx="0" cy="0"/>
+        </a:xfrm>
+      </p:grpSpPr>
+      <p:sp>
+        <p:nvSpPr>
+          <p:cNvPr id="2" name="Titre 1"/>
+          <p:cNvSpPr>
+            <a:spLocks noGrp="1"/>
+          </p:cNvSpPr>
+          <p:nvPr>
+            <p:ph type="title"/>
+          </p:nvPr>
+        </p:nvSpPr>
+        <p:spPr/>
+        <p:txBody>
+          <a:bodyPr/>
+          <a:lstStyle/>
+          <a:p>
+            <a:r>
+              <a:rPr lang="fr-FR" dirty="0" err="1"/>
+              <a:t>Exhaust</a:t>
+            </a:r>
+            <a:r>
+              <a:rPr lang="fr-FR" dirty="0"/>
+              <a:t>/</a:t>
+            </a:r>
+            <a:r>
+              <a:rPr lang="fr-FR" dirty="0" err="1"/>
+              <a:t>ExhaustMap</a:t>
+            </a:r>
+            <a:endParaRPr lang="fr-FR" dirty="0"/>
+          </a:p>
+        </p:txBody>
+      </p:sp>
+      <p:sp>
+        <p:nvSpPr>
+          <p:cNvPr id="10" name="Espace réservé du contenu 9"/>
+          <p:cNvSpPr>
+            <a:spLocks noGrp="1"/>
+          </p:cNvSpPr>
+          <p:nvPr>
+            <p:ph idx="1"/>
+          </p:nvPr>
+        </p:nvSpPr>
+        <p:spPr/>
+        <p:txBody>
+          <a:bodyPr/>
+          <a:lstStyle/>
+          <a:p>
+            <a:pPr>
+              <a:buFont typeface="Wingdings" pitchFamily="2" charset="2"/>
+              <a:buChar char="Ø"/>
+            </a:pPr>
+            <a:r>
+              <a:rPr lang="fr-FR" sz="2400" dirty="0"/>
+              <a:t>Tant que le flux en cours n’est pas </a:t>
+            </a:r>
+            <a:r>
+              <a:rPr lang="fr-FR" sz="2400" i="1" dirty="0" err="1" smtClean="0"/>
+              <a:t>complete</a:t>
+            </a:r>
+            <a:r>
+              <a:rPr lang="fr-FR" sz="2400" dirty="0" smtClean="0"/>
+              <a:t>, </a:t>
+            </a:r>
+            <a:r>
+              <a:rPr lang="fr-FR" sz="2400" dirty="0"/>
+              <a:t>les nouvelles émissions sont annulées.</a:t>
+            </a:r>
+          </a:p>
+          <a:p>
+            <a:pPr>
+              <a:buFont typeface="Wingdings" pitchFamily="2" charset="2"/>
+              <a:buChar char="Ø"/>
+            </a:pPr>
+            <a:r>
+              <a:rPr lang="fr-FR" sz="2400" b="1" dirty="0"/>
+              <a:t>(UC) -&gt; </a:t>
+            </a:r>
+            <a:r>
+              <a:rPr lang="fr-FR" sz="2400" dirty="0"/>
+              <a:t>T1 est mené à son terme. T2 et T3 sont annulés car ils sont émis durant la résolution de T1.</a:t>
+            </a:r>
+          </a:p>
+          <a:p>
+            <a:endParaRPr lang="fr-FR" dirty="0"/>
+          </a:p>
+        </p:txBody>
+      </p:sp>
+      <p:graphicFrame>
+        <p:nvGraphicFramePr>
+          <p:cNvPr id="6" name="Tableau 5"/>
+          <p:cNvGraphicFramePr>
+            <a:graphicFrameLocks noGrp="1"/>
+          </p:cNvGraphicFramePr>
+          <p:nvPr/>
+        </p:nvGraphicFramePr>
+        <p:xfrm>
+          <a:off x="1259632" y="4149080"/>
+          <a:ext cx="6840760" cy="1676400"/>
+        </p:xfrm>
+        <a:graphic>
+          <a:graphicData uri="http://schemas.openxmlformats.org/drawingml/2006/table">
+            <a:tbl>
+              <a:tblPr firstRow="1" bandRow="1">
+                <a:tableStyleId>{00A15C55-8517-42AA-B614-E9B94910E393}</a:tableStyleId>
+              </a:tblPr>
+              <a:tblGrid>
+                <a:gridCol w="826440">
+                  <a:extLst>
+                    <a:ext uri="{9D8B030D-6E8A-4147-A177-3AD203B41FA5}">
+                      <a16:colId xmlns:a16="http://schemas.microsoft.com/office/drawing/2014/main" xmlns="" val="20000"/>
+                    </a:ext>
+                  </a:extLst>
+                </a:gridCol>
+                <a:gridCol w="6014320">
+                  <a:extLst>
+                    <a:ext uri="{9D8B030D-6E8A-4147-A177-3AD203B41FA5}">
+                      <a16:colId xmlns:a16="http://schemas.microsoft.com/office/drawing/2014/main" xmlns="" val="20001"/>
+                    </a:ext>
+                  </a:extLst>
+                </a:gridCol>
+              </a:tblGrid>
+              <a:tr h="255165">
+                <a:tc>
+                  <a:txBody>
+                    <a:bodyPr/>
+                    <a:lstStyle/>
+                    <a:p>
+                      <a:pPr algn="ctr"/>
+                      <a:r>
+                        <a:rPr lang="fr-FR" sz="1600" dirty="0"/>
+                        <a:t>Temps</a:t>
+                      </a:r>
+                    </a:p>
+                  </a:txBody>
+                  <a:tcPr anchor="ctr"/>
+                </a:tc>
+                <a:tc>
+                  <a:txBody>
+                    <a:bodyPr/>
+                    <a:lstStyle/>
+                    <a:p>
+                      <a:pPr algn="ctr"/>
+                      <a:r>
+                        <a:rPr lang="fr-FR" sz="1600" dirty="0"/>
+                        <a:t>Actions de l’utilisateur</a:t>
+                      </a:r>
+                    </a:p>
+                  </a:txBody>
+                  <a:tcPr anchor="ctr"/>
+                </a:tc>
+                <a:extLst>
+                  <a:ext uri="{0D108BD9-81ED-4DB2-BD59-A6C34878D82A}">
+                    <a16:rowId xmlns:a16="http://schemas.microsoft.com/office/drawing/2014/main" xmlns="" val="10000"/>
+                  </a:ext>
+                </a:extLst>
+              </a:tr>
+              <a:tr h="255165">
+                <a:tc>
+                  <a:txBody>
+                    <a:bodyPr/>
+                    <a:lstStyle/>
+                    <a:p>
+                      <a:pPr algn="ctr"/>
+                      <a:r>
+                        <a:rPr lang="fr-FR" sz="1600" dirty="0"/>
+                        <a:t>0’</a:t>
+                      </a:r>
+                    </a:p>
+                  </a:txBody>
+                  <a:tcPr anchor="ctr"/>
+                </a:tc>
+                <a:tc>
+                  <a:txBody>
+                    <a:bodyPr/>
+                    <a:lstStyle/>
+                    <a:p>
+                      <a:r>
+                        <a:rPr lang="fr-FR" sz="1600" dirty="0"/>
+                        <a:t>T1 se déclenche.</a:t>
+                      </a:r>
+                    </a:p>
+                  </a:txBody>
+                  <a:tcPr anchor="ctr"/>
+                </a:tc>
+                <a:extLst>
+                  <a:ext uri="{0D108BD9-81ED-4DB2-BD59-A6C34878D82A}">
+                    <a16:rowId xmlns:a16="http://schemas.microsoft.com/office/drawing/2014/main" xmlns="" val="10001"/>
+                  </a:ext>
+                </a:extLst>
+              </a:tr>
+              <a:tr h="255165">
+                <a:tc>
+                  <a:txBody>
+                    <a:bodyPr/>
+                    <a:lstStyle/>
+                    <a:p>
+                      <a:pPr algn="ctr"/>
+                      <a:r>
+                        <a:rPr lang="fr-FR" sz="1600" dirty="0"/>
+                        <a:t>1’</a:t>
+                      </a:r>
+                    </a:p>
+                  </a:txBody>
+                  <a:tcPr anchor="ctr"/>
+                </a:tc>
+                <a:tc>
+                  <a:txBody>
+                    <a:bodyPr/>
+                    <a:lstStyle/>
+                    <a:p>
+                      <a:pPr marL="0" marR="0" indent="0" algn="l" defTabSz="914400" rtl="0" eaLnBrk="1" fontAlgn="auto" latinLnBrk="0" hangingPunct="1">
+                        <a:lnSpc>
+                          <a:spcPct val="100000"/>
+                        </a:lnSpc>
+                        <a:spcBef>
+                          <a:spcPts val="0"/>
+                        </a:spcBef>
+                        <a:spcAft>
+                          <a:spcPts val="0"/>
+                        </a:spcAft>
+                        <a:buClrTx/>
+                        <a:buSzTx/>
+                        <a:buFontTx/>
+                        <a:buNone/>
+                        <a:tabLst/>
+                        <a:defRPr/>
+                      </a:pPr>
+                      <a:r>
+                        <a:rPr lang="fr-FR" sz="1600" dirty="0"/>
+                        <a:t>T2 se déclenche mais est annulé.</a:t>
+                      </a:r>
+                      <a:r>
+                        <a:rPr lang="fr-FR" sz="1600" baseline="0" dirty="0"/>
+                        <a:t> </a:t>
+                      </a:r>
+                      <a:r>
+                        <a:rPr lang="fr-FR" sz="1600" dirty="0"/>
+                        <a:t>T1 est en cours de traitement.</a:t>
+                      </a:r>
+                    </a:p>
+                  </a:txBody>
+                  <a:tcPr anchor="ctr"/>
+                </a:tc>
+                <a:extLst>
+                  <a:ext uri="{0D108BD9-81ED-4DB2-BD59-A6C34878D82A}">
+                    <a16:rowId xmlns:a16="http://schemas.microsoft.com/office/drawing/2014/main" xmlns="" val="10002"/>
+                  </a:ext>
+                </a:extLst>
+              </a:tr>
+              <a:tr h="255165">
+                <a:tc>
+                  <a:txBody>
+                    <a:bodyPr/>
+                    <a:lstStyle/>
+                    <a:p>
+                      <a:pPr algn="ctr"/>
+                      <a:r>
+                        <a:rPr lang="fr-FR" sz="1600" dirty="0"/>
+                        <a:t>2’</a:t>
+                      </a:r>
+                    </a:p>
+                  </a:txBody>
+                  <a:tcPr anchor="ctr"/>
+                </a:tc>
+                <a:tc>
+                  <a:txBody>
+                    <a:bodyPr/>
+                    <a:lstStyle/>
+                    <a:p>
+                      <a:pPr marL="0" marR="0" indent="0" algn="l" defTabSz="914400" rtl="0" eaLnBrk="1" fontAlgn="auto" latinLnBrk="0" hangingPunct="1">
+                        <a:lnSpc>
+                          <a:spcPct val="100000"/>
+                        </a:lnSpc>
+                        <a:spcBef>
+                          <a:spcPts val="0"/>
+                        </a:spcBef>
+                        <a:spcAft>
+                          <a:spcPts val="0"/>
+                        </a:spcAft>
+                        <a:buClrTx/>
+                        <a:buSzTx/>
+                        <a:buFontTx/>
+                        <a:buNone/>
+                        <a:tabLst/>
+                        <a:defRPr/>
+                      </a:pPr>
+                      <a:r>
+                        <a:rPr lang="fr-FR" sz="1600" dirty="0"/>
+                        <a:t>T3 se déclenche mais est annulé.</a:t>
+                      </a:r>
+                      <a:r>
+                        <a:rPr lang="fr-FR" sz="1600" baseline="0" dirty="0"/>
+                        <a:t> </a:t>
+                      </a:r>
+                      <a:r>
+                        <a:rPr lang="fr-FR" sz="1600" dirty="0"/>
+                        <a:t>T1 est en cours de traitement.</a:t>
+                      </a:r>
+                    </a:p>
+                  </a:txBody>
+                  <a:tcPr anchor="ctr"/>
+                </a:tc>
+                <a:extLst>
+                  <a:ext uri="{0D108BD9-81ED-4DB2-BD59-A6C34878D82A}">
+                    <a16:rowId xmlns:a16="http://schemas.microsoft.com/office/drawing/2014/main" xmlns="" val="10003"/>
+                  </a:ext>
+                </a:extLst>
+              </a:tr>
+              <a:tr h="255165">
+                <a:tc>
+                  <a:txBody>
+                    <a:bodyPr/>
+                    <a:lstStyle/>
+                    <a:p>
+                      <a:pPr algn="ctr"/>
+                      <a:r>
+                        <a:rPr lang="fr-FR" sz="1600" dirty="0"/>
+                        <a:t>3’</a:t>
+                      </a:r>
+                    </a:p>
+                  </a:txBody>
+                  <a:tcPr anchor="ctr"/>
+                </a:tc>
+                <a:tc>
+                  <a:txBody>
+                    <a:bodyPr/>
+                    <a:lstStyle/>
+                    <a:p>
+                      <a:pPr marL="0" marR="0" indent="0" algn="l" defTabSz="914400" rtl="0" eaLnBrk="1" fontAlgn="auto" latinLnBrk="0" hangingPunct="1">
+                        <a:lnSpc>
+                          <a:spcPct val="100000"/>
+                        </a:lnSpc>
+                        <a:spcBef>
+                          <a:spcPts val="0"/>
+                        </a:spcBef>
+                        <a:spcAft>
+                          <a:spcPts val="0"/>
+                        </a:spcAft>
+                        <a:buClrTx/>
+                        <a:buSzTx/>
+                        <a:buFontTx/>
+                        <a:buNone/>
+                        <a:tabLst/>
+                        <a:defRPr/>
+                      </a:pPr>
+                      <a:r>
+                        <a:rPr lang="fr-FR" sz="1600" dirty="0"/>
+                        <a:t>T1 se résout.</a:t>
+                      </a:r>
+                    </a:p>
+                  </a:txBody>
+                  <a:tcPr anchor="ctr"/>
+                </a:tc>
+                <a:extLst>
+                  <a:ext uri="{0D108BD9-81ED-4DB2-BD59-A6C34878D82A}">
+                    <a16:rowId xmlns:a16="http://schemas.microsoft.com/office/drawing/2014/main" xmlns="" val="10004"/>
                   </a:ext>
                 </a:extLst>
               </a:tr>
@@ -10470,7 +10048,7 @@
           <a:p>
             <a:r>
               <a:rPr lang="fr-FR" dirty="0" err="1"/>
-              <a:t>Exhaust</a:t>
+              <a:t>Concat</a:t>
             </a:r>
             <a:r>
               <a:rPr lang="fr-FR" dirty="0"/>
@@ -10478,7 +10056,7 @@
             </a:r>
             <a:r>
               <a:rPr lang="fr-FR" dirty="0" err="1"/>
-              <a:t>ExhaustMap</a:t>
+              <a:t>ConcatMap</a:t>
             </a:r>
             <a:endParaRPr lang="fr-FR" dirty="0"/>
           </a:p>
@@ -10505,20 +10083,29 @@
             </a:pPr>
             <a:r>
               <a:rPr lang="fr-FR" sz="2400" dirty="0"/>
-              <a:t>Tant que le flux en cours n’est pas </a:t>
+              <a:t>Toutes les émissions successives sont traitées. Aucune nouvelle émission n’est traitée tant que le flux en cours n’est pas </a:t>
+            </a:r>
+            <a:r>
+              <a:rPr lang="fr-FR" sz="2400" dirty="0" smtClean="0"/>
+              <a:t>traité (</a:t>
             </a:r>
             <a:r>
               <a:rPr lang="fr-FR" sz="2400" i="1" dirty="0" err="1" smtClean="0"/>
+              <a:t>inner</a:t>
+            </a:r>
+            <a:r>
+              <a:rPr lang="fr-FR" sz="2400" i="1" dirty="0" smtClean="0"/>
+              <a:t> observable </a:t>
+            </a:r>
+            <a:r>
+              <a:rPr lang="fr-FR" sz="2400" dirty="0" err="1" smtClean="0"/>
               <a:t>complete</a:t>
             </a:r>
             <a:r>
               <a:rPr lang="fr-FR" sz="2400" dirty="0" smtClean="0"/>
-              <a:t>, </a:t>
-            </a:r>
-            <a:r>
-              <a:rPr lang="fr-FR" sz="2400" dirty="0"/>
-              <a:t>les nouvelles émissions sont annulées.</a:t>
-            </a:r>
+              <a:t>). </a:t>
+            </a:r>
+            <a:endParaRPr lang="fr-FR" sz="2400" dirty="0"/>
           </a:p>
           <a:p>
             <a:pPr>
@@ -10531,7 +10118,31 @@
             </a:r>
             <a:r>
               <a:rPr lang="fr-FR" sz="2400" dirty="0"/>
-              <a:t>T1 est mené à son terme. T2 et T3 sont annulés car ils sont émis durant la résolution de T1.</a:t>
+              <a:t>T1, T2 et T3 sont respectivement résolus à la 3</a:t>
+            </a:r>
+            <a:r>
+              <a:rPr lang="fr-FR" sz="2400" baseline="30000" dirty="0"/>
+              <a:t>ème</a:t>
+            </a:r>
+            <a:r>
+              <a:rPr lang="fr-FR" sz="2400" dirty="0"/>
+              <a:t>, 6</a:t>
+            </a:r>
+            <a:r>
+              <a:rPr lang="fr-FR" sz="2400" baseline="30000" dirty="0"/>
+              <a:t>ème</a:t>
+            </a:r>
+            <a:r>
+              <a:rPr lang="fr-FR" sz="2400" dirty="0"/>
+              <a:t> et 9</a:t>
+            </a:r>
+            <a:r>
+              <a:rPr lang="fr-FR" sz="2400" baseline="30000" dirty="0"/>
+              <a:t>ème</a:t>
+            </a:r>
+            <a:r>
+              <a:rPr lang="fr-FR" sz="2400" dirty="0"/>
+              <a:t> seconde (résolution « l’un après l’autre »).</a:t>
             </a:r>
           </a:p>
           <a:p>
@@ -10541,15 +10152,15 @@
       </p:sp>
       <p:graphicFrame>
         <p:nvGraphicFramePr>
-          <p:cNvPr id="6" name="Tableau 5"/>
+          <p:cNvPr id="13" name="Tableau 12"/>
           <p:cNvGraphicFramePr>
             <a:graphicFrameLocks noGrp="1"/>
           </p:cNvGraphicFramePr>
           <p:nvPr/>
         </p:nvGraphicFramePr>
         <p:xfrm>
-          <a:off x="1259632" y="4149080"/>
-          <a:ext cx="6840760" cy="1676400"/>
+          <a:off x="1187624" y="3933056"/>
+          <a:ext cx="6840760" cy="2346960"/>
         </p:xfrm>
         <a:graphic>
           <a:graphicData uri="http://schemas.openxmlformats.org/drawingml/2006/table">
@@ -10561,14 +10172,14 @@
                 <a:gridCol w="826440">
                   <a:extLst>
                     <a:ext uri="{9D8B030D-6E8A-4147-A177-3AD203B41FA5}">
-                      <a16:colId xmlns="" xmlns:a16="http://schemas.microsoft.com/office/drawing/2014/main" val="20000"/>
+                      <a16:colId xmlns:a16="http://schemas.microsoft.com/office/drawing/2014/main" xmlns="" val="20000"/>
                     </a:ext>
                   </a:extLst>
                 </a:gridCol>
                 <a:gridCol w="6014320">
                   <a:extLst>
                     <a:ext uri="{9D8B030D-6E8A-4147-A177-3AD203B41FA5}">
-                      <a16:colId xmlns="" xmlns:a16="http://schemas.microsoft.com/office/drawing/2014/main" val="20001"/>
+                      <a16:colId xmlns:a16="http://schemas.microsoft.com/office/drawing/2014/main" xmlns="" val="20001"/>
                     </a:ext>
                   </a:extLst>
                 </a:gridCol>
@@ -10604,7 +10215,7 @@
                 </a:tc>
                 <a:extLst>
                   <a:ext uri="{0D108BD9-81ED-4DB2-BD59-A6C34878D82A}">
-                    <a16:rowId xmlns="" xmlns:a16="http://schemas.microsoft.com/office/drawing/2014/main" val="10000"/>
+                    <a16:rowId xmlns:a16="http://schemas.microsoft.com/office/drawing/2014/main" xmlns="" val="10000"/>
                   </a:ext>
                 </a:extLst>
               </a:tr>
@@ -10638,7 +10249,7 @@
                 </a:tc>
                 <a:extLst>
                   <a:ext uri="{0D108BD9-81ED-4DB2-BD59-A6C34878D82A}">
-                    <a16:rowId xmlns="" xmlns:a16="http://schemas.microsoft.com/office/drawing/2014/main" val="10001"/>
+                    <a16:rowId xmlns:a16="http://schemas.microsoft.com/office/drawing/2014/main" xmlns="" val="10001"/>
                   </a:ext>
                 </a:extLst>
               </a:tr>
@@ -10681,23 +10292,20 @@
                       </a:pPr>
                       <a:r>
                         <a:rPr lang="fr-FR" sz="1600" dirty="0"/>
-                        <a:t>T2 se déclenche mais est annulé.</a:t>
+                        <a:t>T2 se déclenche, puis </a:t>
                       </a:r>
                       <a:r>
                         <a:rPr lang="fr-FR" sz="1600" baseline="0" dirty="0"/>
-                        <a:t> </a:t>
-                      </a:r>
-                      <a:r>
-                        <a:rPr lang="fr-FR" sz="1600" dirty="0"/>
-                        <a:t>T1 est en cours de traitement.</a:t>
-                      </a:r>
+                        <a:t>mis en attente.</a:t>
+                      </a:r>
+                      <a:endParaRPr lang="fr-FR" sz="1600" dirty="0"/>
                     </a:p>
                   </a:txBody>
                   <a:tcPr anchor="ctr"/>
                 </a:tc>
                 <a:extLst>
                   <a:ext uri="{0D108BD9-81ED-4DB2-BD59-A6C34878D82A}">
-                    <a16:rowId xmlns="" xmlns:a16="http://schemas.microsoft.com/office/drawing/2014/main" val="10002"/>
+                    <a16:rowId xmlns:a16="http://schemas.microsoft.com/office/drawing/2014/main" xmlns="" val="10002"/>
                   </a:ext>
                 </a:extLst>
               </a:tr>
@@ -10740,23 +10348,20 @@
                       </a:pPr>
                       <a:r>
                         <a:rPr lang="fr-FR" sz="1600" dirty="0"/>
-                        <a:t>T3 se déclenche mais est annulé.</a:t>
+                        <a:t>T3 se déclenche, puis </a:t>
                       </a:r>
                       <a:r>
                         <a:rPr lang="fr-FR" sz="1600" baseline="0" dirty="0"/>
-                        <a:t> </a:t>
-                      </a:r>
-                      <a:r>
-                        <a:rPr lang="fr-FR" sz="1600" dirty="0"/>
-                        <a:t>T1 est en cours de traitement.</a:t>
-                      </a:r>
+                        <a:t>mis en attente.</a:t>
+                      </a:r>
+                      <a:endParaRPr lang="fr-FR" sz="1600" dirty="0"/>
                     </a:p>
                   </a:txBody>
                   <a:tcPr anchor="ctr"/>
                 </a:tc>
                 <a:extLst>
                   <a:ext uri="{0D108BD9-81ED-4DB2-BD59-A6C34878D82A}">
-                    <a16:rowId xmlns="" xmlns:a16="http://schemas.microsoft.com/office/drawing/2014/main" val="10003"/>
+                    <a16:rowId xmlns:a16="http://schemas.microsoft.com/office/drawing/2014/main" xmlns="" val="10003"/>
                   </a:ext>
                 </a:extLst>
               </a:tr>
@@ -10799,7 +10404,7 @@
                       </a:pPr>
                       <a:r>
                         <a:rPr lang="fr-FR" sz="1600" dirty="0"/>
-                        <a:t>T1 se résout.</a:t>
+                        <a:t>T1 se résout. T2 entre en cours de traitement. T3 est en attente.</a:t>
                       </a:r>
                     </a:p>
                   </a:txBody>
@@ -10807,7 +10412,122 @@
                 </a:tc>
                 <a:extLst>
                   <a:ext uri="{0D108BD9-81ED-4DB2-BD59-A6C34878D82A}">
-                    <a16:rowId xmlns="" xmlns:a16="http://schemas.microsoft.com/office/drawing/2014/main" val="10004"/>
+                    <a16:rowId xmlns:a16="http://schemas.microsoft.com/office/drawing/2014/main" xmlns="" val="10004"/>
+                  </a:ext>
+                </a:extLst>
+              </a:tr>
+              <a:tr h="255165">
+                <a:tc>
+                  <a:txBody>
+                    <a:bodyPr/>
+                    <a:lstStyle/>
+                    <a:p>
+                      <a:pPr algn="ctr"/>
+                      <a:r>
+                        <a:rPr lang="fr-FR" sz="1600" dirty="0"/>
+                        <a:t>6’</a:t>
+                      </a:r>
+                    </a:p>
+                  </a:txBody>
+                  <a:tcPr anchor="ctr"/>
+                </a:tc>
+                <a:tc>
+                  <a:txBody>
+                    <a:bodyPr/>
+                    <a:lstStyle/>
+                    <a:p>
+                      <a:pPr marL="0" marR="0" indent="0" algn="l" defTabSz="914400" rtl="0" eaLnBrk="1" fontAlgn="auto" latinLnBrk="0" hangingPunct="1">
+                        <a:lnSpc>
+                          <a:spcPct val="100000"/>
+                        </a:lnSpc>
+                        <a:spcBef>
+                          <a:spcPts val="0"/>
+                        </a:spcBef>
+                        <a:spcAft>
+                          <a:spcPts val="0"/>
+                        </a:spcAft>
+                        <a:buClrTx/>
+                        <a:buSzTx/>
+                        <a:buFontTx/>
+                        <a:buNone/>
+                        <a:tabLst/>
+                        <a:defRPr/>
+                      </a:pPr>
+                      <a:r>
+                        <a:rPr lang="fr-FR" sz="1600" dirty="0"/>
+                        <a:t>T2 se résout. T3</a:t>
+                      </a:r>
+                      <a:r>
+                        <a:rPr lang="fr-FR" sz="1600" baseline="0" dirty="0"/>
+                        <a:t> </a:t>
+                      </a:r>
+                      <a:r>
+                        <a:rPr lang="fr-FR" sz="1600" dirty="0"/>
+                        <a:t>entre </a:t>
+                      </a:r>
+                      <a:r>
+                        <a:rPr lang="fr-FR" sz="1600" baseline="0" dirty="0"/>
+                        <a:t>en cours de traitement.</a:t>
+                      </a:r>
+                      <a:endParaRPr lang="fr-FR" sz="1600" dirty="0"/>
+                    </a:p>
+                  </a:txBody>
+                  <a:tcPr anchor="ctr"/>
+                </a:tc>
+                <a:extLst>
+                  <a:ext uri="{0D108BD9-81ED-4DB2-BD59-A6C34878D82A}">
+                    <a16:rowId xmlns:a16="http://schemas.microsoft.com/office/drawing/2014/main" xmlns="" val="10005"/>
+                  </a:ext>
+                </a:extLst>
+              </a:tr>
+              <a:tr h="255165">
+                <a:tc>
+                  <a:txBody>
+                    <a:bodyPr/>
+                    <a:lstStyle/>
+                    <a:p>
+                      <a:pPr algn="ctr"/>
+                      <a:r>
+                        <a:rPr lang="fr-FR" sz="1600" dirty="0"/>
+                        <a:t>9’</a:t>
+                      </a:r>
+                    </a:p>
+                  </a:txBody>
+                  <a:tcPr anchor="ctr"/>
+                </a:tc>
+                <a:tc>
+                  <a:txBody>
+                    <a:bodyPr/>
+                    <a:lstStyle/>
+                    <a:p>
+                      <a:pPr marL="0" marR="0" indent="0" algn="l" defTabSz="914400" rtl="0" eaLnBrk="1" fontAlgn="auto" latinLnBrk="0" hangingPunct="1">
+                        <a:lnSpc>
+                          <a:spcPct val="100000"/>
+                        </a:lnSpc>
+                        <a:spcBef>
+                          <a:spcPts val="0"/>
+                        </a:spcBef>
+                        <a:spcAft>
+                          <a:spcPts val="0"/>
+                        </a:spcAft>
+                        <a:buClrTx/>
+                        <a:buSzTx/>
+                        <a:buFontTx/>
+                        <a:buNone/>
+                        <a:tabLst/>
+                        <a:defRPr/>
+                      </a:pPr>
+                      <a:r>
+                        <a:rPr lang="fr-FR" sz="1600" dirty="0"/>
+                        <a:t>T3 se résout. </a:t>
+                      </a:r>
+                    </a:p>
+                  </a:txBody>
+                  <a:tcPr anchor="ctr"/>
+                </a:tc>
+                <a:extLst>
+                  <a:ext uri="{0D108BD9-81ED-4DB2-BD59-A6C34878D82A}">
+                    <a16:rowId xmlns:a16="http://schemas.microsoft.com/office/drawing/2014/main" xmlns="" val="10006"/>
                   </a:ext>
                 </a:extLst>
               </a:tr>
@@ -10857,7 +10577,7 @@
           <a:p>
             <a:r>
               <a:rPr lang="fr-FR" dirty="0" err="1"/>
-              <a:t>Concat</a:t>
+              <a:t>Merge</a:t>
             </a:r>
             <a:r>
               <a:rPr lang="fr-FR" dirty="0"/>
@@ -10865,7 +10585,7 @@
             </a:r>
             <a:r>
               <a:rPr lang="fr-FR" dirty="0" err="1"/>
-              <a:t>ConcatMap</a:t>
+              <a:t>MergeMap</a:t>
             </a:r>
             <a:endParaRPr lang="fr-FR" dirty="0"/>
           </a:p>
@@ -10892,29 +10612,8 @@
             </a:pPr>
             <a:r>
               <a:rPr lang="fr-FR" sz="2400" dirty="0"/>
-              <a:t>Toutes les émissions successives sont traitées. Aucune nouvelle émission n’est traitée tant que le flux en cours n’est pas </a:t>
-            </a:r>
-            <a:r>
-              <a:rPr lang="fr-FR" sz="2400" dirty="0" smtClean="0"/>
-              <a:t>traité (</a:t>
-            </a:r>
-            <a:r>
-              <a:rPr lang="fr-FR" sz="2400" i="1" dirty="0" err="1" smtClean="0"/>
-              <a:t>inner</a:t>
-            </a:r>
-            <a:r>
-              <a:rPr lang="fr-FR" sz="2400" i="1" dirty="0" smtClean="0"/>
-              <a:t> observable </a:t>
-            </a:r>
-            <a:r>
-              <a:rPr lang="fr-FR" sz="2400" dirty="0" err="1" smtClean="0"/>
-              <a:t>complete</a:t>
-            </a:r>
-            <a:r>
-              <a:rPr lang="fr-FR" sz="2400" dirty="0" smtClean="0"/>
-              <a:t>). </a:t>
-            </a:r>
-            <a:endParaRPr lang="fr-FR" sz="2400" dirty="0"/>
+              <a:t>Toutes les émissions successives sont traitées. Chaque nouvelle émission est traitée dès sa réception.</a:t>
+            </a:r>
           </a:p>
           <a:p>
             <a:pPr>
@@ -10935,7 +10634,7 @@
             </a:r>
             <a:r>
               <a:rPr lang="fr-FR" sz="2400" dirty="0"/>
-              <a:t>, 6</a:t>
+              <a:t>, 4</a:t>
             </a:r>
             <a:r>
               <a:rPr lang="fr-FR" sz="2400" baseline="30000" dirty="0"/>
@@ -10943,7 +10642,7 @@
             </a:r>
             <a:r>
               <a:rPr lang="fr-FR" sz="2400" dirty="0"/>
-              <a:t> et 9</a:t>
+              <a:t> et 5</a:t>
             </a:r>
             <a:r>
               <a:rPr lang="fr-FR" sz="2400" baseline="30000" dirty="0"/>
@@ -10951,8 +10650,15 @@
             </a:r>
             <a:r>
               <a:rPr lang="fr-FR" sz="2400" dirty="0"/>
-              <a:t> seconde (résolution « l’un après l’autre »).</a:t>
-            </a:r>
+              <a:t> seconde (résolution « à la volée »).</a:t>
+            </a:r>
+          </a:p>
+          <a:p>
+            <a:pPr>
+              <a:buFont typeface="Wingdings" pitchFamily="2" charset="2"/>
+              <a:buChar char="Ø"/>
+            </a:pPr>
+            <a:endParaRPr lang="fr-FR" sz="2400" dirty="0"/>
           </a:p>
           <a:p>
             <a:endParaRPr lang="fr-FR" dirty="0"/>
@@ -10961,15 +10667,15 @@
       </p:sp>
       <p:graphicFrame>
         <p:nvGraphicFramePr>
-          <p:cNvPr id="13" name="Tableau 12"/>
+          <p:cNvPr id="4" name="Tableau 3"/>
           <p:cNvGraphicFramePr>
             <a:graphicFrameLocks noGrp="1"/>
           </p:cNvGraphicFramePr>
           <p:nvPr/>
         </p:nvGraphicFramePr>
         <p:xfrm>
-          <a:off x="1187624" y="3933056"/>
-          <a:ext cx="6840760" cy="2346960"/>
+          <a:off x="1259632" y="3573016"/>
+          <a:ext cx="6840760" cy="2834640"/>
         </p:xfrm>
         <a:graphic>
           <a:graphicData uri="http://schemas.openxmlformats.org/drawingml/2006/table">
@@ -10981,14 +10687,14 @@
                 <a:gridCol w="826440">
                   <a:extLst>
                     <a:ext uri="{9D8B030D-6E8A-4147-A177-3AD203B41FA5}">
-                      <a16:colId xmlns="" xmlns:a16="http://schemas.microsoft.com/office/drawing/2014/main" val="20000"/>
+                      <a16:colId xmlns:a16="http://schemas.microsoft.com/office/drawing/2014/main" xmlns="" val="20000"/>
                     </a:ext>
                   </a:extLst>
                 </a:gridCol>
                 <a:gridCol w="6014320">
                   <a:extLst>
                     <a:ext uri="{9D8B030D-6E8A-4147-A177-3AD203B41FA5}">
-                      <a16:colId xmlns="" xmlns:a16="http://schemas.microsoft.com/office/drawing/2014/main" val="20001"/>
+                      <a16:colId xmlns:a16="http://schemas.microsoft.com/office/drawing/2014/main" xmlns="" val="20001"/>
                     </a:ext>
                   </a:extLst>
                 </a:gridCol>
@@ -11024,7 +10730,7 @@
                 </a:tc>
                 <a:extLst>
                   <a:ext uri="{0D108BD9-81ED-4DB2-BD59-A6C34878D82A}">
-                    <a16:rowId xmlns="" xmlns:a16="http://schemas.microsoft.com/office/drawing/2014/main" val="10000"/>
+                    <a16:rowId xmlns:a16="http://schemas.microsoft.com/office/drawing/2014/main" xmlns="" val="10000"/>
                   </a:ext>
                 </a:extLst>
               </a:tr>
@@ -11058,7 +10764,7 @@
                 </a:tc>
                 <a:extLst>
                   <a:ext uri="{0D108BD9-81ED-4DB2-BD59-A6C34878D82A}">
-                    <a16:rowId xmlns="" xmlns:a16="http://schemas.microsoft.com/office/drawing/2014/main" val="10001"/>
+                    <a16:rowId xmlns:a16="http://schemas.microsoft.com/office/drawing/2014/main" xmlns="" val="10001"/>
                   </a:ext>
                 </a:extLst>
               </a:tr>
@@ -11101,20 +10807,23 @@
                       </a:pPr>
                       <a:r>
                         <a:rPr lang="fr-FR" sz="1600" dirty="0"/>
-                        <a:t>T2 se déclenche, puis </a:t>
+                        <a:t>T2 se déclenche et entre en cours de traitement.</a:t>
                       </a:r>
                       <a:r>
                         <a:rPr lang="fr-FR" sz="1600" baseline="0" dirty="0"/>
-                        <a:t>mis en attente.</a:t>
-                      </a:r>
-                      <a:endParaRPr lang="fr-FR" sz="1600" dirty="0"/>
+                        <a:t> </a:t>
+                      </a:r>
+                      <a:r>
+                        <a:rPr lang="fr-FR" sz="1600" dirty="0"/>
+                        <a:t>T1 est en cours de traitement.</a:t>
+                      </a:r>
                     </a:p>
                   </a:txBody>
                   <a:tcPr anchor="ctr"/>
                 </a:tc>
                 <a:extLst>
                   <a:ext uri="{0D108BD9-81ED-4DB2-BD59-A6C34878D82A}">
-                    <a16:rowId xmlns="" xmlns:a16="http://schemas.microsoft.com/office/drawing/2014/main" val="10002"/>
+                    <a16:rowId xmlns:a16="http://schemas.microsoft.com/office/drawing/2014/main" xmlns="" val="10002"/>
                   </a:ext>
                 </a:extLst>
               </a:tr>
@@ -11157,20 +10866,31 @@
                       </a:pPr>
                       <a:r>
                         <a:rPr lang="fr-FR" sz="1600" dirty="0"/>
-                        <a:t>T3 se déclenche, puis </a:t>
+                        <a:t>T3</a:t>
                       </a:r>
                       <a:r>
                         <a:rPr lang="fr-FR" sz="1600" baseline="0" dirty="0"/>
-                        <a:t>mis en attente.</a:t>
-                      </a:r>
-                      <a:endParaRPr lang="fr-FR" sz="1600" dirty="0"/>
+                        <a:t> </a:t>
+                      </a:r>
+                      <a:r>
+                        <a:rPr lang="fr-FR" sz="1600" dirty="0"/>
+                        <a:t>se déclenche et entre en cours de traitement.</a:t>
+                      </a:r>
+                      <a:r>
+                        <a:rPr lang="fr-FR" sz="1600" baseline="0" dirty="0"/>
+                        <a:t> </a:t>
+                      </a:r>
+                      <a:r>
+                        <a:rPr lang="fr-FR" sz="1600" dirty="0"/>
+                        <a:t>T1 et T2 sont en cours de traitement.</a:t>
+                      </a:r>
                     </a:p>
                   </a:txBody>
                   <a:tcPr anchor="ctr"/>
                 </a:tc>
                 <a:extLst>
                   <a:ext uri="{0D108BD9-81ED-4DB2-BD59-A6C34878D82A}">
-                    <a16:rowId xmlns="" xmlns:a16="http://schemas.microsoft.com/office/drawing/2014/main" val="10003"/>
+                    <a16:rowId xmlns:a16="http://schemas.microsoft.com/office/drawing/2014/main" xmlns="" val="10003"/>
                   </a:ext>
                 </a:extLst>
               </a:tr>
@@ -11213,7 +10933,7 @@
                       </a:pPr>
                       <a:r>
                         <a:rPr lang="fr-FR" sz="1600" dirty="0"/>
-                        <a:t>T1 se résout. T2 entre en cours de traitement. T3 est en attente.</a:t>
+                        <a:t>T1 se résout. T2 et T3 sont en cours de traitement.</a:t>
                       </a:r>
                     </a:p>
                   </a:txBody>
@@ -11221,7 +10941,7 @@
                 </a:tc>
                 <a:extLst>
                   <a:ext uri="{0D108BD9-81ED-4DB2-BD59-A6C34878D82A}">
-                    <a16:rowId xmlns="" xmlns:a16="http://schemas.microsoft.com/office/drawing/2014/main" val="10004"/>
+                    <a16:rowId xmlns:a16="http://schemas.microsoft.com/office/drawing/2014/main" xmlns="" val="10004"/>
                   </a:ext>
                 </a:extLst>
               </a:tr>
@@ -11234,7 +10954,7 @@
                       <a:pPr algn="ctr"/>
                       <a:r>
                         <a:rPr lang="fr-FR" sz="1600" dirty="0"/>
-                        <a:t>6’</a:t>
+                        <a:t>4’</a:t>
                       </a:r>
                     </a:p>
                   </a:txBody>
@@ -11264,28 +10984,15 @@
                       </a:pPr>
                       <a:r>
                         <a:rPr lang="fr-FR" sz="1600" dirty="0"/>
-                        <a:t>T2 se résout. T3</a:t>
-                      </a:r>
-                      <a:r>
-                        <a:rPr lang="fr-FR" sz="1600" baseline="0" dirty="0"/>
-                        <a:t> </a:t>
-                      </a:r>
-                      <a:r>
-                        <a:rPr lang="fr-FR" sz="1600" dirty="0"/>
-                        <a:t>entre </a:t>
-                      </a:r>
-                      <a:r>
-                        <a:rPr lang="fr-FR" sz="1600" baseline="0" dirty="0"/>
-                        <a:t>en cours de traitement.</a:t>
-                      </a:r>
-                      <a:endParaRPr lang="fr-FR" sz="1600" dirty="0"/>
+                        <a:t>T2 se résout. T3 est en cours de traitement.</a:t>
+                      </a:r>
                     </a:p>
                   </a:txBody>
                   <a:tcPr anchor="ctr"/>
                 </a:tc>
                 <a:extLst>
                   <a:ext uri="{0D108BD9-81ED-4DB2-BD59-A6C34878D82A}">
-                    <a16:rowId xmlns="" xmlns:a16="http://schemas.microsoft.com/office/drawing/2014/main" val="10005"/>
+                    <a16:rowId xmlns:a16="http://schemas.microsoft.com/office/drawing/2014/main" xmlns="" val="10005"/>
                   </a:ext>
                 </a:extLst>
               </a:tr>
@@ -11298,7 +11005,7 @@
                       <a:pPr algn="ctr"/>
                       <a:r>
                         <a:rPr lang="fr-FR" sz="1600" dirty="0"/>
-                        <a:t>9’</a:t>
+                        <a:t>5’</a:t>
                       </a:r>
                     </a:p>
                   </a:txBody>
@@ -11336,7 +11043,7 @@
                 </a:tc>
                 <a:extLst>
                   <a:ext uri="{0D108BD9-81ED-4DB2-BD59-A6C34878D82A}">
-                    <a16:rowId xmlns="" xmlns:a16="http://schemas.microsoft.com/office/drawing/2014/main" val="10006"/>
+                    <a16:rowId xmlns:a16="http://schemas.microsoft.com/office/drawing/2014/main" xmlns="" val="10006"/>
                   </a:ext>
                 </a:extLst>
               </a:tr>
@@ -11411,53 +11118,72 @@
           <a:p>
             <a:r>
               <a:rPr lang="fr-FR" dirty="0" smtClean="0"/>
-              <a:t>Principes de base de RxJS.</a:t>
-            </a:r>
-          </a:p>
-          <a:p>
+              <a:t>Principes de </a:t>
+            </a:r>
             <a:r>
               <a:rPr lang="fr-FR" dirty="0" smtClean="0"/>
-              <a:t>Introduction aux </a:t>
-            </a:r>
-            <a:r>
-              <a:rPr lang="fr-FR" b="1" dirty="0" err="1" smtClean="0"/>
-              <a:t>marbles</a:t>
+              <a:t>base</a:t>
+            </a:r>
+            <a:endParaRPr lang="fr-FR" dirty="0" smtClean="0"/>
+          </a:p>
+          <a:p>
+            <a:r>
+              <a:rPr lang="fr-FR" dirty="0" err="1" smtClean="0"/>
+              <a:t>M</a:t>
+            </a:r>
+            <a:r>
+              <a:rPr lang="fr-FR" dirty="0" err="1" smtClean="0"/>
+              <a:t>arble</a:t>
             </a:r>
             <a:r>
               <a:rPr lang="fr-FR" dirty="0" smtClean="0"/>
-              <a:t>.</a:t>
-            </a:r>
-          </a:p>
-          <a:p>
-            <a:r>
-              <a:rPr lang="fr-FR" b="1" dirty="0" err="1" smtClean="0"/>
-              <a:t>Operators</a:t>
+              <a:t> </a:t>
+            </a:r>
+            <a:r>
+              <a:rPr lang="fr-FR" dirty="0" err="1" smtClean="0"/>
+              <a:t>diragrams</a:t>
+            </a:r>
+            <a:endParaRPr lang="fr-FR" dirty="0" smtClean="0"/>
+          </a:p>
+          <a:p>
+            <a:r>
+              <a:rPr lang="fr-FR" dirty="0" err="1" smtClean="0"/>
+              <a:t>Pipeable</a:t>
             </a:r>
             <a:r>
               <a:rPr lang="fr-FR" dirty="0" smtClean="0"/>
-              <a:t> courants.</a:t>
-            </a:r>
-          </a:p>
-          <a:p>
+              <a:t> </a:t>
+            </a:r>
             <a:r>
               <a:rPr lang="fr-FR" dirty="0" err="1" smtClean="0"/>
               <a:t>Operators</a:t>
             </a:r>
+            <a:endParaRPr lang="fr-FR" dirty="0" smtClean="0"/>
+          </a:p>
+          <a:p>
+            <a:r>
+              <a:rPr lang="fr-FR" dirty="0" smtClean="0"/>
+              <a:t>High-</a:t>
+            </a:r>
+            <a:r>
+              <a:rPr lang="fr-FR" dirty="0" err="1" smtClean="0"/>
+              <a:t>order</a:t>
+            </a:r>
             <a:r>
               <a:rPr lang="fr-FR" dirty="0" smtClean="0"/>
               <a:t> </a:t>
             </a:r>
             <a:r>
-              <a:rPr lang="fr-FR" b="1" dirty="0" smtClean="0"/>
-              <a:t>High-</a:t>
-            </a:r>
-            <a:r>
-              <a:rPr lang="fr-FR" b="1" dirty="0" err="1" smtClean="0"/>
-              <a:t>order</a:t>
+              <a:rPr lang="fr-FR" dirty="0" err="1" smtClean="0"/>
+              <a:t>Operators</a:t>
             </a:r>
             <a:r>
               <a:rPr lang="fr-FR" dirty="0" smtClean="0"/>
-              <a:t> (</a:t>
+              <a:t> </a:t>
+            </a:r>
+            <a:r>
+              <a:rPr lang="fr-FR" dirty="0" smtClean="0"/>
+              <a:t>(</a:t>
             </a:r>
             <a:r>
               <a:rPr lang="fr-FR" i="1" dirty="0" err="1" smtClean="0"/>
@@ -11465,7 +11191,15 @@
             </a:r>
             <a:r>
               <a:rPr lang="fr-FR" dirty="0" smtClean="0"/>
-              <a:t> imbriqués).</a:t>
+              <a:t> </a:t>
+            </a:r>
+            <a:r>
+              <a:rPr lang="fr-FR" dirty="0" smtClean="0"/>
+              <a:t>imbriqués</a:t>
+            </a:r>
+            <a:r>
+              <a:rPr lang="fr-FR" dirty="0" smtClean="0"/>
+              <a:t>)</a:t>
             </a:r>
             <a:endParaRPr lang="fr-FR" dirty="0"/>
           </a:p>
@@ -11514,522 +11248,6 @@
           <a:bodyPr/>
           <a:lstStyle/>
           <a:p>
-            <a:r>
-              <a:rPr lang="fr-FR" dirty="0" err="1"/>
-              <a:t>Merge</a:t>
-            </a:r>
-            <a:r>
-              <a:rPr lang="fr-FR" dirty="0"/>
-              <a:t>/</a:t>
-            </a:r>
-            <a:r>
-              <a:rPr lang="fr-FR" dirty="0" err="1"/>
-              <a:t>MergeMap</a:t>
-            </a:r>
-            <a:endParaRPr lang="fr-FR" dirty="0"/>
-          </a:p>
-        </p:txBody>
-      </p:sp>
-      <p:sp>
-        <p:nvSpPr>
-          <p:cNvPr id="10" name="Espace réservé du contenu 9"/>
-          <p:cNvSpPr>
-            <a:spLocks noGrp="1"/>
-          </p:cNvSpPr>
-          <p:nvPr>
-            <p:ph idx="1"/>
-          </p:nvPr>
-        </p:nvSpPr>
-        <p:spPr/>
-        <p:txBody>
-          <a:bodyPr/>
-          <a:lstStyle/>
-          <a:p>
-            <a:pPr>
-              <a:buFont typeface="Wingdings" pitchFamily="2" charset="2"/>
-              <a:buChar char="Ø"/>
-            </a:pPr>
-            <a:r>
-              <a:rPr lang="fr-FR" sz="2400" dirty="0"/>
-              <a:t>Toutes les émissions successives sont traitées. Chaque nouvelle émission est traitée dès sa réception.</a:t>
-            </a:r>
-          </a:p>
-          <a:p>
-            <a:pPr>
-              <a:buFont typeface="Wingdings" pitchFamily="2" charset="2"/>
-              <a:buChar char="Ø"/>
-            </a:pPr>
-            <a:r>
-              <a:rPr lang="fr-FR" sz="2400" b="1" dirty="0"/>
-              <a:t>(UC) -&gt; </a:t>
-            </a:r>
-            <a:r>
-              <a:rPr lang="fr-FR" sz="2400" dirty="0"/>
-              <a:t>T1, T2 et T3 sont respectivement résolus à la 3</a:t>
-            </a:r>
-            <a:r>
-              <a:rPr lang="fr-FR" sz="2400" baseline="30000" dirty="0"/>
-              <a:t>ème</a:t>
-            </a:r>
-            <a:r>
-              <a:rPr lang="fr-FR" sz="2400" dirty="0"/>
-              <a:t>, 4</a:t>
-            </a:r>
-            <a:r>
-              <a:rPr lang="fr-FR" sz="2400" baseline="30000" dirty="0"/>
-              <a:t>ème</a:t>
-            </a:r>
-            <a:r>
-              <a:rPr lang="fr-FR" sz="2400" dirty="0"/>
-              <a:t> et 5</a:t>
-            </a:r>
-            <a:r>
-              <a:rPr lang="fr-FR" sz="2400" baseline="30000" dirty="0"/>
-              <a:t>ème</a:t>
-            </a:r>
-            <a:r>
-              <a:rPr lang="fr-FR" sz="2400" dirty="0"/>
-              <a:t> seconde (résolution « à la volée »).</a:t>
-            </a:r>
-          </a:p>
-          <a:p>
-            <a:pPr>
-              <a:buFont typeface="Wingdings" pitchFamily="2" charset="2"/>
-              <a:buChar char="Ø"/>
-            </a:pPr>
-            <a:endParaRPr lang="fr-FR" sz="2400" dirty="0"/>
-          </a:p>
-          <a:p>
-            <a:endParaRPr lang="fr-FR" dirty="0"/>
-          </a:p>
-        </p:txBody>
-      </p:sp>
-      <p:graphicFrame>
-        <p:nvGraphicFramePr>
-          <p:cNvPr id="4" name="Tableau 3"/>
-          <p:cNvGraphicFramePr>
-            <a:graphicFrameLocks noGrp="1"/>
-          </p:cNvGraphicFramePr>
-          <p:nvPr/>
-        </p:nvGraphicFramePr>
-        <p:xfrm>
-          <a:off x="1259632" y="3573016"/>
-          <a:ext cx="6840760" cy="2834640"/>
-        </p:xfrm>
-        <a:graphic>
-          <a:graphicData uri="http://schemas.openxmlformats.org/drawingml/2006/table">
-            <a:tbl>
-              <a:tblPr firstRow="1" bandRow="1">
-                <a:tableStyleId>{00A15C55-8517-42AA-B614-E9B94910E393}</a:tableStyleId>
-              </a:tblPr>
-              <a:tblGrid>
-                <a:gridCol w="826440">
-                  <a:extLst>
-                    <a:ext uri="{9D8B030D-6E8A-4147-A177-3AD203B41FA5}">
-                      <a16:colId xmlns="" xmlns:a16="http://schemas.microsoft.com/office/drawing/2014/main" val="20000"/>
-                    </a:ext>
-                  </a:extLst>
-                </a:gridCol>
-                <a:gridCol w="6014320">
-                  <a:extLst>
-                    <a:ext uri="{9D8B030D-6E8A-4147-A177-3AD203B41FA5}">
-                      <a16:colId xmlns="" xmlns:a16="http://schemas.microsoft.com/office/drawing/2014/main" val="20001"/>
-                    </a:ext>
-                  </a:extLst>
-                </a:gridCol>
-              </a:tblGrid>
-              <a:tr h="255165">
-                <a:tc>
-                  <a:txBody>
-                    <a:bodyPr/>
-                    <a:lstStyle/>
-                    <a:p>
-                      <a:pPr algn="ctr"/>
-                      <a:r>
-                        <a:rPr lang="fr-FR" sz="1600" dirty="0"/>
-                        <a:t>Temps</a:t>
-                      </a:r>
-                    </a:p>
-                  </a:txBody>
-                  <a:tcPr anchor="ctr"/>
-                </a:tc>
-                <a:tc>
-                  <a:txBody>
-                    <a:bodyPr/>
-                    <a:lstStyle/>
-                    <a:p>
-                      <a:pPr algn="ctr"/>
-                      <a:r>
-                        <a:rPr lang="fr-FR" sz="1600" dirty="0"/>
-                        <a:t>Actions de l’utilisateur</a:t>
-                      </a:r>
-                    </a:p>
-                  </a:txBody>
-                  <a:tcPr anchor="ctr"/>
-                </a:tc>
-                <a:extLst>
-                  <a:ext uri="{0D108BD9-81ED-4DB2-BD59-A6C34878D82A}">
-                    <a16:rowId xmlns="" xmlns:a16="http://schemas.microsoft.com/office/drawing/2014/main" val="10000"/>
-                  </a:ext>
-                </a:extLst>
-              </a:tr>
-              <a:tr h="255165">
-                <a:tc>
-                  <a:txBody>
-                    <a:bodyPr/>
-                    <a:lstStyle/>
-                    <a:p>
-                      <a:pPr algn="ctr"/>
-                      <a:r>
-                        <a:rPr lang="fr-FR" sz="1600" dirty="0"/>
-                        <a:t>0’</a:t>
-                      </a:r>
-                    </a:p>
-                  </a:txBody>
-                  <a:tcPr anchor="ctr"/>
-                </a:tc>
-                <a:tc>
-                  <a:txBody>
-                    <a:bodyPr/>
-                    <a:lstStyle/>
-                    <a:p>
-                      <a:r>
-                        <a:rPr lang="fr-FR" sz="1600" dirty="0"/>
-                        <a:t>T1 se déclenche.</a:t>
-                      </a:r>
-                    </a:p>
-                  </a:txBody>
-                  <a:tcPr anchor="ctr"/>
-                </a:tc>
-                <a:extLst>
-                  <a:ext uri="{0D108BD9-81ED-4DB2-BD59-A6C34878D82A}">
-                    <a16:rowId xmlns="" xmlns:a16="http://schemas.microsoft.com/office/drawing/2014/main" val="10001"/>
-                  </a:ext>
-                </a:extLst>
-              </a:tr>
-              <a:tr h="255165">
-                <a:tc>
-                  <a:txBody>
-                    <a:bodyPr/>
-                    <a:lstStyle/>
-                    <a:p>
-                      <a:pPr algn="ctr"/>
-                      <a:r>
-                        <a:rPr lang="fr-FR" sz="1600" dirty="0"/>
-                        <a:t>1’</a:t>
-                      </a:r>
-                    </a:p>
-                  </a:txBody>
-                  <a:tcPr anchor="ctr"/>
-                </a:tc>
-                <a:tc>
-                  <a:txBody>
-                    <a:bodyPr/>
-                    <a:lstStyle/>
-                    <a:p>
-                      <a:pPr marL="0" marR="0" indent="0" algn="l" defTabSz="914400" rtl="0" eaLnBrk="1" fontAlgn="auto" latinLnBrk="0" hangingPunct="1">
-                        <a:lnSpc>
-                          <a:spcPct val="100000"/>
-                        </a:lnSpc>
-                        <a:spcBef>
-                          <a:spcPts val="0"/>
-                        </a:spcBef>
-                        <a:spcAft>
-                          <a:spcPts val="0"/>
-                        </a:spcAft>
-                        <a:buClrTx/>
-                        <a:buSzTx/>
-                        <a:buFontTx/>
-                        <a:buNone/>
-                        <a:tabLst/>
-                        <a:defRPr/>
-                      </a:pPr>
-                      <a:r>
-                        <a:rPr lang="fr-FR" sz="1600" dirty="0"/>
-                        <a:t>T2 se déclenche et entre en cours de traitement.</a:t>
-                      </a:r>
-                      <a:r>
-                        <a:rPr lang="fr-FR" sz="1600" baseline="0" dirty="0"/>
-                        <a:t> </a:t>
-                      </a:r>
-                      <a:r>
-                        <a:rPr lang="fr-FR" sz="1600" dirty="0"/>
-                        <a:t>T1 est en cours de traitement.</a:t>
-                      </a:r>
-                    </a:p>
-                  </a:txBody>
-                  <a:tcPr anchor="ctr"/>
-                </a:tc>
-                <a:extLst>
-                  <a:ext uri="{0D108BD9-81ED-4DB2-BD59-A6C34878D82A}">
-                    <a16:rowId xmlns="" xmlns:a16="http://schemas.microsoft.com/office/drawing/2014/main" val="10002"/>
-                  </a:ext>
-                </a:extLst>
-              </a:tr>
-              <a:tr h="255165">
-                <a:tc>
-                  <a:txBody>
-                    <a:bodyPr/>
-                    <a:lstStyle/>
-                    <a:p>
-                      <a:pPr algn="ctr"/>
-                      <a:r>
-                        <a:rPr lang="fr-FR" sz="1600" dirty="0"/>
-                        <a:t>2’</a:t>
-                      </a:r>
-                    </a:p>
-                  </a:txBody>
-                  <a:tcPr anchor="ctr"/>
-                </a:tc>
-                <a:tc>
-                  <a:txBody>
-                    <a:bodyPr/>
-                    <a:lstStyle/>
-                    <a:p>
-                      <a:pPr marL="0" marR="0" indent="0" algn="l" defTabSz="914400" rtl="0" eaLnBrk="1" fontAlgn="auto" latinLnBrk="0" hangingPunct="1">
-                        <a:lnSpc>
-                          <a:spcPct val="100000"/>
-                        </a:lnSpc>
-                        <a:spcBef>
-                          <a:spcPts val="0"/>
-                        </a:spcBef>
-                        <a:spcAft>
-                          <a:spcPts val="0"/>
-                        </a:spcAft>
-                        <a:buClrTx/>
-                        <a:buSzTx/>
-                        <a:buFontTx/>
-                        <a:buNone/>
-                        <a:tabLst/>
-                        <a:defRPr/>
-                      </a:pPr>
-                      <a:r>
-                        <a:rPr lang="fr-FR" sz="1600" dirty="0"/>
-                        <a:t>T3</a:t>
-                      </a:r>
-                      <a:r>
-                        <a:rPr lang="fr-FR" sz="1600" baseline="0" dirty="0"/>
-                        <a:t> </a:t>
-                      </a:r>
-                      <a:r>
-                        <a:rPr lang="fr-FR" sz="1600" dirty="0"/>
-                        <a:t>se déclenche et entre en cours de traitement.</a:t>
-                      </a:r>
-                      <a:r>
-                        <a:rPr lang="fr-FR" sz="1600" baseline="0" dirty="0"/>
-                        <a:t> </a:t>
-                      </a:r>
-                      <a:r>
-                        <a:rPr lang="fr-FR" sz="1600" dirty="0"/>
-                        <a:t>T1 et T2 sont en cours de traitement.</a:t>
-                      </a:r>
-                    </a:p>
-                  </a:txBody>
-                  <a:tcPr anchor="ctr"/>
-                </a:tc>
-                <a:extLst>
-                  <a:ext uri="{0D108BD9-81ED-4DB2-BD59-A6C34878D82A}">
-                    <a16:rowId xmlns="" xmlns:a16="http://schemas.microsoft.com/office/drawing/2014/main" val="10003"/>
-                  </a:ext>
-                </a:extLst>
-              </a:tr>
-              <a:tr h="255165">
-                <a:tc>
-                  <a:txBody>
-                    <a:bodyPr/>
-                    <a:lstStyle/>
-                    <a:p>
-                      <a:pPr algn="ctr"/>
-                      <a:r>
-                        <a:rPr lang="fr-FR" sz="1600" dirty="0"/>
-                        <a:t>3’</a:t>
-                      </a:r>
-                    </a:p>
-                  </a:txBody>
-                  <a:tcPr anchor="ctr"/>
-                </a:tc>
-                <a:tc>
-                  <a:txBody>
-                    <a:bodyPr/>
-                    <a:lstStyle/>
-                    <a:p>
-                      <a:pPr marL="0" marR="0" indent="0" algn="l" defTabSz="914400" rtl="0" eaLnBrk="1" fontAlgn="auto" latinLnBrk="0" hangingPunct="1">
-                        <a:lnSpc>
-                          <a:spcPct val="100000"/>
-                        </a:lnSpc>
-                        <a:spcBef>
-                          <a:spcPts val="0"/>
-                        </a:spcBef>
-                        <a:spcAft>
-                          <a:spcPts val="0"/>
-                        </a:spcAft>
-                        <a:buClrTx/>
-                        <a:buSzTx/>
-                        <a:buFontTx/>
-                        <a:buNone/>
-                        <a:tabLst/>
-                        <a:defRPr/>
-                      </a:pPr>
-                      <a:r>
-                        <a:rPr lang="fr-FR" sz="1600" dirty="0"/>
-                        <a:t>T1 se résout. T2 et T3 sont en cours de traitement.</a:t>
-                      </a:r>
-                    </a:p>
-                  </a:txBody>
-                  <a:tcPr anchor="ctr"/>
-                </a:tc>
-                <a:extLst>
-                  <a:ext uri="{0D108BD9-81ED-4DB2-BD59-A6C34878D82A}">
-                    <a16:rowId xmlns="" xmlns:a16="http://schemas.microsoft.com/office/drawing/2014/main" val="10004"/>
-                  </a:ext>
-                </a:extLst>
-              </a:tr>
-              <a:tr h="255165">
-                <a:tc>
-                  <a:txBody>
-                    <a:bodyPr/>
-                    <a:lstStyle/>
-                    <a:p>
-                      <a:pPr algn="ctr"/>
-                      <a:r>
-                        <a:rPr lang="fr-FR" sz="1600" dirty="0"/>
-                        <a:t>4’</a:t>
-                      </a:r>
-                    </a:p>
-                  </a:txBody>
-                  <a:tcPr anchor="ctr"/>
-                </a:tc>
-                <a:tc>
-                  <a:txBody>
-                    <a:bodyPr/>
-                    <a:lstStyle/>
-                    <a:p>
-                      <a:pPr marL="0" marR="0" indent="0" algn="l" defTabSz="914400" rtl="0" eaLnBrk="1" fontAlgn="auto" latinLnBrk="0" hangingPunct="1">
-                        <a:lnSpc>
-                          <a:spcPct val="100000"/>
-                        </a:lnSpc>
-                        <a:spcBef>
-                          <a:spcPts val="0"/>
-                        </a:spcBef>
-                        <a:spcAft>
-                          <a:spcPts val="0"/>
-                        </a:spcAft>
-                        <a:buClrTx/>
-                        <a:buSzTx/>
-                        <a:buFontTx/>
-                        <a:buNone/>
-                        <a:tabLst/>
-                        <a:defRPr/>
-                      </a:pPr>
-                      <a:r>
-                        <a:rPr lang="fr-FR" sz="1600" dirty="0"/>
-                        <a:t>T2 se résout. T3 est en cours de traitement.</a:t>
-                      </a:r>
-                    </a:p>
-                  </a:txBody>
-                  <a:tcPr anchor="ctr"/>
-                </a:tc>
-                <a:extLst>
-                  <a:ext uri="{0D108BD9-81ED-4DB2-BD59-A6C34878D82A}">
-                    <a16:rowId xmlns="" xmlns:a16="http://schemas.microsoft.com/office/drawing/2014/main" val="10005"/>
-                  </a:ext>
-                </a:extLst>
-              </a:tr>
-              <a:tr h="255165">
-                <a:tc>
-                  <a:txBody>
-                    <a:bodyPr/>
-                    <a:lstStyle/>
-                    <a:p>
-                      <a:pPr algn="ctr"/>
-                      <a:r>
-                        <a:rPr lang="fr-FR" sz="1600" dirty="0"/>
-                        <a:t>5’</a:t>
-                      </a:r>
-                    </a:p>
-                  </a:txBody>
-                  <a:tcPr anchor="ctr"/>
-                </a:tc>
-                <a:tc>
-                  <a:txBody>
-                    <a:bodyPr/>
-                    <a:lstStyle/>
-                    <a:p>
-                      <a:pPr marL="0" marR="0" indent="0" algn="l" defTabSz="914400" rtl="0" eaLnBrk="1" fontAlgn="auto" latinLnBrk="0" hangingPunct="1">
-                        <a:lnSpc>
-                          <a:spcPct val="100000"/>
-                        </a:lnSpc>
-                        <a:spcBef>
-                          <a:spcPts val="0"/>
-                        </a:spcBef>
-                        <a:spcAft>
-                          <a:spcPts val="0"/>
-                        </a:spcAft>
-                        <a:buClrTx/>
-                        <a:buSzTx/>
-                        <a:buFontTx/>
-                        <a:buNone/>
-                        <a:tabLst/>
-                        <a:defRPr/>
-                      </a:pPr>
-                      <a:r>
-                        <a:rPr lang="fr-FR" sz="1600" dirty="0"/>
-                        <a:t>T3 se résout. </a:t>
-                      </a:r>
-                    </a:p>
-                  </a:txBody>
-                  <a:tcPr anchor="ctr"/>
-                </a:tc>
-                <a:extLst>
-                  <a:ext uri="{0D108BD9-81ED-4DB2-BD59-A6C34878D82A}">
-                    <a16:rowId xmlns="" xmlns:a16="http://schemas.microsoft.com/office/drawing/2014/main" val="10006"/>
-                  </a:ext>
-                </a:extLst>
-              </a:tr>
-            </a:tbl>
-          </a:graphicData>
-        </a:graphic>
-      </p:graphicFrame>
-    </p:spTree>
-  </p:cSld>
-  <p:clrMapOvr>
-    <a:masterClrMapping/>
-  </p:clrMapOvr>
-</p:sld>
-</file>
-
-<file path=ppt/slides/slide21.xml><?xml version="1.0" encoding="utf-8"?>
-<p:sld xmlns:a="http://schemas.openxmlformats.org/drawingml/2006/main" xmlns:r="http://schemas.openxmlformats.org/officeDocument/2006/relationships" xmlns:p="http://schemas.openxmlformats.org/presentationml/2006/main">
-  <p:cSld>
-    <p:spTree>
-      <p:nvGrpSpPr>
-        <p:cNvPr id="1" name=""/>
-        <p:cNvGrpSpPr/>
-        <p:nvPr/>
-      </p:nvGrpSpPr>
-      <p:grpSpPr>
-        <a:xfrm>
-          <a:off x="0" y="0"/>
-          <a:ext cx="0" cy="0"/>
-          <a:chOff x="0" y="0"/>
-          <a:chExt cx="0" cy="0"/>
-        </a:xfrm>
-      </p:grpSpPr>
-      <p:sp>
-        <p:nvSpPr>
-          <p:cNvPr id="2" name="Titre 1"/>
-          <p:cNvSpPr>
-            <a:spLocks noGrp="1"/>
-          </p:cNvSpPr>
-          <p:nvPr>
-            <p:ph type="title"/>
-          </p:nvPr>
-        </p:nvSpPr>
-        <p:spPr/>
-        <p:txBody>
-          <a:bodyPr/>
-          <a:lstStyle/>
-          <a:p>
             <a:endParaRPr lang="fr-FR" dirty="0"/>
           </a:p>
         </p:txBody>
@@ -12053,9 +11271,10 @@
               <a:buNone/>
             </a:pPr>
             <a:r>
-              <a:rPr lang="fr-FR" sz="8000" b="1" dirty="0"/>
-              <a:t>MERCI!</a:t>
-            </a:r>
+              <a:rPr lang="fr-FR" sz="8000" b="1" dirty="0" smtClean="0"/>
+              <a:t>MERCI !</a:t>
+            </a:r>
+            <a:endParaRPr lang="fr-FR" sz="8000" b="1" dirty="0"/>
           </a:p>
           <a:p>
             <a:endParaRPr lang="fr-FR" dirty="0"/>
@@ -12094,6 +11313,691 @@
 </p:sld>
 </file>
 
+<file path=ppt/slides/slide21.xml><?xml version="1.0" encoding="utf-8"?>
+<p:sld xmlns:a="http://schemas.openxmlformats.org/drawingml/2006/main" xmlns:r="http://schemas.openxmlformats.org/officeDocument/2006/relationships" xmlns:p="http://schemas.openxmlformats.org/presentationml/2006/main" show="0">
+  <p:cSld>
+    <p:spTree>
+      <p:nvGrpSpPr>
+        <p:cNvPr id="1" name=""/>
+        <p:cNvGrpSpPr/>
+        <p:nvPr/>
+      </p:nvGrpSpPr>
+      <p:grpSpPr>
+        <a:xfrm>
+          <a:off x="0" y="0"/>
+          <a:ext cx="0" cy="0"/>
+          <a:chOff x="0" y="0"/>
+          <a:chExt cx="0" cy="0"/>
+        </a:xfrm>
+      </p:grpSpPr>
+      <p:sp>
+        <p:nvSpPr>
+          <p:cNvPr id="2" name="Titre 1"/>
+          <p:cNvSpPr>
+            <a:spLocks noGrp="1"/>
+          </p:cNvSpPr>
+          <p:nvPr>
+            <p:ph type="title"/>
+          </p:nvPr>
+        </p:nvSpPr>
+        <p:spPr/>
+        <p:txBody>
+          <a:bodyPr/>
+          <a:lstStyle/>
+          <a:p>
+            <a:endParaRPr lang="fr-FR" dirty="0"/>
+          </a:p>
+        </p:txBody>
+      </p:sp>
+      <p:graphicFrame>
+        <p:nvGraphicFramePr>
+          <p:cNvPr id="5" name="Espace réservé du contenu 3"/>
+          <p:cNvGraphicFramePr>
+            <a:graphicFrameLocks/>
+          </p:cNvGraphicFramePr>
+          <p:nvPr>
+            <p:extLst>
+              <p:ext uri="{D42A27DB-BD31-4B8C-83A1-F6EECF244321}">
+                <p14:modId xmlns:p14="http://schemas.microsoft.com/office/powerpoint/2010/main" xmlns="" val="2224270047"/>
+              </p:ext>
+            </p:extLst>
+          </p:nvPr>
+        </p:nvGraphicFramePr>
+        <p:xfrm>
+          <a:off x="611560" y="1268760"/>
+          <a:ext cx="8208912" cy="5040560"/>
+        </p:xfrm>
+        <a:graphic>
+          <a:graphicData uri="http://schemas.openxmlformats.org/drawingml/2006/table">
+            <a:tbl>
+              <a:tblPr firstRow="1" bandRow="1">
+                <a:tableStyleId>{00A15C55-8517-42AA-B614-E9B94910E393}</a:tableStyleId>
+              </a:tblPr>
+              <a:tblGrid>
+                <a:gridCol w="8208912">
+                  <a:extLst>
+                    <a:ext uri="{9D8B030D-6E8A-4147-A177-3AD203B41FA5}">
+                      <a16:colId xmlns:a16="http://schemas.microsoft.com/office/drawing/2014/main" xmlns="" val="20000"/>
+                    </a:ext>
+                  </a:extLst>
+                </a:gridCol>
+              </a:tblGrid>
+              <a:tr h="521437">
+                <a:tc>
+                  <a:txBody>
+                    <a:bodyPr/>
+                    <a:lstStyle/>
+                    <a:p>
+                      <a:pPr marL="0" marR="0" indent="0" algn="ctr" defTabSz="914400" rtl="0" eaLnBrk="1" fontAlgn="auto" latinLnBrk="0" hangingPunct="1">
+                        <a:lnSpc>
+                          <a:spcPct val="100000"/>
+                        </a:lnSpc>
+                        <a:spcBef>
+                          <a:spcPts val="0"/>
+                        </a:spcBef>
+                        <a:spcAft>
+                          <a:spcPts val="0"/>
+                        </a:spcAft>
+                        <a:buClrTx/>
+                        <a:buSzTx/>
+                        <a:buFontTx/>
+                        <a:buNone/>
+                        <a:tabLst/>
+                        <a:defRPr/>
+                      </a:pPr>
+                      <a:r>
+                        <a:rPr lang="fr-FR" dirty="0"/>
+                        <a:t>Exemple</a:t>
+                      </a:r>
+                    </a:p>
+                  </a:txBody>
+                  <a:tcPr>
+                    <a:solidFill>
+                      <a:srgbClr val="0070C0"/>
+                    </a:solidFill>
+                  </a:tcPr>
+                </a:tc>
+                <a:extLst>
+                  <a:ext uri="{0D108BD9-81ED-4DB2-BD59-A6C34878D82A}">
+                    <a16:rowId xmlns:a16="http://schemas.microsoft.com/office/drawing/2014/main" xmlns="" val="10000"/>
+                  </a:ext>
+                </a:extLst>
+              </a:tr>
+              <a:tr h="4519123">
+                <a:tc>
+                  <a:txBody>
+                    <a:bodyPr/>
+                    <a:lstStyle/>
+                    <a:p>
+                      <a:pPr algn="l"/>
+                      <a:r>
+                        <a:rPr lang="en-US" sz="1400" dirty="0">
+                          <a:latin typeface="+mj-lt"/>
+                        </a:rPr>
+                        <a:t>const </a:t>
+                      </a:r>
+                      <a:r>
+                        <a:rPr kumimoji="0" lang="fr-FR" sz="1400" kern="1200" dirty="0" smtClean="0">
+                          <a:solidFill>
+                            <a:schemeClr val="dk1"/>
+                          </a:solidFill>
+                          <a:latin typeface="+mj-lt"/>
+                          <a:ea typeface="+mn-ea"/>
+                          <a:cs typeface="+mn-cs"/>
+                        </a:rPr>
+                        <a:t>clients$ </a:t>
+                      </a:r>
+                      <a:r>
+                        <a:rPr lang="en-US" sz="1400" dirty="0">
+                          <a:latin typeface="+mj-lt"/>
+                        </a:rPr>
+                        <a:t>= from([</a:t>
+                      </a:r>
+                    </a:p>
+                    <a:p>
+                      <a:pPr algn="l"/>
+                      <a:r>
+                        <a:rPr lang="en-US" sz="1400" dirty="0">
+                          <a:latin typeface="+mj-lt"/>
+                        </a:rPr>
+                        <a:t>   { name: 'Joe', age: 1, </a:t>
+                      </a:r>
+                      <a:r>
+                        <a:rPr lang="en-US" sz="1400" dirty="0" err="1">
+                          <a:latin typeface="+mj-lt"/>
+                        </a:rPr>
+                        <a:t>coordonnees</a:t>
+                      </a:r>
+                      <a:r>
+                        <a:rPr lang="en-US" sz="1400" dirty="0">
+                          <a:latin typeface="+mj-lt"/>
+                        </a:rPr>
+                        <a:t>: {</a:t>
+                      </a:r>
+                      <a:r>
+                        <a:rPr lang="en-US" sz="1400" dirty="0" err="1">
+                          <a:latin typeface="+mj-lt"/>
+                        </a:rPr>
+                        <a:t>adresse</a:t>
+                      </a:r>
+                      <a:r>
+                        <a:rPr lang="en-US" sz="1400" dirty="0">
+                          <a:latin typeface="+mj-lt"/>
+                        </a:rPr>
+                        <a:t>: "</a:t>
+                      </a:r>
+                      <a:r>
+                        <a:rPr kumimoji="0" lang="en-US" sz="1400" kern="1200" dirty="0">
+                          <a:solidFill>
+                            <a:schemeClr val="dk1"/>
+                          </a:solidFill>
+                          <a:latin typeface="+mj-lt"/>
+                          <a:ea typeface="+mn-ea"/>
+                          <a:cs typeface="+mn-cs"/>
+                        </a:rPr>
+                        <a:t>rue de Joe"</a:t>
+                      </a:r>
+                      <a:r>
+                        <a:rPr lang="en-US" sz="1400" dirty="0">
+                          <a:latin typeface="+mj-lt"/>
+                        </a:rPr>
+                        <a:t>}</a:t>
+                      </a:r>
+                      <a:r>
+                        <a:rPr kumimoji="0" lang="en-US" sz="1400" kern="1200" dirty="0">
+                          <a:solidFill>
+                            <a:schemeClr val="dk1"/>
+                          </a:solidFill>
+                          <a:latin typeface="+mj-lt"/>
+                          <a:ea typeface="+mn-ea"/>
+                          <a:cs typeface="+mn-cs"/>
+                        </a:rPr>
+                        <a:t> }</a:t>
+                      </a:r>
+                      <a:r>
+                        <a:rPr lang="en-US" sz="1400" dirty="0">
+                          <a:latin typeface="+mj-lt"/>
+                        </a:rPr>
+                        <a:t>,</a:t>
+                      </a:r>
+                    </a:p>
+                    <a:p>
+                      <a:pPr algn="l"/>
+                      <a:r>
+                        <a:rPr lang="en-US" sz="1400" dirty="0">
+                          <a:latin typeface="+mj-lt"/>
+                        </a:rPr>
+                        <a:t>   </a:t>
+                      </a:r>
+                      <a:r>
+                        <a:rPr kumimoji="0" lang="en-US" sz="1400" kern="1200" dirty="0">
+                          <a:solidFill>
+                            <a:schemeClr val="dk1"/>
+                          </a:solidFill>
+                          <a:latin typeface="+mj-lt"/>
+                          <a:ea typeface="+mn-ea"/>
+                          <a:cs typeface="+mn-cs"/>
+                        </a:rPr>
+                        <a:t>{ name: 'Bob', age: 20, </a:t>
+                      </a:r>
+                      <a:r>
+                        <a:rPr kumimoji="0" lang="en-US" sz="1400" kern="1200" dirty="0" err="1">
+                          <a:solidFill>
+                            <a:schemeClr val="dk1"/>
+                          </a:solidFill>
+                          <a:latin typeface="+mj-lt"/>
+                          <a:ea typeface="+mn-ea"/>
+                          <a:cs typeface="+mn-cs"/>
+                        </a:rPr>
+                        <a:t>coordonnees</a:t>
+                      </a:r>
+                      <a:r>
+                        <a:rPr kumimoji="0" lang="en-US" sz="1400" kern="1200" dirty="0">
+                          <a:solidFill>
+                            <a:schemeClr val="dk1"/>
+                          </a:solidFill>
+                          <a:latin typeface="+mj-lt"/>
+                          <a:ea typeface="+mn-ea"/>
+                          <a:cs typeface="+mn-cs"/>
+                        </a:rPr>
+                        <a:t>: {</a:t>
+                      </a:r>
+                      <a:r>
+                        <a:rPr kumimoji="0" lang="en-US" sz="1400" kern="1200" dirty="0" err="1">
+                          <a:solidFill>
+                            <a:schemeClr val="dk1"/>
+                          </a:solidFill>
+                          <a:latin typeface="+mj-lt"/>
+                          <a:ea typeface="+mn-ea"/>
+                          <a:cs typeface="+mn-cs"/>
+                        </a:rPr>
+                        <a:t>adresse</a:t>
+                      </a:r>
+                      <a:r>
+                        <a:rPr kumimoji="0" lang="en-US" sz="1400" kern="1200" dirty="0">
+                          <a:solidFill>
+                            <a:schemeClr val="dk1"/>
+                          </a:solidFill>
+                          <a:latin typeface="+mj-lt"/>
+                          <a:ea typeface="+mn-ea"/>
+                          <a:cs typeface="+mn-cs"/>
+                        </a:rPr>
+                        <a:t>: "rue de Bob"} },</a:t>
+                      </a:r>
+                    </a:p>
+                    <a:p>
+                      <a:pPr algn="l"/>
+                      <a:r>
+                        <a:rPr lang="en-US" sz="1400" dirty="0">
+                          <a:latin typeface="+mj-lt"/>
+                        </a:rPr>
+                        <a:t>]);</a:t>
+                      </a:r>
+                      <a:endParaRPr lang="fr-FR" sz="1400" dirty="0">
+                        <a:latin typeface="+mj-lt"/>
+                      </a:endParaRPr>
+                    </a:p>
+                    <a:p>
+                      <a:pPr algn="l"/>
+                      <a:endParaRPr lang="fr-FR" sz="1400" dirty="0">
+                        <a:latin typeface="+mj-lt"/>
+                      </a:endParaRPr>
+                    </a:p>
+                    <a:p>
+                      <a:pPr algn="l"/>
+                      <a:r>
+                        <a:rPr lang="fr-FR" sz="1400" dirty="0" smtClean="0">
+                          <a:latin typeface="+mj-lt"/>
+                        </a:rPr>
+                        <a:t>clients$.</a:t>
+                      </a:r>
+                      <a:r>
+                        <a:rPr lang="fr-FR" sz="1400" dirty="0">
+                          <a:latin typeface="+mj-lt"/>
+                        </a:rPr>
+                        <a:t>pipe(</a:t>
+                      </a:r>
+                    </a:p>
+                    <a:p>
+                      <a:pPr algn="l"/>
+                      <a:r>
+                        <a:rPr kumimoji="0" lang="fr-FR" sz="1400" kern="1200" dirty="0">
+                          <a:solidFill>
+                            <a:schemeClr val="dk1"/>
+                          </a:solidFill>
+                          <a:latin typeface="+mj-lt"/>
+                          <a:ea typeface="+mn-ea"/>
+                          <a:cs typeface="+mn-cs"/>
+                        </a:rPr>
+                        <a:t>        </a:t>
+                      </a:r>
+                      <a:r>
+                        <a:rPr lang="fr-FR" sz="1400" dirty="0" err="1">
+                          <a:latin typeface="+mj-lt"/>
+                        </a:rPr>
+                        <a:t>filter</a:t>
+                      </a:r>
+                      <a:r>
+                        <a:rPr lang="fr-FR" sz="1400" dirty="0">
+                          <a:latin typeface="+mj-lt"/>
+                        </a:rPr>
+                        <a:t>(client =&gt; client.age &gt;= 18</a:t>
+                      </a:r>
+                      <a:r>
+                        <a:rPr lang="fr-FR" sz="1400" dirty="0" smtClean="0">
+                          <a:latin typeface="+mj-lt"/>
+                        </a:rPr>
+                        <a:t>),</a:t>
+                      </a:r>
+                    </a:p>
+                    <a:p>
+                      <a:pPr algn="l"/>
+                      <a:r>
+                        <a:rPr kumimoji="0" lang="fr-FR" sz="1400" b="1" i="1" kern="1200" dirty="0" smtClean="0">
+                          <a:solidFill>
+                            <a:srgbClr val="00B050"/>
+                          </a:solidFill>
+                          <a:latin typeface="+mn-lt"/>
+                          <a:ea typeface="+mn-ea"/>
+                          <a:cs typeface="+mn-cs"/>
+                        </a:rPr>
+                        <a:t>                       // </a:t>
+                      </a:r>
+                      <a:r>
+                        <a:rPr kumimoji="0" lang="fr-FR" sz="1400" b="1" i="1" kern="1200" dirty="0" err="1" smtClean="0">
+                          <a:solidFill>
+                            <a:srgbClr val="00B050"/>
+                          </a:solidFill>
+                          <a:latin typeface="+mj-lt"/>
+                          <a:ea typeface="+mn-ea"/>
+                          <a:cs typeface="+mn-cs"/>
+                        </a:rPr>
+                        <a:t>find</a:t>
+                      </a:r>
+                      <a:r>
+                        <a:rPr kumimoji="0" lang="fr-FR" sz="1400" b="1" i="1" kern="1200" dirty="0" smtClean="0">
+                          <a:solidFill>
+                            <a:srgbClr val="00B050"/>
+                          </a:solidFill>
+                          <a:latin typeface="+mj-lt"/>
+                          <a:ea typeface="+mn-ea"/>
+                          <a:cs typeface="+mn-cs"/>
+                        </a:rPr>
+                        <a:t>(client =&gt; client.age &gt;= 18),</a:t>
+                      </a:r>
+                      <a:endParaRPr lang="fr-FR" sz="1400" b="1" i="1" dirty="0">
+                        <a:solidFill>
+                          <a:srgbClr val="00B050"/>
+                        </a:solidFill>
+                        <a:latin typeface="+mj-lt"/>
+                      </a:endParaRPr>
+                    </a:p>
+                    <a:p>
+                      <a:pPr marL="0" marR="0" indent="0" algn="l" defTabSz="914400" rtl="0" eaLnBrk="1" fontAlgn="auto" latinLnBrk="0" hangingPunct="1">
+                        <a:lnSpc>
+                          <a:spcPct val="100000"/>
+                        </a:lnSpc>
+                        <a:spcBef>
+                          <a:spcPts val="0"/>
+                        </a:spcBef>
+                        <a:spcAft>
+                          <a:spcPts val="0"/>
+                        </a:spcAft>
+                        <a:buClrTx/>
+                        <a:buSzTx/>
+                        <a:buFontTx/>
+                        <a:buNone/>
+                        <a:tabLst/>
+                        <a:defRPr/>
+                      </a:pPr>
+                      <a:r>
+                        <a:rPr kumimoji="0" lang="fr-FR" sz="1400" kern="1200" dirty="0">
+                          <a:solidFill>
+                            <a:schemeClr val="dk1"/>
+                          </a:solidFill>
+                          <a:latin typeface="+mj-lt"/>
+                          <a:ea typeface="+mn-ea"/>
+                          <a:cs typeface="+mn-cs"/>
+                        </a:rPr>
+                        <a:t>        </a:t>
+                      </a:r>
+                      <a:r>
+                        <a:rPr kumimoji="0" lang="fr-FR" sz="1400" kern="1200" dirty="0" smtClean="0">
+                          <a:solidFill>
+                            <a:schemeClr val="dk1"/>
+                          </a:solidFill>
+                          <a:latin typeface="+mj-lt"/>
+                          <a:ea typeface="+mn-ea"/>
+                          <a:cs typeface="+mn-cs"/>
+                        </a:rPr>
+                        <a:t>map({{adresse}} =&gt; adresse),</a:t>
+                      </a:r>
+                      <a:endParaRPr kumimoji="0" lang="fr-FR" sz="1400" kern="1200" dirty="0">
+                        <a:solidFill>
+                          <a:schemeClr val="dk1"/>
+                        </a:solidFill>
+                        <a:latin typeface="+mj-lt"/>
+                        <a:ea typeface="+mn-ea"/>
+                        <a:cs typeface="+mn-cs"/>
+                      </a:endParaRPr>
+                    </a:p>
+                    <a:p>
+                      <a:pPr marL="0" marR="0" indent="0" algn="l" defTabSz="914400" rtl="0" eaLnBrk="1" fontAlgn="auto" latinLnBrk="0" hangingPunct="1">
+                        <a:lnSpc>
+                          <a:spcPct val="100000"/>
+                        </a:lnSpc>
+                        <a:spcBef>
+                          <a:spcPts val="0"/>
+                        </a:spcBef>
+                        <a:spcAft>
+                          <a:spcPts val="0"/>
+                        </a:spcAft>
+                        <a:buClrTx/>
+                        <a:buSzTx/>
+                        <a:buFontTx/>
+                        <a:buNone/>
+                        <a:tabLst/>
+                        <a:defRPr/>
+                      </a:pPr>
+                      <a:r>
+                        <a:rPr kumimoji="0" lang="fr-FR" sz="1400" kern="1200" dirty="0">
+                          <a:solidFill>
+                            <a:schemeClr val="dk1"/>
+                          </a:solidFill>
+                          <a:latin typeface="+mj-lt"/>
+                          <a:ea typeface="+mn-ea"/>
+                          <a:cs typeface="+mn-cs"/>
+                        </a:rPr>
+                        <a:t>        </a:t>
+                      </a:r>
+                      <a:r>
+                        <a:rPr kumimoji="0" lang="fr-FR" sz="1400" kern="1200" dirty="0" err="1">
+                          <a:solidFill>
+                            <a:schemeClr val="dk1"/>
+                          </a:solidFill>
+                          <a:latin typeface="+mj-lt"/>
+                          <a:ea typeface="+mn-ea"/>
+                          <a:cs typeface="+mn-cs"/>
+                        </a:rPr>
+                        <a:t>map</a:t>
+                      </a:r>
+                      <a:r>
+                        <a:rPr kumimoji="0" lang="fr-FR" sz="1400" kern="1200" dirty="0">
+                          <a:solidFill>
+                            <a:schemeClr val="dk1"/>
+                          </a:solidFill>
+                          <a:latin typeface="+mj-lt"/>
+                          <a:ea typeface="+mn-ea"/>
+                          <a:cs typeface="+mn-cs"/>
+                        </a:rPr>
+                        <a:t>(</a:t>
+                      </a:r>
+                      <a:r>
+                        <a:rPr kumimoji="0" lang="fr-FR" sz="1400" kern="1200" dirty="0" err="1">
+                          <a:solidFill>
+                            <a:schemeClr val="dk1"/>
+                          </a:solidFill>
+                          <a:latin typeface="+mj-lt"/>
+                          <a:ea typeface="+mn-ea"/>
+                          <a:cs typeface="+mn-cs"/>
+                        </a:rPr>
+                        <a:t>maMethodeCustom</a:t>
+                      </a:r>
+                      <a:r>
+                        <a:rPr kumimoji="0" lang="fr-FR" sz="1400" kern="1200" dirty="0">
+                          <a:solidFill>
+                            <a:schemeClr val="dk1"/>
+                          </a:solidFill>
+                          <a:latin typeface="+mj-lt"/>
+                          <a:ea typeface="+mn-ea"/>
+                          <a:cs typeface="+mn-cs"/>
+                        </a:rPr>
+                        <a:t>),</a:t>
+                      </a:r>
+                    </a:p>
+                    <a:p>
+                      <a:pPr marL="0" marR="0" indent="0" algn="l" defTabSz="914400" rtl="0" eaLnBrk="1" fontAlgn="auto" latinLnBrk="0" hangingPunct="1">
+                        <a:lnSpc>
+                          <a:spcPct val="100000"/>
+                        </a:lnSpc>
+                        <a:spcBef>
+                          <a:spcPts val="0"/>
+                        </a:spcBef>
+                        <a:spcAft>
+                          <a:spcPts val="0"/>
+                        </a:spcAft>
+                        <a:buClrTx/>
+                        <a:buSzTx/>
+                        <a:buFontTx/>
+                        <a:buNone/>
+                        <a:tabLst/>
+                        <a:defRPr/>
+                      </a:pPr>
+                      <a:r>
+                        <a:rPr kumimoji="0" lang="fr-FR" sz="1400" kern="1200" dirty="0">
+                          <a:solidFill>
+                            <a:schemeClr val="dk1"/>
+                          </a:solidFill>
+                          <a:latin typeface="+mj-lt"/>
+                          <a:ea typeface="+mn-ea"/>
+                          <a:cs typeface="+mn-cs"/>
+                        </a:rPr>
+                        <a:t>        </a:t>
+                      </a:r>
+                      <a:r>
+                        <a:rPr lang="fr-FR" sz="1400" dirty="0" err="1">
+                          <a:latin typeface="+mj-lt"/>
+                        </a:rPr>
+                        <a:t>tap</a:t>
+                      </a:r>
+                      <a:r>
+                        <a:rPr lang="fr-FR" sz="1400" dirty="0">
+                          <a:latin typeface="+mj-lt"/>
+                        </a:rPr>
+                        <a:t>(console.log),</a:t>
+                      </a:r>
+                      <a:endParaRPr lang="fr-FR" sz="1400" b="1" i="1" dirty="0">
+                        <a:solidFill>
+                          <a:srgbClr val="00B050"/>
+                        </a:solidFill>
+                        <a:latin typeface="+mj-lt"/>
+                      </a:endParaRPr>
+                    </a:p>
+                    <a:p>
+                      <a:pPr marL="0" marR="0" indent="0" algn="l" defTabSz="914400" rtl="0" eaLnBrk="1" fontAlgn="auto" latinLnBrk="0" hangingPunct="1">
+                        <a:lnSpc>
+                          <a:spcPct val="100000"/>
+                        </a:lnSpc>
+                        <a:spcBef>
+                          <a:spcPts val="0"/>
+                        </a:spcBef>
+                        <a:spcAft>
+                          <a:spcPts val="0"/>
+                        </a:spcAft>
+                        <a:buClrTx/>
+                        <a:buSzTx/>
+                        <a:buFontTx/>
+                        <a:buNone/>
+                        <a:tabLst/>
+                        <a:defRPr/>
+                      </a:pPr>
+                      <a:r>
+                        <a:rPr lang="fr-FR" sz="1400" dirty="0">
+                          <a:latin typeface="+mj-lt"/>
+                        </a:rPr>
+                        <a:t>)</a:t>
+                      </a:r>
+                    </a:p>
+                    <a:p>
+                      <a:pPr marL="0" marR="0" indent="0" algn="l" defTabSz="914400" rtl="0" eaLnBrk="1" fontAlgn="auto" latinLnBrk="0" hangingPunct="1">
+                        <a:lnSpc>
+                          <a:spcPct val="100000"/>
+                        </a:lnSpc>
+                        <a:spcBef>
+                          <a:spcPts val="0"/>
+                        </a:spcBef>
+                        <a:spcAft>
+                          <a:spcPts val="0"/>
+                        </a:spcAft>
+                        <a:buClrTx/>
+                        <a:buSzTx/>
+                        <a:buFontTx/>
+                        <a:buNone/>
+                        <a:tabLst/>
+                        <a:defRPr/>
+                      </a:pPr>
+                      <a:r>
+                        <a:rPr lang="fr-FR" sz="1600" i="1" dirty="0" smtClean="0">
+                          <a:solidFill>
+                            <a:srgbClr val="00B050"/>
+                          </a:solidFill>
+                          <a:latin typeface="+mn-lt"/>
+                        </a:rPr>
+                        <a:t>"</a:t>
+                      </a:r>
+                      <a:r>
+                        <a:rPr lang="fr-FR" sz="1600" i="1" dirty="0">
+                          <a:solidFill>
+                            <a:srgbClr val="00B050"/>
+                          </a:solidFill>
+                          <a:latin typeface="+mn-lt"/>
+                        </a:rPr>
+                        <a:t>TAP"/"MAP": Si un </a:t>
+                      </a:r>
+                      <a:r>
+                        <a:rPr lang="fr-FR" sz="1600" i="1" dirty="0" err="1">
+                          <a:solidFill>
+                            <a:srgbClr val="00B050"/>
+                          </a:solidFill>
+                          <a:latin typeface="+mn-lt"/>
+                        </a:rPr>
+                        <a:t>operator</a:t>
+                      </a:r>
+                      <a:r>
+                        <a:rPr lang="fr-FR" sz="1600" i="1" dirty="0">
+                          <a:solidFill>
+                            <a:srgbClr val="00B050"/>
+                          </a:solidFill>
+                          <a:latin typeface="+mn-lt"/>
+                        </a:rPr>
+                        <a:t> </a:t>
+                      </a:r>
+                      <a:r>
+                        <a:rPr lang="fr-FR" sz="1600" i="1" baseline="0" dirty="0">
+                          <a:solidFill>
+                            <a:srgbClr val="00B050"/>
+                          </a:solidFill>
+                          <a:latin typeface="+mn-lt"/>
+                        </a:rPr>
+                        <a:t>contien</a:t>
+                      </a:r>
+                      <a:r>
+                        <a:rPr lang="fr-FR" sz="1600" i="1" dirty="0">
+                          <a:solidFill>
+                            <a:srgbClr val="00B050"/>
+                          </a:solidFill>
+                          <a:latin typeface="+mn-lt"/>
+                        </a:rPr>
+                        <a:t>t une </a:t>
+                      </a:r>
+                      <a:r>
+                        <a:rPr lang="fr-FR" sz="1600" i="1" baseline="0" dirty="0">
+                          <a:solidFill>
+                            <a:srgbClr val="00B050"/>
+                          </a:solidFill>
+                          <a:latin typeface="+mn-lt"/>
+                        </a:rPr>
+                        <a:t>fonction unique et que son paramètre entrant est passé en argument de cette fonction, alors la déclaration du paramètre entrant est implicite.</a:t>
+                      </a:r>
+                      <a:endParaRPr lang="fr-FR" sz="1600" i="1" dirty="0">
+                        <a:solidFill>
+                          <a:srgbClr val="00B050"/>
+                        </a:solidFill>
+                        <a:latin typeface="+mn-lt"/>
+                      </a:endParaRPr>
+                    </a:p>
+                  </a:txBody>
+                  <a:tcPr/>
+                </a:tc>
+                <a:extLst>
+                  <a:ext uri="{0D108BD9-81ED-4DB2-BD59-A6C34878D82A}">
+                    <a16:rowId xmlns:a16="http://schemas.microsoft.com/office/drawing/2014/main" xmlns="" val="10001"/>
+                  </a:ext>
+                </a:extLst>
+              </a:tr>
+            </a:tbl>
+          </a:graphicData>
+        </a:graphic>
+      </p:graphicFrame>
+    </p:spTree>
+  </p:cSld>
+  <p:clrMapOvr>
+    <a:masterClrMapping/>
+  </p:clrMapOvr>
+  <p:transition/>
+</p:sld>
+</file>
+
 <file path=ppt/slides/slide3.xml><?xml version="1.0" encoding="utf-8"?>
 <p:sld xmlns:a="http://schemas.openxmlformats.org/drawingml/2006/main" xmlns:r="http://schemas.openxmlformats.org/officeDocument/2006/relationships" xmlns:p="http://schemas.openxmlformats.org/presentationml/2006/main">
   <p:cSld>
@@ -12160,113 +12064,128 @@
           <a:lstStyle/>
           <a:p>
             <a:r>
-              <a:rPr lang="fr-FR" dirty="0"/>
-              <a:t>Bibliothèque récente (2015).</a:t>
-            </a:r>
-          </a:p>
-          <a:p>
-            <a:r>
-              <a:rPr lang="fr-FR" dirty="0"/>
-              <a:t>Basée sur l’objet </a:t>
-            </a:r>
-            <a:r>
-              <a:rPr lang="fr-FR" b="1" i="1" dirty="0"/>
+              <a:rPr lang="fr-FR" sz="2800" dirty="0" smtClean="0"/>
+              <a:t>Basée </a:t>
+            </a:r>
+            <a:r>
+              <a:rPr lang="fr-FR" sz="2800" dirty="0"/>
+              <a:t>sur l’objet </a:t>
+            </a:r>
+            <a:r>
+              <a:rPr lang="fr-FR" sz="2800" b="1" i="1" dirty="0" smtClean="0">
+                <a:solidFill>
+                  <a:srgbClr val="0070C0"/>
+                </a:solidFill>
+              </a:rPr>
               <a:t>Observable</a:t>
             </a:r>
-            <a:r>
-              <a:rPr lang="fr-FR" dirty="0"/>
-              <a:t>.</a:t>
-            </a:r>
+            <a:endParaRPr lang="fr-FR" sz="2800" dirty="0"/>
           </a:p>
           <a:p>
             <a:pPr lvl="1"/>
             <a:r>
-              <a:rPr lang="fr-FR" dirty="0"/>
-              <a:t>Observable: « Fonction à </a:t>
-            </a:r>
-            <a:r>
-              <a:rPr lang="fr-FR" i="1" dirty="0"/>
-              <a:t>return</a:t>
-            </a:r>
-            <a:r>
-              <a:rPr lang="fr-FR" dirty="0"/>
-              <a:t> changeant au cours du temps » (doc officielle).</a:t>
-            </a:r>
+              <a:rPr lang="fr-FR" sz="2800" b="1" dirty="0" smtClean="0">
+                <a:solidFill>
+                  <a:srgbClr val="0070C0"/>
+                </a:solidFill>
+              </a:rPr>
+              <a:t>Flux de données</a:t>
+            </a:r>
+            <a:r>
+              <a:rPr lang="fr-FR" sz="2800" dirty="0" smtClean="0"/>
+              <a:t> </a:t>
+            </a:r>
+            <a:r>
+              <a:rPr lang="fr-FR" sz="2800" dirty="0" smtClean="0"/>
+              <a:t>(API Stream de Java)</a:t>
+            </a:r>
+            <a:endParaRPr lang="fr-FR" sz="2800" dirty="0"/>
           </a:p>
           <a:p>
             <a:pPr lvl="1"/>
             <a:r>
-              <a:rPr lang="fr-FR" dirty="0"/>
-              <a:t>Gestion des données </a:t>
-            </a:r>
-            <a:r>
-              <a:rPr lang="fr-FR" smtClean="0"/>
-              <a:t>asynchrones (« données Schrödinger</a:t>
-            </a:r>
-            <a:r>
-              <a:rPr lang="fr-FR" dirty="0" smtClean="0"/>
-              <a:t> </a:t>
-            </a:r>
-            <a:r>
-              <a:rPr lang="fr-FR" smtClean="0"/>
-              <a:t>» dépendantes </a:t>
-            </a:r>
-            <a:r>
-              <a:rPr lang="fr-FR" dirty="0" smtClean="0"/>
-              <a:t>du réseau).</a:t>
-            </a:r>
-            <a:endParaRPr lang="fr-FR" dirty="0"/>
-          </a:p>
-          <a:p>
-            <a:r>
-              <a:rPr lang="fr-FR" dirty="0"/>
-              <a:t>« Promises 2.0 » (</a:t>
-            </a:r>
-            <a:r>
-              <a:rPr lang="fr-FR" i="1" dirty="0" err="1"/>
+              <a:rPr lang="fr-FR" sz="2800" dirty="0"/>
+              <a:t>Gestion des </a:t>
+            </a:r>
+            <a:r>
+              <a:rPr lang="fr-FR" sz="2800" b="1" dirty="0">
+                <a:solidFill>
+                  <a:srgbClr val="0070C0"/>
+                </a:solidFill>
+              </a:rPr>
+              <a:t>données </a:t>
+            </a:r>
+            <a:r>
+              <a:rPr lang="fr-FR" sz="2800" b="1" dirty="0" smtClean="0">
+                <a:solidFill>
+                  <a:srgbClr val="0070C0"/>
+                </a:solidFill>
+              </a:rPr>
+              <a:t>asynchrones</a:t>
+            </a:r>
+            <a:endParaRPr lang="fr-FR" sz="2800" dirty="0"/>
+          </a:p>
+          <a:p>
+            <a:r>
+              <a:rPr lang="fr-FR" sz="2800" b="1" dirty="0">
+                <a:solidFill>
+                  <a:srgbClr val="0070C0"/>
+                </a:solidFill>
+              </a:rPr>
+              <a:t>« Promises 2.0 » </a:t>
+            </a:r>
+            <a:r>
+              <a:rPr lang="fr-FR" sz="2800" dirty="0"/>
+              <a:t>(</a:t>
+            </a:r>
+            <a:r>
+              <a:rPr lang="fr-FR" sz="2800" i="1" dirty="0" err="1"/>
               <a:t>complete</a:t>
             </a:r>
             <a:r>
-              <a:rPr lang="fr-FR" dirty="0"/>
+              <a:rPr lang="fr-FR" sz="2800" dirty="0"/>
               <a:t>,  </a:t>
             </a:r>
             <a:r>
-              <a:rPr lang="fr-FR" i="1" dirty="0" err="1"/>
+              <a:rPr lang="fr-FR" sz="2800" i="1" dirty="0" err="1"/>
               <a:t>operators</a:t>
             </a:r>
             <a:r>
-              <a:rPr lang="fr-FR" dirty="0"/>
-              <a:t>).</a:t>
-            </a:r>
-          </a:p>
-          <a:p>
-            <a:r>
-              <a:rPr lang="fr-FR" dirty="0" err="1"/>
+              <a:rPr lang="fr-FR" sz="2800" dirty="0" smtClean="0"/>
+              <a:t>)</a:t>
+            </a:r>
+            <a:endParaRPr lang="fr-FR" sz="2800" dirty="0"/>
+          </a:p>
+          <a:p>
+            <a:r>
+              <a:rPr lang="fr-FR" sz="2800" dirty="0" err="1"/>
               <a:t>Feature</a:t>
             </a:r>
             <a:r>
-              <a:rPr lang="fr-FR" dirty="0"/>
-              <a:t> </a:t>
-            </a:r>
-            <a:r>
-              <a:rPr lang="fr-FR" dirty="0" err="1"/>
-              <a:t>Angular</a:t>
-            </a:r>
-            <a:r>
-              <a:rPr lang="fr-FR" dirty="0"/>
-              <a:t> dédiée (" | </a:t>
-            </a:r>
-            <a:r>
-              <a:rPr lang="fr-FR" dirty="0" err="1"/>
+              <a:rPr lang="fr-FR" sz="2800" dirty="0"/>
+              <a:t> Angular </a:t>
+            </a:r>
+            <a:r>
+              <a:rPr lang="fr-FR" sz="2800" dirty="0" smtClean="0"/>
+              <a:t>dédiée : </a:t>
+            </a:r>
+            <a:r>
+              <a:rPr lang="fr-FR" sz="2800" b="1" dirty="0" smtClean="0">
+                <a:solidFill>
+                  <a:srgbClr val="0070C0"/>
+                </a:solidFill>
+              </a:rPr>
+              <a:t>| </a:t>
+            </a:r>
+            <a:r>
+              <a:rPr lang="fr-FR" sz="2800" b="1" dirty="0" err="1" smtClean="0">
+                <a:solidFill>
+                  <a:srgbClr val="0070C0"/>
+                </a:solidFill>
+              </a:rPr>
               <a:t>async</a:t>
             </a:r>
-            <a:r>
-              <a:rPr lang="fr-FR" dirty="0"/>
-              <a:t>").</a:t>
-            </a:r>
-          </a:p>
-          <a:p>
-            <a:endParaRPr lang="fr-FR" dirty="0"/>
+            <a:endParaRPr lang="fr-FR" sz="2800" dirty="0"/>
           </a:p>
         </p:txBody>
       </p:sp>
@@ -12312,8 +12231,13 @@
           <a:p>
             <a:r>
               <a:rPr lang="fr-FR" dirty="0"/>
-              <a:t>Programmation réactive?</a:t>
-            </a:r>
+              <a:t>Programmation </a:t>
+            </a:r>
+            <a:r>
+              <a:rPr lang="fr-FR" dirty="0" smtClean="0"/>
+              <a:t>réactive ?</a:t>
+            </a:r>
+            <a:endParaRPr lang="fr-FR" dirty="0"/>
           </a:p>
         </p:txBody>
       </p:sp>
@@ -12330,91 +12254,87 @@
         <p:spPr/>
         <p:txBody>
           <a:bodyPr>
-            <a:normAutofit lnSpcReduction="10000"/>
+            <a:normAutofit/>
           </a:bodyPr>
           <a:lstStyle/>
           <a:p>
             <a:r>
-              <a:rPr lang="fr-FR" dirty="0"/>
-              <a:t>Approche « fonctionnelle »: Instructions exprimées de façon déclarative plutôt qu’impérative.</a:t>
-            </a:r>
+              <a:rPr lang="fr-FR" sz="2800" b="1" dirty="0">
+                <a:solidFill>
+                  <a:srgbClr val="0070C0"/>
+                </a:solidFill>
+              </a:rPr>
+              <a:t>Approche « fonctionnelle </a:t>
+            </a:r>
+            <a:r>
+              <a:rPr lang="fr-FR" sz="2800" b="1" dirty="0" smtClean="0">
+                <a:solidFill>
+                  <a:srgbClr val="0070C0"/>
+                </a:solidFill>
+              </a:rPr>
+              <a:t>» </a:t>
+            </a:r>
+            <a:r>
+              <a:rPr lang="fr-FR" sz="2800" dirty="0" smtClean="0"/>
+              <a:t>(déclarative</a:t>
+            </a:r>
+            <a:r>
+              <a:rPr lang="fr-FR" sz="2800" dirty="0" smtClean="0"/>
+              <a:t>)</a:t>
+            </a:r>
+            <a:endParaRPr lang="fr-FR" sz="2800" dirty="0"/>
           </a:p>
           <a:p>
             <a:pPr lvl="1"/>
             <a:r>
-              <a:rPr lang="fr-FR" i="1" dirty="0"/>
-              <a:t>Déclarative: Description du résultat attendu.</a:t>
-            </a:r>
+              <a:rPr lang="fr-FR" sz="2800" b="1" dirty="0" smtClean="0">
+                <a:solidFill>
+                  <a:srgbClr val="0070C0"/>
+                </a:solidFill>
+              </a:rPr>
+              <a:t>Déclarative :</a:t>
+            </a:r>
+            <a:r>
+              <a:rPr lang="fr-FR" sz="2800" dirty="0" smtClean="0"/>
+              <a:t> </a:t>
+            </a:r>
+            <a:r>
+              <a:rPr lang="fr-FR" sz="2800" dirty="0"/>
+              <a:t>Description du résultat </a:t>
+            </a:r>
+            <a:r>
+              <a:rPr lang="fr-FR" sz="2800" dirty="0" smtClean="0"/>
+              <a:t>attendu</a:t>
+            </a:r>
+            <a:endParaRPr lang="fr-FR" sz="2800" dirty="0"/>
           </a:p>
           <a:p>
             <a:pPr lvl="1"/>
             <a:r>
-              <a:rPr lang="fr-FR" i="1" dirty="0"/>
-              <a:t>Impérative: Description des différentes étapes nécessaires à l'exécution du traitement.</a:t>
-            </a:r>
-          </a:p>
-          <a:p>
-            <a:pPr lvl="1">
-              <a:buClr>
-                <a:schemeClr val="tx1">
-                  <a:lumMod val="85000"/>
-                </a:schemeClr>
-              </a:buClr>
-              <a:buFont typeface="Wingdings" pitchFamily="2" charset="2"/>
-              <a:buChar char="Ø"/>
-            </a:pPr>
-            <a:endParaRPr lang="fr-FR" i="1" dirty="0"/>
-          </a:p>
-          <a:p>
-            <a:pPr lvl="1">
-              <a:buClr>
-                <a:schemeClr val="tx1">
-                  <a:lumMod val="85000"/>
-                </a:schemeClr>
-              </a:buClr>
-              <a:buFont typeface="Wingdings" pitchFamily="2" charset="2"/>
-              <a:buChar char="Ø"/>
-            </a:pPr>
-            <a:endParaRPr lang="fr-FR" i="1" dirty="0"/>
-          </a:p>
-          <a:p>
-            <a:pPr algn="ctr">
-              <a:buNone/>
-            </a:pPr>
-            <a:endParaRPr lang="fr-FR" sz="1800" b="1" i="1" u="sng" dirty="0">
+              <a:rPr lang="fr-FR" sz="2800" b="1" dirty="0" smtClean="0">
+                <a:solidFill>
+                  <a:srgbClr val="0070C0"/>
+                </a:solidFill>
+              </a:rPr>
+              <a:t>Impérative :</a:t>
+            </a:r>
+            <a:r>
+              <a:rPr lang="fr-FR" sz="2800" dirty="0" smtClean="0"/>
+              <a:t> </a:t>
+            </a:r>
+            <a:r>
+              <a:rPr lang="fr-FR" sz="2800" dirty="0"/>
+              <a:t>Description des </a:t>
+            </a:r>
+            <a:r>
+              <a:rPr lang="fr-FR" sz="2800" dirty="0" smtClean="0"/>
+              <a:t>étapes du traitement</a:t>
+            </a:r>
+            <a:endParaRPr lang="fr-FR" sz="2800" b="1" i="1" u="sng" dirty="0">
               <a:solidFill>
                 <a:srgbClr val="00B0F0"/>
               </a:solidFill>
             </a:endParaRPr>
-          </a:p>
-          <a:p>
-            <a:pPr algn="ctr">
-              <a:buNone/>
-            </a:pPr>
-            <a:endParaRPr lang="fr-FR" sz="1800" b="1" i="1" u="sng" dirty="0">
-              <a:solidFill>
-                <a:srgbClr val="00B0F0"/>
-              </a:solidFill>
-            </a:endParaRPr>
-          </a:p>
-          <a:p>
-            <a:pPr algn="ctr">
-              <a:buNone/>
-            </a:pPr>
-            <a:r>
-              <a:rPr lang="fr-FR" sz="1800" b="1" i="1" u="sng" dirty="0">
-                <a:solidFill>
-                  <a:srgbClr val="00B0F0"/>
-                </a:solidFill>
-              </a:rPr>
-              <a:t>http://www.jmdoudoux.fr/java/dej/chap-streams.html</a:t>
-            </a:r>
-          </a:p>
-          <a:p>
-            <a:pPr>
-              <a:buNone/>
-            </a:pPr>
-            <a:endParaRPr lang="fr-FR" dirty="0"/>
           </a:p>
         </p:txBody>
       </p:sp>
@@ -12427,7 +12347,7 @@
           <p:nvPr/>
         </p:nvGraphicFramePr>
         <p:xfrm>
-          <a:off x="685800" y="4509120"/>
+          <a:off x="714348" y="4214818"/>
           <a:ext cx="7772400" cy="1158240"/>
         </p:xfrm>
         <a:graphic>
@@ -12440,14 +12360,14 @@
                 <a:gridCol w="3886200">
                   <a:extLst>
                     <a:ext uri="{9D8B030D-6E8A-4147-A177-3AD203B41FA5}">
-                      <a16:colId xmlns="" xmlns:a16="http://schemas.microsoft.com/office/drawing/2014/main" val="20000"/>
+                      <a16:colId xmlns:a16="http://schemas.microsoft.com/office/drawing/2014/main" xmlns="" val="20000"/>
                     </a:ext>
                   </a:extLst>
                 </a:gridCol>
                 <a:gridCol w="3886200">
                   <a:extLst>
                     <a:ext uri="{9D8B030D-6E8A-4147-A177-3AD203B41FA5}">
-                      <a16:colId xmlns="" xmlns:a16="http://schemas.microsoft.com/office/drawing/2014/main" val="20001"/>
+                      <a16:colId xmlns:a16="http://schemas.microsoft.com/office/drawing/2014/main" xmlns="" val="20001"/>
                     </a:ext>
                   </a:extLst>
                 </a:gridCol>
@@ -12515,7 +12435,7 @@
                 </a:tc>
                 <a:extLst>
                   <a:ext uri="{0D108BD9-81ED-4DB2-BD59-A6C34878D82A}">
-                    <a16:rowId xmlns="" xmlns:a16="http://schemas.microsoft.com/office/drawing/2014/main" val="10000"/>
+                    <a16:rowId xmlns:a16="http://schemas.microsoft.com/office/drawing/2014/main" xmlns="" val="10000"/>
                   </a:ext>
                 </a:extLst>
               </a:tr>
@@ -12613,7 +12533,7 @@
                 </a:tc>
                 <a:extLst>
                   <a:ext uri="{0D108BD9-81ED-4DB2-BD59-A6C34878D82A}">
-                    <a16:rowId xmlns="" xmlns:a16="http://schemas.microsoft.com/office/drawing/2014/main" val="10001"/>
+                    <a16:rowId xmlns:a16="http://schemas.microsoft.com/office/drawing/2014/main" xmlns="" val="10001"/>
                   </a:ext>
                 </a:extLst>
               </a:tr>
@@ -12686,90 +12606,134 @@
         <p:spPr/>
         <p:txBody>
           <a:bodyPr>
-            <a:normAutofit lnSpcReduction="10000"/>
+            <a:normAutofit/>
           </a:bodyPr>
           <a:lstStyle/>
           <a:p>
             <a:r>
-              <a:rPr lang="fr-FR" b="1" u="sng" dirty="0" smtClean="0"/>
-              <a:t>Avantages:</a:t>
-            </a:r>
+              <a:rPr lang="fr-FR" sz="2800" b="1" u="sng" dirty="0" smtClean="0"/>
+              <a:t>Avantages :</a:t>
+            </a:r>
+            <a:endParaRPr lang="fr-FR" sz="2800" b="1" u="sng" dirty="0" smtClean="0"/>
           </a:p>
           <a:p>
             <a:pPr lvl="1"/>
             <a:r>
-              <a:rPr lang="fr-FR" dirty="0" smtClean="0"/>
-              <a:t>Gestion plus fine de l’asynchrone.</a:t>
-            </a:r>
+              <a:rPr lang="fr-FR" sz="2800" b="1" dirty="0" smtClean="0">
+                <a:solidFill>
+                  <a:srgbClr val="0070C0"/>
+                </a:solidFill>
+              </a:rPr>
+              <a:t>Gestion </a:t>
+            </a:r>
+            <a:r>
+              <a:rPr lang="fr-FR" sz="2800" b="1" dirty="0" smtClean="0">
+                <a:solidFill>
+                  <a:srgbClr val="0070C0"/>
+                </a:solidFill>
+              </a:rPr>
+              <a:t>fine </a:t>
+            </a:r>
+            <a:r>
+              <a:rPr lang="fr-FR" sz="2800" dirty="0" smtClean="0"/>
+              <a:t>de </a:t>
+            </a:r>
+            <a:r>
+              <a:rPr lang="fr-FR" sz="2800" dirty="0" smtClean="0"/>
+              <a:t>l’asynchrone</a:t>
+            </a:r>
+            <a:endParaRPr lang="fr-FR" sz="2800" dirty="0" smtClean="0"/>
           </a:p>
           <a:p>
             <a:pPr lvl="1"/>
             <a:r>
-              <a:rPr lang="fr-FR" dirty="0" smtClean="0"/>
-              <a:t>Moins de lignes de code = moins d’erreurs.</a:t>
-            </a:r>
+              <a:rPr lang="fr-FR" sz="2800" b="1" dirty="0" smtClean="0">
+                <a:solidFill>
+                  <a:srgbClr val="0070C0"/>
+                </a:solidFill>
+              </a:rPr>
+              <a:t>Moins de lignes de code = moins </a:t>
+            </a:r>
+            <a:r>
+              <a:rPr lang="fr-FR" sz="2800" b="1" dirty="0" smtClean="0">
+                <a:solidFill>
+                  <a:srgbClr val="0070C0"/>
+                </a:solidFill>
+              </a:rPr>
+              <a:t>d’erreurs</a:t>
+            </a:r>
+            <a:endParaRPr lang="fr-FR" sz="2800" b="1" dirty="0" smtClean="0">
+              <a:solidFill>
+                <a:srgbClr val="0070C0"/>
+              </a:solidFill>
+            </a:endParaRPr>
           </a:p>
           <a:p>
             <a:pPr lvl="1"/>
             <a:r>
-              <a:rPr lang="fr-FR" dirty="0" smtClean="0"/>
-              <a:t>Traitements sur les données : </a:t>
-            </a:r>
-            <a:r>
-              <a:rPr lang="fr-FR" i="1" dirty="0" err="1" smtClean="0"/>
-              <a:t>subscribes</a:t>
-            </a:r>
-            <a:r>
-              <a:rPr lang="fr-FR" dirty="0" smtClean="0"/>
-              <a:t> et charge mentale  « allégés ».</a:t>
-            </a:r>
-          </a:p>
-          <a:p>
-            <a:r>
-              <a:rPr lang="fr-FR" b="1" u="sng" dirty="0" smtClean="0"/>
-              <a:t>Défauts:</a:t>
-            </a:r>
+              <a:rPr lang="fr-FR" sz="2800" dirty="0" smtClean="0"/>
+              <a:t>Force la création d’un </a:t>
+            </a:r>
+            <a:r>
+              <a:rPr lang="fr-FR" sz="2800" b="1" dirty="0" smtClean="0">
+                <a:solidFill>
+                  <a:srgbClr val="0070C0"/>
+                </a:solidFill>
+              </a:rPr>
+              <a:t>code séquentiel</a:t>
+            </a:r>
+            <a:endParaRPr lang="fr-FR" sz="2800" b="1" dirty="0" smtClean="0">
+              <a:solidFill>
+                <a:srgbClr val="0070C0"/>
+              </a:solidFill>
+            </a:endParaRPr>
+          </a:p>
+          <a:p>
+            <a:r>
+              <a:rPr lang="fr-FR" sz="2800" b="1" u="sng" dirty="0" smtClean="0"/>
+              <a:t>Défauts :</a:t>
+            </a:r>
+            <a:endParaRPr lang="fr-FR" sz="2800" b="1" u="sng" dirty="0" smtClean="0"/>
           </a:p>
           <a:p>
             <a:pPr lvl="1"/>
             <a:r>
-              <a:rPr lang="fr-FR" dirty="0" smtClean="0"/>
-              <a:t>Bibliothèque complexe à prendre en main.</a:t>
-            </a:r>
+              <a:rPr lang="fr-FR" sz="2800" b="1" dirty="0" smtClean="0">
+                <a:solidFill>
+                  <a:srgbClr val="0070C0"/>
+                </a:solidFill>
+              </a:rPr>
+              <a:t>Complexe</a:t>
+            </a:r>
+            <a:r>
+              <a:rPr lang="fr-FR" sz="2800" dirty="0" smtClean="0"/>
+              <a:t> </a:t>
+            </a:r>
+            <a:r>
+              <a:rPr lang="fr-FR" sz="2800" dirty="0" smtClean="0"/>
+              <a:t>à prendre en </a:t>
+            </a:r>
+            <a:r>
+              <a:rPr lang="fr-FR" sz="2800" dirty="0" smtClean="0"/>
+              <a:t>main</a:t>
+            </a:r>
+            <a:endParaRPr lang="fr-FR" sz="2800" dirty="0" smtClean="0"/>
           </a:p>
           <a:p>
             <a:pPr lvl="1"/>
             <a:r>
-              <a:rPr lang="fr-FR" dirty="0" smtClean="0"/>
-              <a:t>Tout devient </a:t>
-            </a:r>
-            <a:r>
-              <a:rPr lang="fr-FR" i="1" dirty="0" smtClean="0"/>
-              <a:t>Observable</a:t>
-            </a:r>
-            <a:r>
-              <a:rPr lang="fr-FR" dirty="0" smtClean="0"/>
-              <a:t> à terme.</a:t>
-            </a:r>
-          </a:p>
-          <a:p>
-            <a:pPr lvl="1"/>
-            <a:r>
-              <a:rPr lang="fr-FR" dirty="0" smtClean="0"/>
-              <a:t>Une mauvaise utilisation de certains </a:t>
-            </a:r>
-            <a:r>
-              <a:rPr lang="fr-FR" i="1" dirty="0" err="1" smtClean="0"/>
-              <a:t>operators</a:t>
-            </a:r>
-            <a:r>
-              <a:rPr lang="fr-FR" dirty="0" smtClean="0"/>
-              <a:t> peut conduire à des comportements erratiques.</a:t>
-            </a:r>
-          </a:p>
-          <a:p>
-            <a:pPr lvl="1"/>
-            <a:endParaRPr lang="fr-FR" dirty="0" smtClean="0"/>
+              <a:rPr lang="fr-FR" sz="2800" b="1" dirty="0" smtClean="0">
+                <a:solidFill>
+                  <a:srgbClr val="0070C0"/>
+                </a:solidFill>
+              </a:rPr>
+              <a:t>Contaminant</a:t>
+            </a:r>
+            <a:r>
+              <a:rPr lang="fr-FR" sz="2800" dirty="0" smtClean="0"/>
+              <a:t> (« tout devient Observable »)</a:t>
+            </a:r>
+            <a:endParaRPr lang="fr-FR" sz="2800" dirty="0" smtClean="0"/>
           </a:p>
         </p:txBody>
       </p:sp>
@@ -13612,163 +13576,167 @@
         <p:spPr/>
         <p:txBody>
           <a:bodyPr>
-            <a:normAutofit lnSpcReduction="10000"/>
+            <a:normAutofit/>
           </a:bodyPr>
           <a:lstStyle/>
           <a:p>
             <a:r>
-              <a:rPr lang="fr-FR" dirty="0" smtClean="0"/>
-              <a:t>Se désinscrire pour éviter les fuites mémoire.</a:t>
-            </a:r>
-          </a:p>
-          <a:p>
-            <a:r>
-              <a:rPr lang="fr-FR" dirty="0" smtClean="0"/>
-              <a:t>3 façons de se désinscrire:</a:t>
-            </a:r>
+              <a:rPr lang="fr-FR" sz="2800" dirty="0" smtClean="0"/>
+              <a:t>Eviter </a:t>
+            </a:r>
+            <a:r>
+              <a:rPr lang="fr-FR" sz="2800" dirty="0" smtClean="0"/>
+              <a:t>les </a:t>
+            </a:r>
+            <a:r>
+              <a:rPr lang="fr-FR" sz="2800" b="1" dirty="0" smtClean="0">
+                <a:solidFill>
+                  <a:srgbClr val="0070C0"/>
+                </a:solidFill>
+              </a:rPr>
+              <a:t>fuites </a:t>
+            </a:r>
+            <a:r>
+              <a:rPr lang="fr-FR" sz="2800" b="1" dirty="0" smtClean="0">
+                <a:solidFill>
+                  <a:srgbClr val="0070C0"/>
+                </a:solidFill>
+              </a:rPr>
+              <a:t>mémoire</a:t>
+            </a:r>
+            <a:endParaRPr lang="fr-FR" sz="2800" b="1" dirty="0" smtClean="0">
+              <a:solidFill>
+                <a:srgbClr val="0070C0"/>
+              </a:solidFill>
+            </a:endParaRPr>
           </a:p>
           <a:p>
             <a:pPr lvl="1"/>
             <a:r>
-              <a:rPr lang="fr-FR" b="1" i="1" strike="sngStrike" dirty="0" smtClean="0"/>
-              <a:t>Avec </a:t>
-            </a:r>
-            <a:r>
-              <a:rPr lang="fr-FR" b="1" i="1" strike="sngStrike" dirty="0" err="1" smtClean="0"/>
+              <a:rPr lang="fr-FR" sz="2800" b="1" strike="sngStrike" dirty="0" err="1" smtClean="0">
+                <a:solidFill>
+                  <a:srgbClr val="0070C0"/>
+                </a:solidFill>
+              </a:rPr>
               <a:t>unsubscribe</a:t>
             </a:r>
             <a:r>
-              <a:rPr lang="fr-FR" b="1" i="1" strike="sngStrike" dirty="0" smtClean="0"/>
-              <a:t>(): </a:t>
-            </a:r>
-            <a:r>
-              <a:rPr lang="fr-FR" i="1" strike="sngStrike" dirty="0" err="1" smtClean="0"/>
-              <a:t>Désincription</a:t>
-            </a:r>
-            <a:r>
-              <a:rPr lang="fr-FR" i="1" strike="sngStrike" dirty="0" smtClean="0"/>
-              <a:t> manuelle (1 </a:t>
-            </a:r>
-            <a:r>
-              <a:rPr lang="fr-FR" i="1" strike="sngStrike" dirty="0" err="1" smtClean="0"/>
-              <a:t>désincription</a:t>
-            </a:r>
-            <a:r>
-              <a:rPr lang="fr-FR" i="1" strike="sngStrike" dirty="0" smtClean="0"/>
-              <a:t> par source).</a:t>
-            </a:r>
+              <a:rPr lang="fr-FR" sz="2800" b="1" strike="sngStrike" dirty="0" smtClean="0">
+                <a:solidFill>
+                  <a:srgbClr val="0070C0"/>
+                </a:solidFill>
+              </a:rPr>
+              <a:t>()</a:t>
+            </a:r>
+            <a:endParaRPr lang="fr-FR" sz="2800" b="1" strike="sngStrike" dirty="0" smtClean="0"/>
           </a:p>
           <a:p>
             <a:pPr lvl="1"/>
             <a:r>
-              <a:rPr lang="fr-FR" b="1" i="1" dirty="0" smtClean="0"/>
-              <a:t>Avec </a:t>
-            </a:r>
-            <a:r>
-              <a:rPr lang="fr-FR" b="1" i="1" dirty="0" err="1" smtClean="0"/>
+              <a:rPr lang="fr-FR" sz="2800" b="1" dirty="0" err="1" smtClean="0">
+                <a:solidFill>
+                  <a:srgbClr val="0070C0"/>
+                </a:solidFill>
+              </a:rPr>
               <a:t>takeUntil</a:t>
             </a:r>
             <a:r>
-              <a:rPr lang="fr-FR" b="1" i="1" dirty="0" smtClean="0"/>
+              <a:rPr lang="fr-FR" sz="2800" b="1" dirty="0" smtClean="0">
+                <a:solidFill>
+                  <a:srgbClr val="0070C0"/>
+                </a:solidFill>
+              </a:rPr>
               <a:t>(</a:t>
             </a:r>
             <a:r>
-              <a:rPr lang="fr-FR" b="1" i="1" dirty="0" err="1" smtClean="0"/>
+              <a:rPr lang="fr-FR" sz="2800" b="1" dirty="0" err="1" smtClean="0">
+                <a:solidFill>
+                  <a:srgbClr val="0070C0"/>
+                </a:solidFill>
+              </a:rPr>
               <a:t>this.destroy</a:t>
             </a:r>
             <a:r>
-              <a:rPr lang="fr-FR" b="1" i="1" dirty="0" smtClean="0"/>
-              <a:t>$): </a:t>
-            </a:r>
-            <a:r>
-              <a:rPr lang="fr-FR" i="1" dirty="0" smtClean="0"/>
-              <a:t>Souscription technique à « </a:t>
-            </a:r>
-            <a:r>
-              <a:rPr lang="fr-FR" i="1" dirty="0" err="1" smtClean="0"/>
-              <a:t>this.destroy</a:t>
-            </a:r>
-            <a:r>
-              <a:rPr lang="fr-FR" i="1" dirty="0" smtClean="0"/>
-              <a:t>$ ». Lier les sources à un même objet (</a:t>
-            </a:r>
-            <a:r>
-              <a:rPr lang="fr-FR" i="1" dirty="0" err="1" smtClean="0"/>
-              <a:t>subject</a:t>
-            </a:r>
-            <a:r>
-              <a:rPr lang="fr-FR" i="1" dirty="0" smtClean="0"/>
-              <a:t>) et forcer la désinscription </a:t>
-            </a:r>
-            <a:r>
-              <a:rPr lang="fr-FR" i="1" smtClean="0"/>
-              <a:t>lors de l’appel </a:t>
-            </a:r>
-            <a:r>
-              <a:rPr lang="fr-FR" i="1" dirty="0" smtClean="0"/>
-              <a:t>à « </a:t>
-            </a:r>
-            <a:r>
-              <a:rPr lang="fr-FR" i="1" dirty="0" err="1" smtClean="0"/>
-              <a:t>next</a:t>
-            </a:r>
-            <a:r>
-              <a:rPr lang="fr-FR" i="1" dirty="0" smtClean="0"/>
-              <a:t>() » sur cet objet.</a:t>
-            </a:r>
+              <a:rPr lang="fr-FR" sz="2800" b="1" dirty="0" smtClean="0">
+                <a:solidFill>
+                  <a:srgbClr val="0070C0"/>
+                </a:solidFill>
+              </a:rPr>
+              <a:t>$)</a:t>
+            </a:r>
+            <a:r>
+              <a:rPr lang="fr-FR" sz="2800" b="1" dirty="0" smtClean="0"/>
+              <a:t> </a:t>
+            </a:r>
+            <a:r>
+              <a:rPr lang="fr-FR" sz="2800" dirty="0" smtClean="0"/>
+              <a:t>- </a:t>
+            </a:r>
+            <a:r>
+              <a:rPr lang="fr-FR" sz="2800" dirty="0" smtClean="0"/>
+              <a:t>(RxJS)</a:t>
+            </a:r>
+            <a:endParaRPr lang="fr-FR" sz="2800" dirty="0" smtClean="0"/>
           </a:p>
           <a:p>
             <a:pPr lvl="1"/>
             <a:r>
-              <a:rPr lang="fr-FR" b="1" i="1" dirty="0" smtClean="0"/>
-              <a:t>Avec« | </a:t>
-            </a:r>
-            <a:r>
-              <a:rPr lang="fr-FR" b="1" i="1" dirty="0" err="1" smtClean="0"/>
+              <a:rPr lang="fr-FR" sz="2800" b="1" dirty="0" err="1" smtClean="0">
+                <a:solidFill>
+                  <a:srgbClr val="0070C0"/>
+                </a:solidFill>
+              </a:rPr>
+              <a:t>takeUntilDestroyed</a:t>
+            </a:r>
+            <a:r>
+              <a:rPr lang="fr-FR" sz="2800" b="1" dirty="0" smtClean="0">
+                <a:solidFill>
+                  <a:srgbClr val="0070C0"/>
+                </a:solidFill>
+              </a:rPr>
+              <a:t>()</a:t>
+            </a:r>
+            <a:r>
+              <a:rPr lang="fr-FR" sz="2800" dirty="0" smtClean="0"/>
+              <a:t> - (</a:t>
+            </a:r>
+            <a:r>
+              <a:rPr lang="fr-FR" sz="2800" dirty="0" smtClean="0"/>
+              <a:t>Angular </a:t>
+            </a:r>
+            <a:r>
+              <a:rPr lang="fr-FR" sz="2800" dirty="0" err="1" smtClean="0"/>
+              <a:t>interop</a:t>
+            </a:r>
+            <a:r>
+              <a:rPr lang="fr-FR" sz="2800" dirty="0" smtClean="0"/>
+              <a:t>)</a:t>
+            </a:r>
+            <a:endParaRPr lang="fr-FR" sz="2800" dirty="0" smtClean="0"/>
+          </a:p>
+          <a:p>
+            <a:pPr lvl="1"/>
+            <a:r>
+              <a:rPr lang="fr-FR" sz="2800" b="1" dirty="0" smtClean="0">
+                <a:solidFill>
+                  <a:srgbClr val="0070C0"/>
+                </a:solidFill>
+              </a:rPr>
+              <a:t>| </a:t>
+            </a:r>
+            <a:r>
+              <a:rPr lang="fr-FR" sz="2800" b="1" dirty="0" err="1" smtClean="0">
+                <a:solidFill>
+                  <a:srgbClr val="0070C0"/>
+                </a:solidFill>
+              </a:rPr>
               <a:t>async</a:t>
             </a:r>
             <a:r>
-              <a:rPr lang="fr-FR" b="1" i="1" dirty="0" smtClean="0"/>
-              <a:t> » (HTML): </a:t>
-            </a:r>
-            <a:r>
-              <a:rPr lang="fr-FR" i="1" dirty="0" smtClean="0"/>
-              <a:t>Souscription</a:t>
-            </a:r>
-            <a:r>
-              <a:rPr lang="fr-FR" b="1" i="1" dirty="0" smtClean="0"/>
-              <a:t> </a:t>
-            </a:r>
-            <a:r>
-              <a:rPr lang="fr-FR" b="1" i="1" u="sng" dirty="0" smtClean="0"/>
-              <a:t>et</a:t>
-            </a:r>
-            <a:r>
-              <a:rPr lang="fr-FR" b="1" i="1" dirty="0" smtClean="0"/>
-              <a:t> </a:t>
-            </a:r>
-            <a:r>
-              <a:rPr lang="fr-FR" i="1" dirty="0" smtClean="0"/>
-              <a:t>Désinscription déléguées à </a:t>
-            </a:r>
-            <a:r>
-              <a:rPr lang="fr-FR" i="1" dirty="0" err="1" smtClean="0"/>
-              <a:t>Angular</a:t>
-            </a:r>
-            <a:r>
-              <a:rPr lang="fr-FR" i="1" dirty="0" smtClean="0"/>
-              <a:t>. Appel depuis l’HTML.</a:t>
-            </a:r>
-          </a:p>
-          <a:p>
-            <a:pPr lvl="1">
-              <a:buClr>
-                <a:schemeClr val="tx1"/>
-              </a:buClr>
-              <a:buFont typeface="Wingdings" pitchFamily="2" charset="2"/>
-              <a:buChar char="Ø"/>
-            </a:pPr>
-            <a:endParaRPr lang="fr-FR" dirty="0" smtClean="0"/>
+              <a:rPr lang="fr-FR" sz="2800" dirty="0" smtClean="0"/>
+              <a:t> - (Angular via HTML)</a:t>
+            </a:r>
+            <a:endParaRPr lang="fr-FR" sz="2800" dirty="0" smtClean="0"/>
           </a:p>
         </p:txBody>
       </p:sp>
@@ -13858,43 +13826,45 @@
         </p:spPr>
         <p:txBody>
           <a:bodyPr>
-            <a:normAutofit fontScale="92500" lnSpcReduction="20000"/>
+            <a:noAutofit/>
           </a:bodyPr>
           <a:lstStyle/>
           <a:p>
             <a:r>
-              <a:rPr lang="fr-FR" dirty="0"/>
-              <a:t>Séquence illustrant visuellement le fonctionnement d’un </a:t>
-            </a:r>
-            <a:r>
-              <a:rPr lang="fr-FR" i="1" dirty="0" err="1"/>
-              <a:t>operator</a:t>
-            </a:r>
-            <a:r>
-              <a:rPr lang="fr-FR" dirty="0"/>
-              <a:t>.</a:t>
-            </a:r>
-          </a:p>
-          <a:p>
-            <a:r>
-              <a:rPr lang="fr-FR" dirty="0"/>
-              <a:t>Basée sur une </a:t>
-            </a:r>
-            <a:r>
-              <a:rPr lang="fr-FR" i="1" dirty="0" err="1"/>
+              <a:rPr lang="fr-FR" sz="2800" dirty="0" smtClean="0"/>
+              <a:t>Basée </a:t>
+            </a:r>
+            <a:r>
+              <a:rPr lang="fr-FR" sz="2800" dirty="0"/>
+              <a:t>sur une </a:t>
+            </a:r>
+            <a:r>
+              <a:rPr lang="fr-FR" sz="2800" b="1" dirty="0" err="1">
+                <a:solidFill>
+                  <a:srgbClr val="0070C0"/>
+                </a:solidFill>
+              </a:rPr>
               <a:t>timeline</a:t>
             </a:r>
             <a:r>
-              <a:rPr lang="fr-FR" dirty="0"/>
-              <a:t> (concept </a:t>
-            </a:r>
-            <a:r>
-              <a:rPr lang="fr-FR" b="1" dirty="0"/>
+              <a:rPr lang="fr-FR" sz="2800" dirty="0"/>
+              <a:t> </a:t>
+            </a:r>
+            <a:r>
+              <a:rPr lang="fr-FR" sz="2800" dirty="0" smtClean="0"/>
+              <a:t>(</a:t>
+            </a:r>
+            <a:r>
+              <a:rPr lang="fr-FR" sz="2800" b="1" dirty="0" smtClean="0">
+                <a:solidFill>
+                  <a:srgbClr val="0070C0"/>
+                </a:solidFill>
+              </a:rPr>
               <a:t>asynchrone</a:t>
             </a:r>
             <a:r>
-              <a:rPr lang="fr-FR" dirty="0"/>
-              <a:t>).</a:t>
+              <a:rPr lang="fr-FR" sz="2800" dirty="0" smtClean="0"/>
+              <a:t>)</a:t>
             </a:r>
           </a:p>
           <a:p>
@@ -13906,8 +13876,20 @@
               <a:buChar char="Ø"/>
             </a:pPr>
             <a:r>
-              <a:rPr lang="fr-FR" i="1" dirty="0" smtClean="0"/>
-              <a:t>Bulle: Emission de valeur.</a:t>
+              <a:rPr lang="fr-FR" sz="2800" dirty="0" smtClean="0"/>
+              <a:t>Bulle : </a:t>
+            </a:r>
+            <a:r>
+              <a:rPr lang="fr-FR" sz="2800" b="1" dirty="0" smtClean="0">
+                <a:solidFill>
+                  <a:srgbClr val="0070C0"/>
+                </a:solidFill>
+              </a:rPr>
+              <a:t>Emission</a:t>
+            </a:r>
+            <a:r>
+              <a:rPr lang="fr-FR" sz="2800" dirty="0" smtClean="0"/>
+              <a:t> de valeur</a:t>
             </a:r>
           </a:p>
           <a:p>
@@ -13919,29 +13901,34 @@
               <a:buChar char="Ø"/>
             </a:pPr>
             <a:r>
-              <a:rPr lang="fr-FR" i="1" dirty="0" smtClean="0"/>
-              <a:t>Pipe </a:t>
-            </a:r>
-            <a:r>
-              <a:rPr lang="fr-FR" i="1" dirty="0"/>
-              <a:t>(« | »): </a:t>
-            </a:r>
-            <a:r>
-              <a:rPr lang="fr-FR" i="1" dirty="0" smtClean="0"/>
-              <a:t>Fin </a:t>
-            </a:r>
-            <a:r>
-              <a:rPr lang="fr-FR" i="1" dirty="0"/>
+              <a:rPr lang="fr-FR" sz="2800" dirty="0" smtClean="0"/>
+              <a:t>Pipe : </a:t>
+            </a:r>
+            <a:r>
+              <a:rPr lang="fr-FR" sz="2800" b="1" dirty="0" smtClean="0">
+                <a:solidFill>
+                  <a:srgbClr val="0070C0"/>
+                </a:solidFill>
+              </a:rPr>
+              <a:t>Fin</a:t>
+            </a:r>
+            <a:r>
+              <a:rPr lang="fr-FR" sz="2800" dirty="0" smtClean="0"/>
+              <a:t> </a:t>
+            </a:r>
+            <a:r>
+              <a:rPr lang="fr-FR" sz="2800" dirty="0"/>
               <a:t>de l’observable ("</a:t>
             </a:r>
             <a:r>
-              <a:rPr lang="fr-FR" i="1" dirty="0" err="1"/>
+              <a:rPr lang="fr-FR" sz="2800" dirty="0" err="1"/>
               <a:t>complete</a:t>
             </a:r>
             <a:r>
-              <a:rPr lang="fr-FR" i="1" dirty="0"/>
-              <a:t>").</a:t>
-            </a:r>
+              <a:rPr lang="fr-FR" sz="2800" dirty="0" smtClean="0"/>
+              <a:t>")</a:t>
+            </a:r>
+            <a:endParaRPr lang="fr-FR" sz="2800" dirty="0"/>
           </a:p>
           <a:p>
             <a:pPr lvl="1">
@@ -13952,47 +13939,61 @@
               <a:buChar char="Ø"/>
             </a:pPr>
             <a:r>
-              <a:rPr lang="fr-FR" i="1" dirty="0"/>
-              <a:t>Croix (« X »): Erreur dans l’émission de valeur.</a:t>
-            </a:r>
+              <a:rPr lang="fr-FR" sz="2800" dirty="0" smtClean="0"/>
+              <a:t>«</a:t>
+            </a:r>
+            <a:r>
+              <a:rPr lang="fr-FR" sz="2800" dirty="0"/>
+              <a:t> X </a:t>
+            </a:r>
+            <a:r>
+              <a:rPr lang="fr-FR" sz="2800" dirty="0" smtClean="0"/>
+              <a:t>» : </a:t>
+            </a:r>
+            <a:r>
+              <a:rPr lang="fr-FR" sz="2800" b="1" dirty="0">
+                <a:solidFill>
+                  <a:srgbClr val="0070C0"/>
+                </a:solidFill>
+              </a:rPr>
+              <a:t>Erreur</a:t>
+            </a:r>
+            <a:r>
+              <a:rPr lang="fr-FR" sz="2800" dirty="0"/>
+              <a:t> dans l’émission de </a:t>
+            </a:r>
+            <a:r>
+              <a:rPr lang="fr-FR" sz="2800" dirty="0" smtClean="0"/>
+              <a:t>valeur</a:t>
+            </a:r>
+            <a:endParaRPr lang="fr-FR" sz="2800" dirty="0" smtClean="0"/>
           </a:p>
           <a:p>
             <a:pPr lvl="1">
               <a:buClr>
                 <a:schemeClr val="tx1"/>
               </a:buClr>
-              <a:buFont typeface="Wingdings" pitchFamily="2" charset="2"/>
-              <a:buChar char="Ø"/>
+              <a:buNone/>
             </a:pPr>
-            <a:endParaRPr lang="fr-FR" dirty="0" smtClean="0"/>
-          </a:p>
-          <a:p>
-            <a:pPr lvl="1">
-              <a:buClr>
-                <a:schemeClr val="tx1"/>
-              </a:buClr>
-              <a:buFont typeface="Wingdings" pitchFamily="2" charset="2"/>
-              <a:buChar char="Ø"/>
-            </a:pPr>
-            <a:endParaRPr lang="fr-FR" dirty="0"/>
+            <a:endParaRPr lang="fr-FR" sz="2800" dirty="0" smtClean="0"/>
           </a:p>
           <a:p>
             <a:pPr lvl="1">
               <a:buNone/>
             </a:pPr>
-            <a:endParaRPr lang="fr-FR" dirty="0"/>
+            <a:endParaRPr lang="fr-FR" sz="2800" dirty="0" smtClean="0"/>
           </a:p>
           <a:p>
             <a:pPr lvl="1">
               <a:buNone/>
             </a:pPr>
-            <a:endParaRPr lang="fr-FR" dirty="0" smtClean="0"/>
+            <a:endParaRPr lang="fr-FR" sz="2800" dirty="0" smtClean="0"/>
           </a:p>
           <a:p>
             <a:pPr lvl="1">
               <a:buNone/>
             </a:pPr>
-            <a:endParaRPr lang="fr-FR" dirty="0"/>
+            <a:endParaRPr lang="fr-FR" sz="2800" dirty="0"/>
           </a:p>
           <a:p>
             <a:pPr lvl="1" algn="ctr">
@@ -14002,31 +14003,31 @@
               <a:buNone/>
             </a:pPr>
             <a:r>
-              <a:rPr lang="fr-FR" sz="2400" b="1" u="sng" dirty="0" smtClean="0"/>
+              <a:rPr lang="fr-FR" sz="1800" b="1" u="sng" dirty="0" smtClean="0"/>
               <a:t>« </a:t>
             </a:r>
             <a:r>
-              <a:rPr lang="fr-FR" sz="2400" b="1" u="sng" dirty="0" err="1" smtClean="0"/>
+              <a:rPr lang="fr-FR" sz="1800" b="1" u="sng" dirty="0" err="1" smtClean="0"/>
               <a:t>Operator</a:t>
             </a:r>
             <a:r>
-              <a:rPr lang="fr-FR" sz="2400" b="1" u="sng" dirty="0" smtClean="0"/>
+              <a:rPr lang="fr-FR" sz="1800" b="1" u="sng" dirty="0" smtClean="0"/>
               <a:t> </a:t>
             </a:r>
             <a:r>
-              <a:rPr lang="fr-FR" sz="2400" b="1" u="sng" dirty="0" err="1" smtClean="0"/>
+              <a:rPr lang="fr-FR" sz="1800" b="1" u="sng" dirty="0" err="1" smtClean="0"/>
               <a:t>Decision</a:t>
             </a:r>
             <a:r>
-              <a:rPr lang="fr-FR" sz="2400" b="1" u="sng" dirty="0" smtClean="0"/>
+              <a:rPr lang="fr-FR" sz="1800" b="1" u="sng" dirty="0" smtClean="0"/>
               <a:t> </a:t>
             </a:r>
             <a:r>
-              <a:rPr lang="fr-FR" sz="2400" b="1" u="sng" dirty="0" err="1" smtClean="0"/>
+              <a:rPr lang="fr-FR" sz="1800" b="1" u="sng" dirty="0" err="1" smtClean="0"/>
               <a:t>Tree</a:t>
             </a:r>
             <a:r>
-              <a:rPr lang="fr-FR" sz="2400" b="1" u="sng" dirty="0" smtClean="0"/>
+              <a:rPr lang="fr-FR" sz="1800" b="1" u="sng" dirty="0" smtClean="0"/>
               <a:t> » (aide)</a:t>
             </a:r>
           </a:p>
@@ -14045,7 +14046,7 @@
               </a:rPr>
               <a:t>https://rxjs-dev.firebaseapp.com/operator-decision-tree</a:t>
             </a:r>
-            <a:endParaRPr lang="fr-FR" sz="1900" b="1" i="1" u="sng" dirty="0">
+            <a:endParaRPr lang="fr-FR" sz="1800" b="1" i="1" u="sng" dirty="0">
               <a:solidFill>
                 <a:srgbClr val="00B0F0"/>
               </a:solidFill>
@@ -14209,75 +14210,97 @@
           <a:lstStyle/>
           <a:p>
             <a:r>
-              <a:rPr lang="fr-FR" dirty="0"/>
-              <a:t>Exemples: of, </a:t>
-            </a:r>
-            <a:r>
-              <a:rPr lang="fr-FR" dirty="0" err="1"/>
+              <a:rPr lang="fr-FR" sz="2800" dirty="0" smtClean="0"/>
+              <a:t>of</a:t>
+            </a:r>
+            <a:r>
+              <a:rPr lang="fr-FR" sz="2800" dirty="0"/>
+              <a:t>, </a:t>
+            </a:r>
+            <a:r>
+              <a:rPr lang="fr-FR" sz="2800" dirty="0" err="1"/>
               <a:t>from</a:t>
             </a:r>
             <a:r>
-              <a:rPr lang="fr-FR" dirty="0"/>
+              <a:rPr lang="fr-FR" sz="2800" dirty="0"/>
               <a:t>, </a:t>
             </a:r>
             <a:r>
-              <a:rPr lang="fr-FR" dirty="0" err="1"/>
+              <a:rPr lang="fr-FR" sz="2800" dirty="0" err="1"/>
               <a:t>timer</a:t>
             </a:r>
             <a:r>
-              <a:rPr lang="fr-FR" dirty="0"/>
+              <a:rPr lang="fr-FR" sz="2800" dirty="0"/>
               <a:t>, etc.</a:t>
             </a:r>
           </a:p>
           <a:p>
             <a:pPr lvl="1"/>
             <a:r>
-              <a:rPr lang="fr-FR" i="1" dirty="0"/>
-              <a:t>Ils créent leurs propres valeurs (« sources autonomes d’émission »).</a:t>
-            </a:r>
+              <a:rPr lang="fr-FR" sz="2800" dirty="0"/>
+              <a:t>Ils créent leurs </a:t>
+            </a:r>
+            <a:r>
+              <a:rPr lang="fr-FR" sz="2800" b="1" dirty="0">
+                <a:solidFill>
+                  <a:srgbClr val="0070C0"/>
+                </a:solidFill>
+              </a:rPr>
+              <a:t>propres valeurs </a:t>
+            </a:r>
+            <a:r>
+              <a:rPr lang="fr-FR" sz="2800" dirty="0"/>
+              <a:t>(« sources autonomes d’émission </a:t>
+            </a:r>
+            <a:r>
+              <a:rPr lang="fr-FR" sz="2800" dirty="0" smtClean="0"/>
+              <a:t>»)</a:t>
+            </a:r>
+            <a:endParaRPr lang="fr-FR" sz="2800" dirty="0"/>
           </a:p>
           <a:p>
             <a:pPr lvl="1"/>
             <a:r>
-              <a:rPr lang="fr-FR" i="1" dirty="0" smtClean="0"/>
-              <a:t>Source de données = 1 seule </a:t>
-            </a:r>
-            <a:r>
-              <a:rPr lang="fr-FR" i="1" dirty="0" err="1" smtClean="0"/>
+              <a:rPr lang="fr-FR" sz="2800" dirty="0" smtClean="0"/>
+              <a:t>Source de données = 1 </a:t>
+            </a:r>
+            <a:r>
+              <a:rPr lang="fr-FR" sz="2800" b="1" dirty="0" smtClean="0">
+                <a:solidFill>
+                  <a:srgbClr val="0070C0"/>
+                </a:solidFill>
+              </a:rPr>
+              <a:t>seule </a:t>
+            </a:r>
+            <a:r>
+              <a:rPr lang="fr-FR" sz="2800" b="1" dirty="0" err="1" smtClean="0">
+                <a:solidFill>
+                  <a:srgbClr val="0070C0"/>
+                </a:solidFill>
+              </a:rPr>
               <a:t>timeline</a:t>
             </a:r>
-            <a:r>
-              <a:rPr lang="fr-FR" i="1" dirty="0" smtClean="0"/>
-              <a:t>.</a:t>
-            </a:r>
-            <a:endParaRPr lang="fr-FR" i="1" dirty="0"/>
+            <a:endParaRPr lang="fr-FR" sz="2800" b="1" dirty="0">
+              <a:solidFill>
+                <a:srgbClr val="0070C0"/>
+              </a:solidFill>
+            </a:endParaRPr>
           </a:p>
           <a:p>
             <a:pPr lvl="1"/>
             <a:r>
-              <a:rPr lang="fr-FR" i="1" dirty="0" smtClean="0"/>
+              <a:rPr lang="fr-FR" sz="2800" dirty="0" smtClean="0"/>
               <a:t>Peu </a:t>
             </a:r>
             <a:r>
-              <a:rPr lang="fr-FR" i="1" dirty="0"/>
-              <a:t>utilisés en pratique (mais </a:t>
-            </a:r>
-            <a:r>
-              <a:rPr lang="fr-FR" i="1" dirty="0" smtClean="0"/>
-              <a:t>utiles </a:t>
-            </a:r>
-            <a:r>
-              <a:rPr lang="fr-FR" i="1" dirty="0"/>
-              <a:t>pour tester </a:t>
-            </a:r>
-            <a:r>
-              <a:rPr lang="fr-FR" i="1" dirty="0" err="1"/>
-              <a:t>RxJS</a:t>
-            </a:r>
-            <a:r>
-              <a:rPr lang="fr-FR" i="1" dirty="0"/>
-              <a:t>).</a:t>
-            </a:r>
+              <a:rPr lang="fr-FR" sz="2800" dirty="0"/>
+              <a:t>utilisés en </a:t>
+            </a:r>
+            <a:r>
+              <a:rPr lang="fr-FR" sz="2800" dirty="0" smtClean="0"/>
+              <a:t>pratique</a:t>
+            </a:r>
+            <a:endParaRPr lang="fr-FR" sz="2800" dirty="0"/>
           </a:p>
           <a:p>
             <a:pPr>
